--- a/Overview.pptx
+++ b/Overview.pptx
@@ -117,7 +117,7 @@
   </p:defaultTextStyle>
   <p:extLst>
     <p:ext uri="{EFAFB233-063F-42B5-8137-9DF3F51BA10A}">
-      <p15:sldGuideLst xmlns="" xmlns:p15="http://schemas.microsoft.com/office/powerpoint/2012/main"/>
+      <p15:sldGuideLst xmlns:p15="http://schemas.microsoft.com/office/powerpoint/2012/main" xmlns=""/>
     </p:ext>
   </p:extLst>
 </p:presentation>
@@ -254,7 +254,7 @@
           <a:p>
             <a:fld id="{6566BBB5-0EBE-4957-8F05-914BDF7BA569}" type="datetimeFigureOut">
               <a:rPr lang="en-US" smtClean="0"/>
-              <a:t>11/16/2019</a:t>
+              <a:t>11/17/2019</a:t>
             </a:fld>
             <a:endParaRPr lang="en-US"/>
           </a:p>
@@ -424,7 +424,7 @@
           <a:p>
             <a:fld id="{6566BBB5-0EBE-4957-8F05-914BDF7BA569}" type="datetimeFigureOut">
               <a:rPr lang="en-US" smtClean="0"/>
-              <a:t>11/16/2019</a:t>
+              <a:t>11/17/2019</a:t>
             </a:fld>
             <a:endParaRPr lang="en-US"/>
           </a:p>
@@ -604,7 +604,7 @@
           <a:p>
             <a:fld id="{6566BBB5-0EBE-4957-8F05-914BDF7BA569}" type="datetimeFigureOut">
               <a:rPr lang="en-US" smtClean="0"/>
-              <a:t>11/16/2019</a:t>
+              <a:t>11/17/2019</a:t>
             </a:fld>
             <a:endParaRPr lang="en-US"/>
           </a:p>
@@ -774,7 +774,7 @@
           <a:p>
             <a:fld id="{6566BBB5-0EBE-4957-8F05-914BDF7BA569}" type="datetimeFigureOut">
               <a:rPr lang="en-US" smtClean="0"/>
-              <a:t>11/16/2019</a:t>
+              <a:t>11/17/2019</a:t>
             </a:fld>
             <a:endParaRPr lang="en-US"/>
           </a:p>
@@ -1020,7 +1020,7 @@
           <a:p>
             <a:fld id="{6566BBB5-0EBE-4957-8F05-914BDF7BA569}" type="datetimeFigureOut">
               <a:rPr lang="en-US" smtClean="0"/>
-              <a:t>11/16/2019</a:t>
+              <a:t>11/17/2019</a:t>
             </a:fld>
             <a:endParaRPr lang="en-US"/>
           </a:p>
@@ -1252,7 +1252,7 @@
           <a:p>
             <a:fld id="{6566BBB5-0EBE-4957-8F05-914BDF7BA569}" type="datetimeFigureOut">
               <a:rPr lang="en-US" smtClean="0"/>
-              <a:t>11/16/2019</a:t>
+              <a:t>11/17/2019</a:t>
             </a:fld>
             <a:endParaRPr lang="en-US"/>
           </a:p>
@@ -1619,7 +1619,7 @@
           <a:p>
             <a:fld id="{6566BBB5-0EBE-4957-8F05-914BDF7BA569}" type="datetimeFigureOut">
               <a:rPr lang="en-US" smtClean="0"/>
-              <a:t>11/16/2019</a:t>
+              <a:t>11/17/2019</a:t>
             </a:fld>
             <a:endParaRPr lang="en-US"/>
           </a:p>
@@ -1737,7 +1737,7 @@
           <a:p>
             <a:fld id="{6566BBB5-0EBE-4957-8F05-914BDF7BA569}" type="datetimeFigureOut">
               <a:rPr lang="en-US" smtClean="0"/>
-              <a:t>11/16/2019</a:t>
+              <a:t>11/17/2019</a:t>
             </a:fld>
             <a:endParaRPr lang="en-US"/>
           </a:p>
@@ -1832,7 +1832,7 @@
           <a:p>
             <a:fld id="{6566BBB5-0EBE-4957-8F05-914BDF7BA569}" type="datetimeFigureOut">
               <a:rPr lang="en-US" smtClean="0"/>
-              <a:t>11/16/2019</a:t>
+              <a:t>11/17/2019</a:t>
             </a:fld>
             <a:endParaRPr lang="en-US"/>
           </a:p>
@@ -2109,7 +2109,7 @@
           <a:p>
             <a:fld id="{6566BBB5-0EBE-4957-8F05-914BDF7BA569}" type="datetimeFigureOut">
               <a:rPr lang="en-US" smtClean="0"/>
-              <a:t>11/16/2019</a:t>
+              <a:t>11/17/2019</a:t>
             </a:fld>
             <a:endParaRPr lang="en-US"/>
           </a:p>
@@ -2362,7 +2362,7 @@
           <a:p>
             <a:fld id="{6566BBB5-0EBE-4957-8F05-914BDF7BA569}" type="datetimeFigureOut">
               <a:rPr lang="en-US" smtClean="0"/>
-              <a:t>11/16/2019</a:t>
+              <a:t>11/17/2019</a:t>
             </a:fld>
             <a:endParaRPr lang="en-US"/>
           </a:p>
@@ -2575,7 +2575,7 @@
           <a:p>
             <a:fld id="{6566BBB5-0EBE-4957-8F05-914BDF7BA569}" type="datetimeFigureOut">
               <a:rPr lang="en-US" smtClean="0"/>
-              <a:t>11/16/2019</a:t>
+              <a:t>11/17/2019</a:t>
             </a:fld>
             <a:endParaRPr lang="en-US"/>
           </a:p>
@@ -28709,7 +28709,7 @@
   <a:extraClrSchemeLst/>
   <a:extLst>
     <a:ext uri="{05A4C25C-085E-4340-85A3-A5531E510DB2}">
-      <thm15:themeFamily xmlns="" xmlns:thm15="http://schemas.microsoft.com/office/thememl/2012/main" name="Office Theme" id="{62F939B6-93AF-4DB8-9C6B-D6C7DFDC589F}" vid="{4A3C46E8-61CC-4603-A589-7422A47A8E4A}"/>
+      <thm15:themeFamily xmlns:thm15="http://schemas.microsoft.com/office/thememl/2012/main" xmlns="" name="Office Theme" id="{62F939B6-93AF-4DB8-9C6B-D6C7DFDC589F}" vid="{4A3C46E8-61CC-4603-A589-7422A47A8E4A}"/>
     </a:ext>
   </a:extLst>
 </a:theme>

--- a/Overview.pptx
+++ b/Overview.pptx
@@ -117,7 +117,7 @@
   </p:defaultTextStyle>
   <p:extLst>
     <p:ext uri="{EFAFB233-063F-42B5-8137-9DF3F51BA10A}">
-      <p15:sldGuideLst xmlns:p15="http://schemas.microsoft.com/office/powerpoint/2012/main" xmlns=""/>
+      <p15:sldGuideLst xmlns="" xmlns:p15="http://schemas.microsoft.com/office/powerpoint/2012/main"/>
     </p:ext>
   </p:extLst>
 </p:presentation>
@@ -254,7 +254,7 @@
           <a:p>
             <a:fld id="{6566BBB5-0EBE-4957-8F05-914BDF7BA569}" type="datetimeFigureOut">
               <a:rPr lang="en-US" smtClean="0"/>
-              <a:t>11/17/2019</a:t>
+              <a:t>11/18/2019</a:t>
             </a:fld>
             <a:endParaRPr lang="en-US"/>
           </a:p>
@@ -424,7 +424,7 @@
           <a:p>
             <a:fld id="{6566BBB5-0EBE-4957-8F05-914BDF7BA569}" type="datetimeFigureOut">
               <a:rPr lang="en-US" smtClean="0"/>
-              <a:t>11/17/2019</a:t>
+              <a:t>11/18/2019</a:t>
             </a:fld>
             <a:endParaRPr lang="en-US"/>
           </a:p>
@@ -604,7 +604,7 @@
           <a:p>
             <a:fld id="{6566BBB5-0EBE-4957-8F05-914BDF7BA569}" type="datetimeFigureOut">
               <a:rPr lang="en-US" smtClean="0"/>
-              <a:t>11/17/2019</a:t>
+              <a:t>11/18/2019</a:t>
             </a:fld>
             <a:endParaRPr lang="en-US"/>
           </a:p>
@@ -774,7 +774,7 @@
           <a:p>
             <a:fld id="{6566BBB5-0EBE-4957-8F05-914BDF7BA569}" type="datetimeFigureOut">
               <a:rPr lang="en-US" smtClean="0"/>
-              <a:t>11/17/2019</a:t>
+              <a:t>11/18/2019</a:t>
             </a:fld>
             <a:endParaRPr lang="en-US"/>
           </a:p>
@@ -1020,7 +1020,7 @@
           <a:p>
             <a:fld id="{6566BBB5-0EBE-4957-8F05-914BDF7BA569}" type="datetimeFigureOut">
               <a:rPr lang="en-US" smtClean="0"/>
-              <a:t>11/17/2019</a:t>
+              <a:t>11/18/2019</a:t>
             </a:fld>
             <a:endParaRPr lang="en-US"/>
           </a:p>
@@ -1252,7 +1252,7 @@
           <a:p>
             <a:fld id="{6566BBB5-0EBE-4957-8F05-914BDF7BA569}" type="datetimeFigureOut">
               <a:rPr lang="en-US" smtClean="0"/>
-              <a:t>11/17/2019</a:t>
+              <a:t>11/18/2019</a:t>
             </a:fld>
             <a:endParaRPr lang="en-US"/>
           </a:p>
@@ -1619,7 +1619,7 @@
           <a:p>
             <a:fld id="{6566BBB5-0EBE-4957-8F05-914BDF7BA569}" type="datetimeFigureOut">
               <a:rPr lang="en-US" smtClean="0"/>
-              <a:t>11/17/2019</a:t>
+              <a:t>11/18/2019</a:t>
             </a:fld>
             <a:endParaRPr lang="en-US"/>
           </a:p>
@@ -1737,7 +1737,7 @@
           <a:p>
             <a:fld id="{6566BBB5-0EBE-4957-8F05-914BDF7BA569}" type="datetimeFigureOut">
               <a:rPr lang="en-US" smtClean="0"/>
-              <a:t>11/17/2019</a:t>
+              <a:t>11/18/2019</a:t>
             </a:fld>
             <a:endParaRPr lang="en-US"/>
           </a:p>
@@ -1832,7 +1832,7 @@
           <a:p>
             <a:fld id="{6566BBB5-0EBE-4957-8F05-914BDF7BA569}" type="datetimeFigureOut">
               <a:rPr lang="en-US" smtClean="0"/>
-              <a:t>11/17/2019</a:t>
+              <a:t>11/18/2019</a:t>
             </a:fld>
             <a:endParaRPr lang="en-US"/>
           </a:p>
@@ -2109,7 +2109,7 @@
           <a:p>
             <a:fld id="{6566BBB5-0EBE-4957-8F05-914BDF7BA569}" type="datetimeFigureOut">
               <a:rPr lang="en-US" smtClean="0"/>
-              <a:t>11/17/2019</a:t>
+              <a:t>11/18/2019</a:t>
             </a:fld>
             <a:endParaRPr lang="en-US"/>
           </a:p>
@@ -2362,7 +2362,7 @@
           <a:p>
             <a:fld id="{6566BBB5-0EBE-4957-8F05-914BDF7BA569}" type="datetimeFigureOut">
               <a:rPr lang="en-US" smtClean="0"/>
-              <a:t>11/17/2019</a:t>
+              <a:t>11/18/2019</a:t>
             </a:fld>
             <a:endParaRPr lang="en-US"/>
           </a:p>
@@ -2575,7 +2575,7 @@
           <a:p>
             <a:fld id="{6566BBB5-0EBE-4957-8F05-914BDF7BA569}" type="datetimeFigureOut">
               <a:rPr lang="en-US" smtClean="0"/>
-              <a:t>11/17/2019</a:t>
+              <a:t>11/18/2019</a:t>
             </a:fld>
             <a:endParaRPr lang="en-US"/>
           </a:p>
@@ -4673,7 +4673,7 @@
           <p:spPr>
             <a:xfrm>
               <a:off x="432913" y="1656880"/>
-              <a:ext cx="2027221" cy="888898"/>
+              <a:ext cx="2027221" cy="923330"/>
             </a:xfrm>
             <a:prstGeom prst="rect">
               <a:avLst/>
@@ -4754,7 +4754,7 @@
                 <a:buChar char="•"/>
               </a:pPr>
               <a:r>
-                <a:rPr lang="vi-VN" sz="1200" dirty="0" err="1" smtClean="0">
+                <a:rPr lang="en-US" sz="1200" dirty="0" err="1" smtClean="0">
                   <a:ln w="0"/>
                   <a:solidFill>
                     <a:schemeClr val="accent1">
@@ -4772,31 +4772,31 @@
                   <a:ea typeface="Segoe UI Black" panose="020B0A02040204020203" pitchFamily="34" charset="0"/>
                   <a:cs typeface="Segoe UI" panose="020B0502040204020203" pitchFamily="34" charset="0"/>
                 </a:rPr>
-                <a:t>Node</a:t>
+                <a:t>Int</a:t>
+              </a:r>
+              <a:r>
+                <a:rPr lang="en-US" sz="1200" dirty="0" smtClean="0">
+                  <a:ln w="0"/>
+                  <a:solidFill>
+                    <a:schemeClr val="accent1">
+                      <a:lumMod val="50000"/>
+                    </a:schemeClr>
+                  </a:solidFill>
+                  <a:effectLst>
+                    <a:outerShdw blurRad="38100" dist="19050" dir="2700000" algn="tl" rotWithShape="0">
+                      <a:schemeClr val="dk1">
+                        <a:alpha val="40000"/>
+                      </a:schemeClr>
+                    </a:outerShdw>
+                  </a:effectLst>
+                  <a:latin typeface="Segoe UI" panose="020B0502040204020203" pitchFamily="34" charset="0"/>
+                  <a:ea typeface="Segoe UI Black" panose="020B0A02040204020203" pitchFamily="34" charset="0"/>
+                  <a:cs typeface="Segoe UI" panose="020B0502040204020203" pitchFamily="34" charset="0"/>
+                </a:rPr>
+                <a:t> </a:t>
               </a:r>
               <a:r>
                 <a:rPr lang="vi-VN" sz="1200" dirty="0" smtClean="0">
-                  <a:ln w="0"/>
-                  <a:solidFill>
-                    <a:schemeClr val="accent1">
-                      <a:lumMod val="50000"/>
-                    </a:schemeClr>
-                  </a:solidFill>
-                  <a:effectLst>
-                    <a:outerShdw blurRad="38100" dist="19050" dir="2700000" algn="tl" rotWithShape="0">
-                      <a:schemeClr val="dk1">
-                        <a:alpha val="40000"/>
-                      </a:schemeClr>
-                    </a:outerShdw>
-                  </a:effectLst>
-                  <a:latin typeface="Segoe UI" panose="020B0502040204020203" pitchFamily="34" charset="0"/>
-                  <a:ea typeface="Segoe UI Black" panose="020B0A02040204020203" pitchFamily="34" charset="0"/>
-                  <a:cs typeface="Segoe UI" panose="020B0502040204020203" pitchFamily="34" charset="0"/>
-                </a:rPr>
-                <a:t> </a:t>
-              </a:r>
-              <a:r>
-                <a:rPr lang="vi-VN" sz="1200" dirty="0" err="1" smtClean="0">
                   <a:ln w="0"/>
                   <a:solidFill>
                     <a:schemeClr val="accent1">
@@ -6482,7 +6482,7 @@
           <p:spPr>
             <a:xfrm>
               <a:off x="7075476" y="1958950"/>
-              <a:ext cx="2407454" cy="1442896"/>
+              <a:ext cx="2407454" cy="1477328"/>
             </a:xfrm>
             <a:prstGeom prst="rect">
               <a:avLst/>
@@ -6503,7 +6503,7 @@
                 <a:buChar char="•"/>
               </a:pPr>
               <a:r>
-                <a:rPr lang="vi-VN" sz="1200" dirty="0" err="1">
+                <a:rPr lang="en-US" sz="1200" dirty="0" err="1" smtClean="0">
                   <a:ln w="0"/>
                   <a:solidFill>
                     <a:schemeClr val="accent1">
@@ -6521,10 +6521,10 @@
                   <a:ea typeface="Segoe UI Black" panose="020B0A02040204020203" pitchFamily="34" charset="0"/>
                   <a:cs typeface="Segoe UI" panose="020B0502040204020203" pitchFamily="34" charset="0"/>
                 </a:rPr>
-                <a:t>N</a:t>
-              </a:r>
-              <a:r>
-                <a:rPr lang="vi-VN" sz="1200" dirty="0" err="1" smtClean="0">
+                <a:t>inr</a:t>
+              </a:r>
+              <a:r>
+                <a:rPr lang="vi-VN" sz="1200" dirty="0" smtClean="0">
                   <a:ln w="0"/>
                   <a:solidFill>
                     <a:schemeClr val="accent1">
@@ -6542,7 +6542,7 @@
                   <a:ea typeface="Segoe UI Black" panose="020B0A02040204020203" pitchFamily="34" charset="0"/>
                   <a:cs typeface="Segoe UI" panose="020B0502040204020203" pitchFamily="34" charset="0"/>
                 </a:rPr>
-                <a:t>ode</a:t>
+                <a:t> </a:t>
               </a:r>
               <a:r>
                 <a:rPr lang="vi-VN" sz="1200" dirty="0" smtClean="0">
@@ -6563,47 +6563,8 @@
                   <a:ea typeface="Segoe UI Black" panose="020B0A02040204020203" pitchFamily="34" charset="0"/>
                   <a:cs typeface="Segoe UI" panose="020B0502040204020203" pitchFamily="34" charset="0"/>
                 </a:rPr>
-                <a:t> </a:t>
-              </a:r>
-              <a:r>
-                <a:rPr lang="vi-VN" sz="1200" dirty="0" err="1" smtClean="0">
-                  <a:ln w="0"/>
-                  <a:solidFill>
-                    <a:schemeClr val="accent1">
-                      <a:lumMod val="50000"/>
-                    </a:schemeClr>
-                  </a:solidFill>
-                  <a:effectLst>
-                    <a:outerShdw blurRad="38100" dist="19050" dir="2700000" algn="tl" rotWithShape="0">
-                      <a:schemeClr val="dk1">
-                        <a:alpha val="40000"/>
-                      </a:schemeClr>
-                    </a:outerShdw>
-                  </a:effectLst>
-                  <a:latin typeface="Segoe UI" panose="020B0502040204020203" pitchFamily="34" charset="0"/>
-                  <a:ea typeface="Segoe UI Black" panose="020B0A02040204020203" pitchFamily="34" charset="0"/>
-                  <a:cs typeface="Segoe UI" panose="020B0502040204020203" pitchFamily="34" charset="0"/>
-                </a:rPr>
                 <a:t>currentPos</a:t>
               </a:r>
-              <a:endParaRPr lang="vi-VN" sz="1200" dirty="0" smtClean="0">
-                <a:ln w="0"/>
-                <a:solidFill>
-                  <a:schemeClr val="accent1">
-                    <a:lumMod val="50000"/>
-                  </a:schemeClr>
-                </a:solidFill>
-                <a:effectLst>
-                  <a:outerShdw blurRad="38100" dist="19050" dir="2700000" algn="tl" rotWithShape="0">
-                    <a:schemeClr val="dk1">
-                      <a:alpha val="40000"/>
-                    </a:schemeClr>
-                  </a:outerShdw>
-                </a:effectLst>
-                <a:latin typeface="Segoe UI" panose="020B0502040204020203" pitchFamily="34" charset="0"/>
-                <a:ea typeface="Segoe UI Black" panose="020B0A02040204020203" pitchFamily="34" charset="0"/>
-                <a:cs typeface="Segoe UI" panose="020B0502040204020203" pitchFamily="34" charset="0"/>
-              </a:endParaRPr>
             </a:p>
             <a:p>
               <a:pPr marL="285750" indent="-285750">
@@ -28709,7 +28670,7 @@
   <a:extraClrSchemeLst/>
   <a:extLst>
     <a:ext uri="{05A4C25C-085E-4340-85A3-A5531E510DB2}">
-      <thm15:themeFamily xmlns:thm15="http://schemas.microsoft.com/office/thememl/2012/main" xmlns="" name="Office Theme" id="{62F939B6-93AF-4DB8-9C6B-D6C7DFDC589F}" vid="{4A3C46E8-61CC-4603-A589-7422A47A8E4A}"/>
+      <thm15:themeFamily xmlns="" xmlns:thm15="http://schemas.microsoft.com/office/thememl/2012/main" name="Office Theme" id="{62F939B6-93AF-4DB8-9C6B-D6C7DFDC589F}" vid="{4A3C46E8-61CC-4603-A589-7422A47A8E4A}"/>
     </a:ext>
   </a:extLst>
 </a:theme>

--- a/Overview.pptx
+++ b/Overview.pptx
@@ -117,7 +117,7 @@
   </p:defaultTextStyle>
   <p:extLst>
     <p:ext uri="{EFAFB233-063F-42B5-8137-9DF3F51BA10A}">
-      <p15:sldGuideLst xmlns="" xmlns:p15="http://schemas.microsoft.com/office/powerpoint/2012/main"/>
+      <p15:sldGuideLst xmlns:p15="http://schemas.microsoft.com/office/powerpoint/2012/main" xmlns=""/>
     </p:ext>
   </p:extLst>
 </p:presentation>
@@ -254,7 +254,7 @@
           <a:p>
             <a:fld id="{6566BBB5-0EBE-4957-8F05-914BDF7BA569}" type="datetimeFigureOut">
               <a:rPr lang="en-US" smtClean="0"/>
-              <a:t>11/18/2019</a:t>
+              <a:t>12/12/2019</a:t>
             </a:fld>
             <a:endParaRPr lang="en-US"/>
           </a:p>
@@ -424,7 +424,7 @@
           <a:p>
             <a:fld id="{6566BBB5-0EBE-4957-8F05-914BDF7BA569}" type="datetimeFigureOut">
               <a:rPr lang="en-US" smtClean="0"/>
-              <a:t>11/18/2019</a:t>
+              <a:t>12/12/2019</a:t>
             </a:fld>
             <a:endParaRPr lang="en-US"/>
           </a:p>
@@ -604,7 +604,7 @@
           <a:p>
             <a:fld id="{6566BBB5-0EBE-4957-8F05-914BDF7BA569}" type="datetimeFigureOut">
               <a:rPr lang="en-US" smtClean="0"/>
-              <a:t>11/18/2019</a:t>
+              <a:t>12/12/2019</a:t>
             </a:fld>
             <a:endParaRPr lang="en-US"/>
           </a:p>
@@ -774,7 +774,7 @@
           <a:p>
             <a:fld id="{6566BBB5-0EBE-4957-8F05-914BDF7BA569}" type="datetimeFigureOut">
               <a:rPr lang="en-US" smtClean="0"/>
-              <a:t>11/18/2019</a:t>
+              <a:t>12/12/2019</a:t>
             </a:fld>
             <a:endParaRPr lang="en-US"/>
           </a:p>
@@ -1020,7 +1020,7 @@
           <a:p>
             <a:fld id="{6566BBB5-0EBE-4957-8F05-914BDF7BA569}" type="datetimeFigureOut">
               <a:rPr lang="en-US" smtClean="0"/>
-              <a:t>11/18/2019</a:t>
+              <a:t>12/12/2019</a:t>
             </a:fld>
             <a:endParaRPr lang="en-US"/>
           </a:p>
@@ -1252,7 +1252,7 @@
           <a:p>
             <a:fld id="{6566BBB5-0EBE-4957-8F05-914BDF7BA569}" type="datetimeFigureOut">
               <a:rPr lang="en-US" smtClean="0"/>
-              <a:t>11/18/2019</a:t>
+              <a:t>12/12/2019</a:t>
             </a:fld>
             <a:endParaRPr lang="en-US"/>
           </a:p>
@@ -1619,7 +1619,7 @@
           <a:p>
             <a:fld id="{6566BBB5-0EBE-4957-8F05-914BDF7BA569}" type="datetimeFigureOut">
               <a:rPr lang="en-US" smtClean="0"/>
-              <a:t>11/18/2019</a:t>
+              <a:t>12/12/2019</a:t>
             </a:fld>
             <a:endParaRPr lang="en-US"/>
           </a:p>
@@ -1737,7 +1737,7 @@
           <a:p>
             <a:fld id="{6566BBB5-0EBE-4957-8F05-914BDF7BA569}" type="datetimeFigureOut">
               <a:rPr lang="en-US" smtClean="0"/>
-              <a:t>11/18/2019</a:t>
+              <a:t>12/12/2019</a:t>
             </a:fld>
             <a:endParaRPr lang="en-US"/>
           </a:p>
@@ -1832,7 +1832,7 @@
           <a:p>
             <a:fld id="{6566BBB5-0EBE-4957-8F05-914BDF7BA569}" type="datetimeFigureOut">
               <a:rPr lang="en-US" smtClean="0"/>
-              <a:t>11/18/2019</a:t>
+              <a:t>12/12/2019</a:t>
             </a:fld>
             <a:endParaRPr lang="en-US"/>
           </a:p>
@@ -2109,7 +2109,7 @@
           <a:p>
             <a:fld id="{6566BBB5-0EBE-4957-8F05-914BDF7BA569}" type="datetimeFigureOut">
               <a:rPr lang="en-US" smtClean="0"/>
-              <a:t>11/18/2019</a:t>
+              <a:t>12/12/2019</a:t>
             </a:fld>
             <a:endParaRPr lang="en-US"/>
           </a:p>
@@ -2362,7 +2362,7 @@
           <a:p>
             <a:fld id="{6566BBB5-0EBE-4957-8F05-914BDF7BA569}" type="datetimeFigureOut">
               <a:rPr lang="en-US" smtClean="0"/>
-              <a:t>11/18/2019</a:t>
+              <a:t>12/12/2019</a:t>
             </a:fld>
             <a:endParaRPr lang="en-US"/>
           </a:p>
@@ -2575,7 +2575,7 @@
           <a:p>
             <a:fld id="{6566BBB5-0EBE-4957-8F05-914BDF7BA569}" type="datetimeFigureOut">
               <a:rPr lang="en-US" smtClean="0"/>
-              <a:t>11/18/2019</a:t>
+              <a:t>12/12/2019</a:t>
             </a:fld>
             <a:endParaRPr lang="en-US"/>
           </a:p>
@@ -3770,43 +3770,6 @@
           <a:chExt cx="0" cy="0"/>
         </a:xfrm>
       </p:grpSpPr>
-      <p:cxnSp>
-        <p:nvCxnSpPr>
-          <p:cNvPr id="48" name="Đường Kết nối Gấp khúc 47"/>
-          <p:cNvCxnSpPr>
-            <a:endCxn id="9" idx="3"/>
-          </p:cNvCxnSpPr>
-          <p:nvPr/>
-        </p:nvCxnSpPr>
-        <p:spPr>
-          <a:xfrm rot="10800000" flipV="1">
-            <a:off x="4652013" y="3790900"/>
-            <a:ext cx="4338183" cy="736857"/>
-          </a:xfrm>
-          <a:prstGeom prst="bentConnector3">
-            <a:avLst>
-              <a:gd name="adj1" fmla="val 50000"/>
-            </a:avLst>
-          </a:prstGeom>
-          <a:ln w="28575">
-            <a:tailEnd type="triangle"/>
-          </a:ln>
-        </p:spPr>
-        <p:style>
-          <a:lnRef idx="1">
-            <a:schemeClr val="accent1"/>
-          </a:lnRef>
-          <a:fillRef idx="0">
-            <a:schemeClr val="accent1"/>
-          </a:fillRef>
-          <a:effectRef idx="0">
-            <a:schemeClr val="accent1"/>
-          </a:effectRef>
-          <a:fontRef idx="minor">
-            <a:schemeClr val="tx1"/>
-          </a:fontRef>
-        </p:style>
-      </p:cxnSp>
       <p:sp>
         <p:nvSpPr>
           <p:cNvPr id="2" name="Rectangle 1"/>
@@ -3872,5125 +3835,47 @@
           </a:p>
         </p:txBody>
       </p:sp>
-      <p:grpSp>
-        <p:nvGrpSpPr>
-          <p:cNvPr id="24" name="Nhóm 23"/>
-          <p:cNvGrpSpPr/>
+      <p:pic>
+        <p:nvPicPr>
+          <p:cNvPr id="1026" name="Picture 2" descr="C:\Users\admin\Desktop\Basic Class Diagram with Attributes and Operations.png"/>
+          <p:cNvPicPr>
+            <a:picLocks noChangeAspect="1" noChangeArrowheads="1"/>
+          </p:cNvPicPr>
           <p:nvPr/>
-        </p:nvGrpSpPr>
-        <p:grpSpPr>
+        </p:nvPicPr>
+        <p:blipFill>
+          <a:blip r:embed="rId2">
+            <a:extLst>
+              <a:ext uri="{28A0092B-C50C-407E-A947-70E740481C1C}">
+                <a14:useLocalDpi xmlns:a14="http://schemas.microsoft.com/office/drawing/2010/main" val="0"/>
+              </a:ext>
+            </a:extLst>
+          </a:blip>
+          <a:srcRect/>
+          <a:stretch>
+            <a:fillRect/>
+          </a:stretch>
+        </p:blipFill>
+        <p:spPr bwMode="auto">
           <a:xfrm>
-            <a:off x="512610" y="554767"/>
-            <a:ext cx="3082102" cy="3590937"/>
-            <a:chOff x="391524" y="1208426"/>
-            <a:chExt cx="3082102" cy="3590937"/>
+            <a:off x="910166" y="766799"/>
+            <a:ext cx="10371666" cy="5956301"/>
           </a:xfrm>
-        </p:grpSpPr>
-        <p:sp>
-          <p:nvSpPr>
-            <p:cNvPr id="3" name="Rectangle 18"/>
-            <p:cNvSpPr/>
-            <p:nvPr/>
-          </p:nvSpPr>
-          <p:spPr>
-            <a:xfrm>
-              <a:off x="391525" y="1208426"/>
-              <a:ext cx="3082101" cy="448454"/>
-            </a:xfrm>
-            <a:prstGeom prst="rect">
-              <a:avLst/>
-            </a:prstGeom>
-            <a:solidFill>
-              <a:schemeClr val="accent1">
-                <a:lumMod val="75000"/>
-              </a:schemeClr>
-            </a:solidFill>
-          </p:spPr>
-          <p:style>
-            <a:lnRef idx="2">
-              <a:schemeClr val="accent1">
-                <a:shade val="50000"/>
-              </a:schemeClr>
-            </a:lnRef>
-            <a:fillRef idx="1">
-              <a:schemeClr val="accent1"/>
-            </a:fillRef>
-            <a:effectRef idx="0">
-              <a:schemeClr val="accent1"/>
-            </a:effectRef>
-            <a:fontRef idx="minor">
-              <a:schemeClr val="lt1"/>
-            </a:fontRef>
-          </p:style>
-          <p:txBody>
-            <a:bodyPr rtlCol="0" anchor="ctr"/>
-            <a:lstStyle/>
-            <a:p>
-              <a:pPr algn="ctr"/>
-              <a:endParaRPr lang="en-US"/>
-            </a:p>
-          </p:txBody>
-        </p:sp>
-        <p:sp>
-          <p:nvSpPr>
-            <p:cNvPr id="4" name="Rectangle 6"/>
-            <p:cNvSpPr/>
-            <p:nvPr/>
-          </p:nvSpPr>
-          <p:spPr>
-            <a:xfrm>
-              <a:off x="1305034" y="1292464"/>
-              <a:ext cx="1217877" cy="307777"/>
-            </a:xfrm>
-            <a:prstGeom prst="rect">
-              <a:avLst/>
-            </a:prstGeom>
-            <a:noFill/>
-          </p:spPr>
-          <p:txBody>
-            <a:bodyPr wrap="square" lIns="91440" tIns="45720" rIns="91440" bIns="45720">
-              <a:spAutoFit/>
-            </a:bodyPr>
-            <a:lstStyle/>
-            <a:p>
-              <a:pPr algn="ctr"/>
-              <a:r>
-                <a:rPr lang="en-US" sz="1400" b="1" dirty="0" smtClean="0">
-                  <a:ln w="0"/>
-                  <a:solidFill>
-                    <a:schemeClr val="bg1">
-                      <a:lumMod val="95000"/>
-                    </a:schemeClr>
-                  </a:solidFill>
-                  <a:effectLst>
-                    <a:outerShdw blurRad="38100" dist="19050" dir="2700000" algn="tl" rotWithShape="0">
-                      <a:schemeClr val="dk1">
-                        <a:alpha val="40000"/>
-                      </a:schemeClr>
-                    </a:outerShdw>
-                  </a:effectLst>
-                  <a:latin typeface="Segoe UI" panose="020B0502040204020203" pitchFamily="34" charset="0"/>
-                  <a:ea typeface="Segoe UI Black" panose="020B0A02040204020203" pitchFamily="34" charset="0"/>
-                  <a:cs typeface="Segoe UI" panose="020B0502040204020203" pitchFamily="34" charset="0"/>
-                </a:rPr>
-                <a:t>Product</a:t>
-              </a:r>
-              <a:endParaRPr lang="en-US" sz="1400" b="1" cap="none" spc="0" dirty="0">
-                <a:ln w="0"/>
-                <a:solidFill>
-                  <a:schemeClr val="bg1">
-                    <a:lumMod val="95000"/>
-                  </a:schemeClr>
-                </a:solidFill>
-                <a:effectLst>
-                  <a:outerShdw blurRad="38100" dist="19050" dir="2700000" algn="tl" rotWithShape="0">
-                    <a:schemeClr val="dk1">
-                      <a:alpha val="40000"/>
-                    </a:schemeClr>
-                  </a:outerShdw>
-                </a:effectLst>
-                <a:latin typeface="Segoe UI" panose="020B0502040204020203" pitchFamily="34" charset="0"/>
-                <a:ea typeface="Segoe UI Black" panose="020B0A02040204020203" pitchFamily="34" charset="0"/>
-                <a:cs typeface="Segoe UI" panose="020B0502040204020203" pitchFamily="34" charset="0"/>
-              </a:endParaRPr>
-            </a:p>
-          </p:txBody>
-        </p:sp>
-        <p:sp>
-          <p:nvSpPr>
-            <p:cNvPr id="5" name="Rectangle 7"/>
-            <p:cNvSpPr/>
-            <p:nvPr/>
-          </p:nvSpPr>
-          <p:spPr>
-            <a:xfrm>
-              <a:off x="411853" y="2768038"/>
-              <a:ext cx="2589521" cy="2031325"/>
-            </a:xfrm>
-            <a:prstGeom prst="rect">
-              <a:avLst/>
-            </a:prstGeom>
-            <a:noFill/>
-          </p:spPr>
-          <p:txBody>
-            <a:bodyPr wrap="square" lIns="91440" tIns="45720" rIns="91440" bIns="45720">
-              <a:spAutoFit/>
-            </a:bodyPr>
-            <a:lstStyle/>
-            <a:p>
-              <a:pPr marL="285750" indent="-285750">
-                <a:lnSpc>
-                  <a:spcPct val="150000"/>
-                </a:lnSpc>
-                <a:buFont typeface="Arial" panose="020B0604020202020204" pitchFamily="34" charset="0"/>
-                <a:buChar char="•"/>
-              </a:pPr>
-              <a:r>
-                <a:rPr lang="vi-VN" sz="1200" dirty="0" err="1" smtClean="0">
-                  <a:ln w="0"/>
-                  <a:solidFill>
-                    <a:schemeClr val="accent1">
-                      <a:lumMod val="50000"/>
-                    </a:schemeClr>
-                  </a:solidFill>
-                  <a:effectLst>
-                    <a:outerShdw blurRad="38100" dist="19050" dir="2700000" algn="tl" rotWithShape="0">
-                      <a:schemeClr val="dk1">
-                        <a:alpha val="40000"/>
-                      </a:schemeClr>
-                    </a:outerShdw>
-                  </a:effectLst>
-                  <a:latin typeface="Segoe UI" panose="020B0502040204020203" pitchFamily="34" charset="0"/>
-                  <a:ea typeface="Segoe UI Black" panose="020B0A02040204020203" pitchFamily="34" charset="0"/>
-                  <a:cs typeface="Segoe UI" panose="020B0502040204020203" pitchFamily="34" charset="0"/>
-                </a:rPr>
-                <a:t>Void</a:t>
-              </a:r>
-              <a:r>
-                <a:rPr lang="vi-VN" sz="1200" dirty="0" smtClean="0">
-                  <a:ln w="0"/>
-                  <a:solidFill>
-                    <a:schemeClr val="accent1">
-                      <a:lumMod val="50000"/>
-                    </a:schemeClr>
-                  </a:solidFill>
-                  <a:effectLst>
-                    <a:outerShdw blurRad="38100" dist="19050" dir="2700000" algn="tl" rotWithShape="0">
-                      <a:schemeClr val="dk1">
-                        <a:alpha val="40000"/>
-                      </a:schemeClr>
-                    </a:outerShdw>
-                  </a:effectLst>
-                  <a:latin typeface="Segoe UI" panose="020B0502040204020203" pitchFamily="34" charset="0"/>
-                  <a:ea typeface="Segoe UI Black" panose="020B0A02040204020203" pitchFamily="34" charset="0"/>
-                  <a:cs typeface="Segoe UI" panose="020B0502040204020203" pitchFamily="34" charset="0"/>
-                </a:rPr>
-                <a:t> </a:t>
-              </a:r>
-              <a:r>
-                <a:rPr lang="vi-VN" sz="1200" dirty="0" err="1" smtClean="0">
-                  <a:ln w="0"/>
-                  <a:solidFill>
-                    <a:schemeClr val="accent1">
-                      <a:lumMod val="50000"/>
-                    </a:schemeClr>
-                  </a:solidFill>
-                  <a:effectLst>
-                    <a:outerShdw blurRad="38100" dist="19050" dir="2700000" algn="tl" rotWithShape="0">
-                      <a:schemeClr val="dk1">
-                        <a:alpha val="40000"/>
-                      </a:schemeClr>
-                    </a:outerShdw>
-                  </a:effectLst>
-                  <a:latin typeface="Segoe UI" panose="020B0502040204020203" pitchFamily="34" charset="0"/>
-                  <a:ea typeface="Segoe UI Black" panose="020B0A02040204020203" pitchFamily="34" charset="0"/>
-                  <a:cs typeface="Segoe UI" panose="020B0502040204020203" pitchFamily="34" charset="0"/>
-                </a:rPr>
-                <a:t>set</a:t>
-              </a:r>
-              <a:r>
-                <a:rPr lang="en-US" sz="1200" dirty="0" smtClean="0">
-                  <a:ln w="0"/>
-                  <a:solidFill>
-                    <a:schemeClr val="accent1">
-                      <a:lumMod val="50000"/>
-                    </a:schemeClr>
-                  </a:solidFill>
-                  <a:effectLst>
-                    <a:outerShdw blurRad="38100" dist="19050" dir="2700000" algn="tl" rotWithShape="0">
-                      <a:schemeClr val="dk1">
-                        <a:alpha val="40000"/>
-                      </a:schemeClr>
-                    </a:outerShdw>
-                  </a:effectLst>
-                  <a:latin typeface="Segoe UI" panose="020B0502040204020203" pitchFamily="34" charset="0"/>
-                  <a:ea typeface="Segoe UI Black" panose="020B0A02040204020203" pitchFamily="34" charset="0"/>
-                  <a:cs typeface="Segoe UI" panose="020B0502040204020203" pitchFamily="34" charset="0"/>
-                </a:rPr>
-                <a:t>Value</a:t>
-              </a:r>
-              <a:r>
-                <a:rPr lang="vi-VN" sz="1200" dirty="0" smtClean="0">
-                  <a:ln w="0"/>
-                  <a:solidFill>
-                    <a:schemeClr val="accent1">
-                      <a:lumMod val="50000"/>
-                    </a:schemeClr>
-                  </a:solidFill>
-                  <a:effectLst>
-                    <a:outerShdw blurRad="38100" dist="19050" dir="2700000" algn="tl" rotWithShape="0">
-                      <a:schemeClr val="dk1">
-                        <a:alpha val="40000"/>
-                      </a:schemeClr>
-                    </a:outerShdw>
-                  </a:effectLst>
-                  <a:latin typeface="Segoe UI" panose="020B0502040204020203" pitchFamily="34" charset="0"/>
-                  <a:ea typeface="Segoe UI Black" panose="020B0A02040204020203" pitchFamily="34" charset="0"/>
-                  <a:cs typeface="Segoe UI" panose="020B0502040204020203" pitchFamily="34" charset="0"/>
-                </a:rPr>
-                <a:t>(</a:t>
-              </a:r>
-              <a:r>
-                <a:rPr lang="en-US" sz="1200" dirty="0" smtClean="0">
-                  <a:ln w="0"/>
-                  <a:solidFill>
-                    <a:schemeClr val="accent1">
-                      <a:lumMod val="50000"/>
-                    </a:schemeClr>
-                  </a:solidFill>
-                  <a:effectLst>
-                    <a:outerShdw blurRad="38100" dist="19050" dir="2700000" algn="tl" rotWithShape="0">
-                      <a:schemeClr val="dk1">
-                        <a:alpha val="40000"/>
-                      </a:schemeClr>
-                    </a:outerShdw>
-                  </a:effectLst>
-                  <a:latin typeface="Segoe UI" panose="020B0502040204020203" pitchFamily="34" charset="0"/>
-                  <a:ea typeface="Segoe UI Black" panose="020B0A02040204020203" pitchFamily="34" charset="0"/>
-                  <a:cs typeface="Segoe UI" panose="020B0502040204020203" pitchFamily="34" charset="0"/>
-                </a:rPr>
-                <a:t>float</a:t>
-              </a:r>
-              <a:r>
-                <a:rPr lang="vi-VN" sz="1200" dirty="0" smtClean="0">
-                  <a:ln w="0"/>
-                  <a:solidFill>
-                    <a:schemeClr val="accent1">
-                      <a:lumMod val="50000"/>
-                    </a:schemeClr>
-                  </a:solidFill>
-                  <a:effectLst>
-                    <a:outerShdw blurRad="38100" dist="19050" dir="2700000" algn="tl" rotWithShape="0">
-                      <a:schemeClr val="dk1">
-                        <a:alpha val="40000"/>
-                      </a:schemeClr>
-                    </a:outerShdw>
-                  </a:effectLst>
-                  <a:latin typeface="Segoe UI" panose="020B0502040204020203" pitchFamily="34" charset="0"/>
-                  <a:ea typeface="Segoe UI Black" panose="020B0A02040204020203" pitchFamily="34" charset="0"/>
-                  <a:cs typeface="Segoe UI" panose="020B0502040204020203" pitchFamily="34" charset="0"/>
-                </a:rPr>
-                <a:t>)</a:t>
-              </a:r>
-            </a:p>
-            <a:p>
-              <a:pPr marL="285750" indent="-285750">
-                <a:lnSpc>
-                  <a:spcPct val="150000"/>
-                </a:lnSpc>
-                <a:buFont typeface="Arial" panose="020B0604020202020204" pitchFamily="34" charset="0"/>
-                <a:buChar char="•"/>
-              </a:pPr>
-              <a:r>
-                <a:rPr lang="en-US" sz="1200" dirty="0" smtClean="0">
-                  <a:ln w="0"/>
-                  <a:solidFill>
-                    <a:schemeClr val="accent1">
-                      <a:lumMod val="50000"/>
-                    </a:schemeClr>
-                  </a:solidFill>
-                  <a:effectLst>
-                    <a:outerShdw blurRad="38100" dist="19050" dir="2700000" algn="tl" rotWithShape="0">
-                      <a:schemeClr val="dk1">
-                        <a:alpha val="40000"/>
-                      </a:schemeClr>
-                    </a:outerShdw>
-                  </a:effectLst>
-                  <a:latin typeface="Segoe UI" panose="020B0502040204020203" pitchFamily="34" charset="0"/>
-                  <a:ea typeface="Segoe UI Black" panose="020B0A02040204020203" pitchFamily="34" charset="0"/>
-                  <a:cs typeface="Segoe UI" panose="020B0502040204020203" pitchFamily="34" charset="0"/>
-                </a:rPr>
-                <a:t>Float</a:t>
-              </a:r>
-              <a:r>
-                <a:rPr lang="vi-VN" sz="1200" dirty="0" smtClean="0">
-                  <a:ln w="0"/>
-                  <a:solidFill>
-                    <a:schemeClr val="accent1">
-                      <a:lumMod val="50000"/>
-                    </a:schemeClr>
-                  </a:solidFill>
-                  <a:effectLst>
-                    <a:outerShdw blurRad="38100" dist="19050" dir="2700000" algn="tl" rotWithShape="0">
-                      <a:schemeClr val="dk1">
-                        <a:alpha val="40000"/>
-                      </a:schemeClr>
-                    </a:outerShdw>
-                  </a:effectLst>
-                  <a:latin typeface="Segoe UI" panose="020B0502040204020203" pitchFamily="34" charset="0"/>
-                  <a:ea typeface="Segoe UI Black" panose="020B0A02040204020203" pitchFamily="34" charset="0"/>
-                  <a:cs typeface="Segoe UI" panose="020B0502040204020203" pitchFamily="34" charset="0"/>
-                </a:rPr>
-                <a:t> </a:t>
-              </a:r>
-              <a:r>
-                <a:rPr lang="vi-VN" sz="1200" dirty="0" err="1" smtClean="0">
-                  <a:ln w="0"/>
-                  <a:solidFill>
-                    <a:schemeClr val="accent1">
-                      <a:lumMod val="50000"/>
-                    </a:schemeClr>
-                  </a:solidFill>
-                  <a:effectLst>
-                    <a:outerShdw blurRad="38100" dist="19050" dir="2700000" algn="tl" rotWithShape="0">
-                      <a:schemeClr val="dk1">
-                        <a:alpha val="40000"/>
-                      </a:schemeClr>
-                    </a:outerShdw>
-                  </a:effectLst>
-                  <a:latin typeface="Segoe UI" panose="020B0502040204020203" pitchFamily="34" charset="0"/>
-                  <a:ea typeface="Segoe UI Black" panose="020B0A02040204020203" pitchFamily="34" charset="0"/>
-                  <a:cs typeface="Segoe UI" panose="020B0502040204020203" pitchFamily="34" charset="0"/>
-                </a:rPr>
-                <a:t>get</a:t>
-              </a:r>
-              <a:r>
-                <a:rPr lang="en-US" sz="1200" dirty="0" smtClean="0">
-                  <a:ln w="0"/>
-                  <a:solidFill>
-                    <a:schemeClr val="accent1">
-                      <a:lumMod val="50000"/>
-                    </a:schemeClr>
-                  </a:solidFill>
-                  <a:effectLst>
-                    <a:outerShdw blurRad="38100" dist="19050" dir="2700000" algn="tl" rotWithShape="0">
-                      <a:schemeClr val="dk1">
-                        <a:alpha val="40000"/>
-                      </a:schemeClr>
-                    </a:outerShdw>
-                  </a:effectLst>
-                  <a:latin typeface="Segoe UI" panose="020B0502040204020203" pitchFamily="34" charset="0"/>
-                  <a:ea typeface="Segoe UI Black" panose="020B0A02040204020203" pitchFamily="34" charset="0"/>
-                  <a:cs typeface="Segoe UI" panose="020B0502040204020203" pitchFamily="34" charset="0"/>
-                </a:rPr>
-                <a:t>Value</a:t>
-              </a:r>
-              <a:r>
-                <a:rPr lang="vi-VN" sz="1200" dirty="0" smtClean="0">
-                  <a:ln w="0"/>
-                  <a:solidFill>
-                    <a:schemeClr val="accent1">
-                      <a:lumMod val="50000"/>
-                    </a:schemeClr>
-                  </a:solidFill>
-                  <a:effectLst>
-                    <a:outerShdw blurRad="38100" dist="19050" dir="2700000" algn="tl" rotWithShape="0">
-                      <a:schemeClr val="dk1">
-                        <a:alpha val="40000"/>
-                      </a:schemeClr>
-                    </a:outerShdw>
-                  </a:effectLst>
-                  <a:latin typeface="Segoe UI" panose="020B0502040204020203" pitchFamily="34" charset="0"/>
-                  <a:ea typeface="Segoe UI Black" panose="020B0A02040204020203" pitchFamily="34" charset="0"/>
-                  <a:cs typeface="Segoe UI" panose="020B0502040204020203" pitchFamily="34" charset="0"/>
-                </a:rPr>
-                <a:t>(</a:t>
-              </a:r>
-              <a:r>
-                <a:rPr lang="en-US" sz="1200" dirty="0" smtClean="0">
-                  <a:ln w="0"/>
-                  <a:solidFill>
-                    <a:schemeClr val="accent1">
-                      <a:lumMod val="50000"/>
-                    </a:schemeClr>
-                  </a:solidFill>
-                  <a:effectLst>
-                    <a:outerShdw blurRad="38100" dist="19050" dir="2700000" algn="tl" rotWithShape="0">
-                      <a:schemeClr val="dk1">
-                        <a:alpha val="40000"/>
-                      </a:schemeClr>
-                    </a:outerShdw>
-                  </a:effectLst>
-                  <a:latin typeface="Segoe UI" panose="020B0502040204020203" pitchFamily="34" charset="0"/>
-                  <a:ea typeface="Segoe UI Black" panose="020B0A02040204020203" pitchFamily="34" charset="0"/>
-                  <a:cs typeface="Segoe UI" panose="020B0502040204020203" pitchFamily="34" charset="0"/>
-                </a:rPr>
-                <a:t>)</a:t>
-              </a:r>
-            </a:p>
-            <a:p>
-              <a:pPr marL="285750" indent="-285750">
-                <a:lnSpc>
-                  <a:spcPct val="150000"/>
-                </a:lnSpc>
-                <a:buFont typeface="Arial" panose="020B0604020202020204" pitchFamily="34" charset="0"/>
-                <a:buChar char="•"/>
-              </a:pPr>
-              <a:r>
-                <a:rPr lang="en-US" sz="1200" dirty="0" smtClean="0">
-                  <a:ln w="0"/>
-                  <a:solidFill>
-                    <a:schemeClr val="accent1">
-                      <a:lumMod val="50000"/>
-                    </a:schemeClr>
-                  </a:solidFill>
-                  <a:effectLst>
-                    <a:outerShdw blurRad="38100" dist="19050" dir="2700000" algn="tl" rotWithShape="0">
-                      <a:schemeClr val="dk1">
-                        <a:alpha val="40000"/>
-                      </a:schemeClr>
-                    </a:outerShdw>
-                  </a:effectLst>
-                  <a:latin typeface="Segoe UI" panose="020B0502040204020203" pitchFamily="34" charset="0"/>
-                  <a:ea typeface="Segoe UI Black" panose="020B0A02040204020203" pitchFamily="34" charset="0"/>
-                  <a:cs typeface="Segoe UI" panose="020B0502040204020203" pitchFamily="34" charset="0"/>
-                </a:rPr>
-                <a:t>Void </a:t>
-              </a:r>
-              <a:r>
-                <a:rPr lang="en-US" sz="1200" dirty="0" err="1" smtClean="0">
-                  <a:ln w="0"/>
-                  <a:solidFill>
-                    <a:schemeClr val="accent1">
-                      <a:lumMod val="50000"/>
-                    </a:schemeClr>
-                  </a:solidFill>
-                  <a:effectLst>
-                    <a:outerShdw blurRad="38100" dist="19050" dir="2700000" algn="tl" rotWithShape="0">
-                      <a:schemeClr val="dk1">
-                        <a:alpha val="40000"/>
-                      </a:schemeClr>
-                    </a:outerShdw>
-                  </a:effectLst>
-                  <a:latin typeface="Segoe UI" panose="020B0502040204020203" pitchFamily="34" charset="0"/>
-                  <a:ea typeface="Segoe UI Black" panose="020B0A02040204020203" pitchFamily="34" charset="0"/>
-                  <a:cs typeface="Segoe UI" panose="020B0502040204020203" pitchFamily="34" charset="0"/>
-                </a:rPr>
-                <a:t>setWeight</a:t>
-              </a:r>
-              <a:r>
-                <a:rPr lang="en-US" sz="1200" dirty="0" smtClean="0">
-                  <a:ln w="0"/>
-                  <a:solidFill>
-                    <a:schemeClr val="accent1">
-                      <a:lumMod val="50000"/>
-                    </a:schemeClr>
-                  </a:solidFill>
-                  <a:effectLst>
-                    <a:outerShdw blurRad="38100" dist="19050" dir="2700000" algn="tl" rotWithShape="0">
-                      <a:schemeClr val="dk1">
-                        <a:alpha val="40000"/>
-                      </a:schemeClr>
-                    </a:outerShdw>
-                  </a:effectLst>
-                  <a:latin typeface="Segoe UI" panose="020B0502040204020203" pitchFamily="34" charset="0"/>
-                  <a:ea typeface="Segoe UI Black" panose="020B0A02040204020203" pitchFamily="34" charset="0"/>
-                  <a:cs typeface="Segoe UI" panose="020B0502040204020203" pitchFamily="34" charset="0"/>
-                </a:rPr>
-                <a:t>(float)</a:t>
-              </a:r>
-            </a:p>
-            <a:p>
-              <a:pPr marL="285750" indent="-285750">
-                <a:lnSpc>
-                  <a:spcPct val="150000"/>
-                </a:lnSpc>
-                <a:buFont typeface="Arial" panose="020B0604020202020204" pitchFamily="34" charset="0"/>
-                <a:buChar char="•"/>
-              </a:pPr>
-              <a:r>
-                <a:rPr lang="en-US" sz="1200" dirty="0" smtClean="0">
-                  <a:ln w="0"/>
-                  <a:solidFill>
-                    <a:schemeClr val="accent1">
-                      <a:lumMod val="50000"/>
-                    </a:schemeClr>
-                  </a:solidFill>
-                  <a:effectLst>
-                    <a:outerShdw blurRad="38100" dist="19050" dir="2700000" algn="tl" rotWithShape="0">
-                      <a:schemeClr val="dk1">
-                        <a:alpha val="40000"/>
-                      </a:schemeClr>
-                    </a:outerShdw>
-                  </a:effectLst>
-                  <a:latin typeface="Segoe UI" panose="020B0502040204020203" pitchFamily="34" charset="0"/>
-                  <a:ea typeface="Segoe UI Black" panose="020B0A02040204020203" pitchFamily="34" charset="0"/>
-                  <a:cs typeface="Segoe UI" panose="020B0502040204020203" pitchFamily="34" charset="0"/>
-                </a:rPr>
-                <a:t>Float </a:t>
-              </a:r>
-              <a:r>
-                <a:rPr lang="en-US" sz="1200" dirty="0" err="1" smtClean="0">
-                  <a:ln w="0"/>
-                  <a:solidFill>
-                    <a:schemeClr val="accent1">
-                      <a:lumMod val="50000"/>
-                    </a:schemeClr>
-                  </a:solidFill>
-                  <a:effectLst>
-                    <a:outerShdw blurRad="38100" dist="19050" dir="2700000" algn="tl" rotWithShape="0">
-                      <a:schemeClr val="dk1">
-                        <a:alpha val="40000"/>
-                      </a:schemeClr>
-                    </a:outerShdw>
-                  </a:effectLst>
-                  <a:latin typeface="Segoe UI" panose="020B0502040204020203" pitchFamily="34" charset="0"/>
-                  <a:ea typeface="Segoe UI Black" panose="020B0A02040204020203" pitchFamily="34" charset="0"/>
-                  <a:cs typeface="Segoe UI" panose="020B0502040204020203" pitchFamily="34" charset="0"/>
-                </a:rPr>
-                <a:t>getWeight</a:t>
-              </a:r>
-              <a:r>
-                <a:rPr lang="en-US" sz="1200" dirty="0" smtClean="0">
-                  <a:ln w="0"/>
-                  <a:solidFill>
-                    <a:schemeClr val="accent1">
-                      <a:lumMod val="50000"/>
-                    </a:schemeClr>
-                  </a:solidFill>
-                  <a:effectLst>
-                    <a:outerShdw blurRad="38100" dist="19050" dir="2700000" algn="tl" rotWithShape="0">
-                      <a:schemeClr val="dk1">
-                        <a:alpha val="40000"/>
-                      </a:schemeClr>
-                    </a:outerShdw>
-                  </a:effectLst>
-                  <a:latin typeface="Segoe UI" panose="020B0502040204020203" pitchFamily="34" charset="0"/>
-                  <a:ea typeface="Segoe UI Black" panose="020B0A02040204020203" pitchFamily="34" charset="0"/>
-                  <a:cs typeface="Segoe UI" panose="020B0502040204020203" pitchFamily="34" charset="0"/>
-                </a:rPr>
-                <a:t>()</a:t>
-              </a:r>
-            </a:p>
-            <a:p>
-              <a:pPr marL="285750" indent="-285750">
-                <a:lnSpc>
-                  <a:spcPct val="150000"/>
-                </a:lnSpc>
-                <a:buFont typeface="Arial" panose="020B0604020202020204" pitchFamily="34" charset="0"/>
-                <a:buChar char="•"/>
-              </a:pPr>
-              <a:r>
-                <a:rPr lang="en-US" sz="1200" dirty="0" smtClean="0">
-                  <a:ln w="0"/>
-                  <a:solidFill>
-                    <a:schemeClr val="accent1">
-                      <a:lumMod val="50000"/>
-                    </a:schemeClr>
-                  </a:solidFill>
-                  <a:effectLst>
-                    <a:outerShdw blurRad="38100" dist="19050" dir="2700000" algn="tl" rotWithShape="0">
-                      <a:schemeClr val="dk1">
-                        <a:alpha val="40000"/>
-                      </a:schemeClr>
-                    </a:outerShdw>
-                  </a:effectLst>
-                  <a:latin typeface="Segoe UI" panose="020B0502040204020203" pitchFamily="34" charset="0"/>
-                  <a:ea typeface="Segoe UI Black" panose="020B0A02040204020203" pitchFamily="34" charset="0"/>
-                  <a:cs typeface="Segoe UI" panose="020B0502040204020203" pitchFamily="34" charset="0"/>
-                </a:rPr>
-                <a:t>Void </a:t>
-              </a:r>
-              <a:r>
-                <a:rPr lang="vi-VN" sz="1200" dirty="0" err="1" smtClean="0">
-                  <a:ln w="0"/>
-                  <a:solidFill>
-                    <a:schemeClr val="accent1">
-                      <a:lumMod val="50000"/>
-                    </a:schemeClr>
-                  </a:solidFill>
-                  <a:effectLst>
-                    <a:outerShdw blurRad="38100" dist="19050" dir="2700000" algn="tl" rotWithShape="0">
-                      <a:schemeClr val="dk1">
-                        <a:alpha val="40000"/>
-                      </a:schemeClr>
-                    </a:outerShdw>
-                  </a:effectLst>
-                  <a:latin typeface="Segoe UI" panose="020B0502040204020203" pitchFamily="34" charset="0"/>
-                  <a:ea typeface="Segoe UI Black" panose="020B0A02040204020203" pitchFamily="34" charset="0"/>
-                  <a:cs typeface="Segoe UI" panose="020B0502040204020203" pitchFamily="34" charset="0"/>
-                </a:rPr>
-                <a:t>setNode</a:t>
-              </a:r>
-              <a:r>
-                <a:rPr lang="en-US" sz="1200" dirty="0" smtClean="0">
-                  <a:ln w="0"/>
-                  <a:solidFill>
-                    <a:schemeClr val="accent1">
-                      <a:lumMod val="50000"/>
-                    </a:schemeClr>
-                  </a:solidFill>
-                  <a:effectLst>
-                    <a:outerShdw blurRad="38100" dist="19050" dir="2700000" algn="tl" rotWithShape="0">
-                      <a:schemeClr val="dk1">
-                        <a:alpha val="40000"/>
-                      </a:schemeClr>
-                    </a:outerShdw>
-                  </a:effectLst>
-                  <a:latin typeface="Segoe UI" panose="020B0502040204020203" pitchFamily="34" charset="0"/>
-                  <a:ea typeface="Segoe UI Black" panose="020B0A02040204020203" pitchFamily="34" charset="0"/>
-                  <a:cs typeface="Segoe UI" panose="020B0502040204020203" pitchFamily="34" charset="0"/>
-                </a:rPr>
-                <a:t> (float)</a:t>
-              </a:r>
-            </a:p>
-            <a:p>
-              <a:pPr marL="285750" indent="-285750">
-                <a:lnSpc>
-                  <a:spcPct val="150000"/>
-                </a:lnSpc>
-                <a:buFont typeface="Arial" panose="020B0604020202020204" pitchFamily="34" charset="0"/>
-                <a:buChar char="•"/>
-              </a:pPr>
-              <a:r>
-                <a:rPr lang="vi-VN" sz="1200" dirty="0" err="1" smtClean="0">
-                  <a:ln w="0"/>
-                  <a:solidFill>
-                    <a:schemeClr val="accent1">
-                      <a:lumMod val="50000"/>
-                    </a:schemeClr>
-                  </a:solidFill>
-                  <a:effectLst>
-                    <a:outerShdw blurRad="38100" dist="19050" dir="2700000" algn="tl" rotWithShape="0">
-                      <a:schemeClr val="dk1">
-                        <a:alpha val="40000"/>
-                      </a:schemeClr>
-                    </a:outerShdw>
-                  </a:effectLst>
-                  <a:latin typeface="Segoe UI" panose="020B0502040204020203" pitchFamily="34" charset="0"/>
-                  <a:ea typeface="Segoe UI Black" panose="020B0A02040204020203" pitchFamily="34" charset="0"/>
-                  <a:cs typeface="Segoe UI" panose="020B0502040204020203" pitchFamily="34" charset="0"/>
-                </a:rPr>
-                <a:t>Node</a:t>
-              </a:r>
-              <a:r>
-                <a:rPr lang="en-US" sz="1200" dirty="0" smtClean="0">
-                  <a:ln w="0"/>
-                  <a:solidFill>
-                    <a:schemeClr val="accent1">
-                      <a:lumMod val="50000"/>
-                    </a:schemeClr>
-                  </a:solidFill>
-                  <a:effectLst>
-                    <a:outerShdw blurRad="38100" dist="19050" dir="2700000" algn="tl" rotWithShape="0">
-                      <a:schemeClr val="dk1">
-                        <a:alpha val="40000"/>
-                      </a:schemeClr>
-                    </a:outerShdw>
-                  </a:effectLst>
-                  <a:latin typeface="Segoe UI" panose="020B0502040204020203" pitchFamily="34" charset="0"/>
-                  <a:ea typeface="Segoe UI Black" panose="020B0A02040204020203" pitchFamily="34" charset="0"/>
-                  <a:cs typeface="Segoe UI" panose="020B0502040204020203" pitchFamily="34" charset="0"/>
-                </a:rPr>
-                <a:t> </a:t>
-              </a:r>
-              <a:r>
-                <a:rPr lang="vi-VN" sz="1200" dirty="0" err="1" smtClean="0">
-                  <a:ln w="0"/>
-                  <a:solidFill>
-                    <a:schemeClr val="accent1">
-                      <a:lumMod val="50000"/>
-                    </a:schemeClr>
-                  </a:solidFill>
-                  <a:effectLst>
-                    <a:outerShdw blurRad="38100" dist="19050" dir="2700000" algn="tl" rotWithShape="0">
-                      <a:schemeClr val="dk1">
-                        <a:alpha val="40000"/>
-                      </a:schemeClr>
-                    </a:outerShdw>
-                  </a:effectLst>
-                  <a:latin typeface="Segoe UI" panose="020B0502040204020203" pitchFamily="34" charset="0"/>
-                  <a:ea typeface="Segoe UI Black" panose="020B0A02040204020203" pitchFamily="34" charset="0"/>
-                  <a:cs typeface="Segoe UI" panose="020B0502040204020203" pitchFamily="34" charset="0"/>
-                </a:rPr>
-                <a:t>getNode</a:t>
-              </a:r>
-              <a:r>
-                <a:rPr lang="en-US" sz="1200" dirty="0" smtClean="0">
-                  <a:ln w="0"/>
-                  <a:solidFill>
-                    <a:schemeClr val="accent1">
-                      <a:lumMod val="50000"/>
-                    </a:schemeClr>
-                  </a:solidFill>
-                  <a:effectLst>
-                    <a:outerShdw blurRad="38100" dist="19050" dir="2700000" algn="tl" rotWithShape="0">
-                      <a:schemeClr val="dk1">
-                        <a:alpha val="40000"/>
-                      </a:schemeClr>
-                    </a:outerShdw>
-                  </a:effectLst>
-                  <a:latin typeface="Segoe UI" panose="020B0502040204020203" pitchFamily="34" charset="0"/>
-                  <a:ea typeface="Segoe UI Black" panose="020B0A02040204020203" pitchFamily="34" charset="0"/>
-                  <a:cs typeface="Segoe UI" panose="020B0502040204020203" pitchFamily="34" charset="0"/>
-                </a:rPr>
-                <a:t>()</a:t>
-              </a:r>
-              <a:endParaRPr lang="vi-VN" sz="1200" dirty="0" smtClean="0">
-                <a:ln w="0"/>
-                <a:solidFill>
-                  <a:schemeClr val="accent1">
-                    <a:lumMod val="50000"/>
-                  </a:schemeClr>
-                </a:solidFill>
-                <a:effectLst>
-                  <a:outerShdw blurRad="38100" dist="19050" dir="2700000" algn="tl" rotWithShape="0">
-                    <a:schemeClr val="dk1">
-                      <a:alpha val="40000"/>
-                    </a:schemeClr>
-                  </a:outerShdw>
-                </a:effectLst>
-                <a:latin typeface="Segoe UI" panose="020B0502040204020203" pitchFamily="34" charset="0"/>
-                <a:ea typeface="Segoe UI Black" panose="020B0A02040204020203" pitchFamily="34" charset="0"/>
-                <a:cs typeface="Segoe UI" panose="020B0502040204020203" pitchFamily="34" charset="0"/>
-              </a:endParaRPr>
-            </a:p>
-            <a:p>
-              <a:pPr marL="285750" indent="-285750">
-                <a:lnSpc>
-                  <a:spcPct val="150000"/>
-                </a:lnSpc>
-                <a:buFont typeface="Arial" panose="020B0604020202020204" pitchFamily="34" charset="0"/>
-                <a:buChar char="•"/>
-              </a:pPr>
-              <a:endParaRPr lang="en-US" sz="1200" dirty="0" smtClean="0">
-                <a:ln w="0"/>
-                <a:solidFill>
-                  <a:schemeClr val="accent1">
-                    <a:lumMod val="50000"/>
-                  </a:schemeClr>
-                </a:solidFill>
-                <a:effectLst>
-                  <a:outerShdw blurRad="38100" dist="19050" dir="2700000" algn="tl" rotWithShape="0">
-                    <a:schemeClr val="dk1">
-                      <a:alpha val="40000"/>
-                    </a:schemeClr>
-                  </a:outerShdw>
-                </a:effectLst>
-                <a:latin typeface="Segoe UI" panose="020B0502040204020203" pitchFamily="34" charset="0"/>
-                <a:ea typeface="Segoe UI Black" panose="020B0A02040204020203" pitchFamily="34" charset="0"/>
-                <a:cs typeface="Segoe UI" panose="020B0502040204020203" pitchFamily="34" charset="0"/>
-              </a:endParaRPr>
-            </a:p>
-          </p:txBody>
-        </p:sp>
-        <p:sp>
-          <p:nvSpPr>
-            <p:cNvPr id="6" name="Rectangle 8"/>
-            <p:cNvSpPr/>
-            <p:nvPr/>
-          </p:nvSpPr>
-          <p:spPr>
-            <a:xfrm>
-              <a:off x="432913" y="1656880"/>
-              <a:ext cx="2027221" cy="923330"/>
-            </a:xfrm>
-            <a:prstGeom prst="rect">
-              <a:avLst/>
-            </a:prstGeom>
-            <a:noFill/>
-          </p:spPr>
-          <p:txBody>
-            <a:bodyPr wrap="square" lIns="91440" tIns="45720" rIns="91440" bIns="45720">
-              <a:spAutoFit/>
-            </a:bodyPr>
-            <a:lstStyle/>
-            <a:p>
-              <a:pPr marL="285750" indent="-285750">
-                <a:lnSpc>
-                  <a:spcPct val="150000"/>
-                </a:lnSpc>
-                <a:buFont typeface="Arial" panose="020B0604020202020204" pitchFamily="34" charset="0"/>
-                <a:buChar char="•"/>
-              </a:pPr>
-              <a:r>
-                <a:rPr lang="en-US" sz="1200" dirty="0" smtClean="0">
-                  <a:ln w="0"/>
-                  <a:solidFill>
-                    <a:schemeClr val="accent1">
-                      <a:lumMod val="50000"/>
-                    </a:schemeClr>
-                  </a:solidFill>
-                  <a:effectLst>
-                    <a:outerShdw blurRad="38100" dist="19050" dir="2700000" algn="tl" rotWithShape="0">
-                      <a:schemeClr val="dk1">
-                        <a:alpha val="40000"/>
-                      </a:schemeClr>
-                    </a:outerShdw>
-                  </a:effectLst>
-                  <a:latin typeface="Segoe UI" panose="020B0502040204020203" pitchFamily="34" charset="0"/>
-                  <a:ea typeface="Segoe UI Black" panose="020B0A02040204020203" pitchFamily="34" charset="0"/>
-                  <a:cs typeface="Segoe UI" panose="020B0502040204020203" pitchFamily="34" charset="0"/>
-                </a:rPr>
-                <a:t>Float Value</a:t>
-              </a:r>
-            </a:p>
-            <a:p>
-              <a:pPr marL="285750" indent="-285750">
-                <a:lnSpc>
-                  <a:spcPct val="150000"/>
-                </a:lnSpc>
-                <a:buFont typeface="Arial" panose="020B0604020202020204" pitchFamily="34" charset="0"/>
-                <a:buChar char="•"/>
-              </a:pPr>
-              <a:r>
-                <a:rPr lang="en-US" sz="1200" dirty="0" smtClean="0">
-                  <a:ln w="0"/>
-                  <a:solidFill>
-                    <a:schemeClr val="accent1">
-                      <a:lumMod val="50000"/>
-                    </a:schemeClr>
-                  </a:solidFill>
-                  <a:effectLst>
-                    <a:outerShdw blurRad="38100" dist="19050" dir="2700000" algn="tl" rotWithShape="0">
-                      <a:schemeClr val="dk1">
-                        <a:alpha val="40000"/>
-                      </a:schemeClr>
-                    </a:outerShdw>
-                  </a:effectLst>
-                  <a:latin typeface="Segoe UI" panose="020B0502040204020203" pitchFamily="34" charset="0"/>
-                  <a:ea typeface="Segoe UI Black" panose="020B0A02040204020203" pitchFamily="34" charset="0"/>
-                  <a:cs typeface="Segoe UI" panose="020B0502040204020203" pitchFamily="34" charset="0"/>
-                </a:rPr>
-                <a:t>Float Weight</a:t>
-              </a:r>
-            </a:p>
-            <a:p>
-              <a:pPr marL="285750" indent="-285750">
-                <a:lnSpc>
-                  <a:spcPct val="150000"/>
-                </a:lnSpc>
-                <a:buFont typeface="Arial" panose="020B0604020202020204" pitchFamily="34" charset="0"/>
-                <a:buChar char="•"/>
-              </a:pPr>
-              <a:r>
-                <a:rPr lang="en-US" sz="1200" dirty="0" err="1" smtClean="0">
-                  <a:ln w="0"/>
-                  <a:solidFill>
-                    <a:schemeClr val="accent1">
-                      <a:lumMod val="50000"/>
-                    </a:schemeClr>
-                  </a:solidFill>
-                  <a:effectLst>
-                    <a:outerShdw blurRad="38100" dist="19050" dir="2700000" algn="tl" rotWithShape="0">
-                      <a:schemeClr val="dk1">
-                        <a:alpha val="40000"/>
-                      </a:schemeClr>
-                    </a:outerShdw>
-                  </a:effectLst>
-                  <a:latin typeface="Segoe UI" panose="020B0502040204020203" pitchFamily="34" charset="0"/>
-                  <a:ea typeface="Segoe UI Black" panose="020B0A02040204020203" pitchFamily="34" charset="0"/>
-                  <a:cs typeface="Segoe UI" panose="020B0502040204020203" pitchFamily="34" charset="0"/>
-                </a:rPr>
-                <a:t>Int</a:t>
-              </a:r>
-              <a:r>
-                <a:rPr lang="en-US" sz="1200" dirty="0" smtClean="0">
-                  <a:ln w="0"/>
-                  <a:solidFill>
-                    <a:schemeClr val="accent1">
-                      <a:lumMod val="50000"/>
-                    </a:schemeClr>
-                  </a:solidFill>
-                  <a:effectLst>
-                    <a:outerShdw blurRad="38100" dist="19050" dir="2700000" algn="tl" rotWithShape="0">
-                      <a:schemeClr val="dk1">
-                        <a:alpha val="40000"/>
-                      </a:schemeClr>
-                    </a:outerShdw>
-                  </a:effectLst>
-                  <a:latin typeface="Segoe UI" panose="020B0502040204020203" pitchFamily="34" charset="0"/>
-                  <a:ea typeface="Segoe UI Black" panose="020B0A02040204020203" pitchFamily="34" charset="0"/>
-                  <a:cs typeface="Segoe UI" panose="020B0502040204020203" pitchFamily="34" charset="0"/>
-                </a:rPr>
-                <a:t> </a:t>
-              </a:r>
-              <a:r>
-                <a:rPr lang="vi-VN" sz="1200" dirty="0" smtClean="0">
-                  <a:ln w="0"/>
-                  <a:solidFill>
-                    <a:schemeClr val="accent1">
-                      <a:lumMod val="50000"/>
-                    </a:schemeClr>
-                  </a:solidFill>
-                  <a:effectLst>
-                    <a:outerShdw blurRad="38100" dist="19050" dir="2700000" algn="tl" rotWithShape="0">
-                      <a:schemeClr val="dk1">
-                        <a:alpha val="40000"/>
-                      </a:schemeClr>
-                    </a:outerShdw>
-                  </a:effectLst>
-                  <a:latin typeface="Segoe UI" panose="020B0502040204020203" pitchFamily="34" charset="0"/>
-                  <a:ea typeface="Segoe UI Black" panose="020B0A02040204020203" pitchFamily="34" charset="0"/>
-                  <a:cs typeface="Segoe UI" panose="020B0502040204020203" pitchFamily="34" charset="0"/>
-                </a:rPr>
-                <a:t>destination</a:t>
-              </a:r>
-              <a:endParaRPr lang="en-US" sz="1200" dirty="0" smtClean="0">
-                <a:ln w="0"/>
-                <a:solidFill>
-                  <a:schemeClr val="accent1">
-                    <a:lumMod val="50000"/>
-                  </a:schemeClr>
-                </a:solidFill>
-                <a:effectLst>
-                  <a:outerShdw blurRad="38100" dist="19050" dir="2700000" algn="tl" rotWithShape="0">
-                    <a:schemeClr val="dk1">
-                      <a:alpha val="40000"/>
-                    </a:schemeClr>
-                  </a:outerShdw>
-                </a:effectLst>
-                <a:latin typeface="Segoe UI" panose="020B0502040204020203" pitchFamily="34" charset="0"/>
-                <a:ea typeface="Segoe UI Black" panose="020B0A02040204020203" pitchFamily="34" charset="0"/>
-                <a:cs typeface="Segoe UI" panose="020B0502040204020203" pitchFamily="34" charset="0"/>
-              </a:endParaRPr>
-            </a:p>
-          </p:txBody>
-        </p:sp>
-        <p:sp>
-          <p:nvSpPr>
-            <p:cNvPr id="7" name="Rectangle 19"/>
-            <p:cNvSpPr/>
-            <p:nvPr/>
-          </p:nvSpPr>
-          <p:spPr>
-            <a:xfrm>
-              <a:off x="391524" y="1644948"/>
-              <a:ext cx="3082101" cy="1020879"/>
-            </a:xfrm>
-            <a:prstGeom prst="rect">
-              <a:avLst/>
-            </a:prstGeom>
-            <a:noFill/>
-          </p:spPr>
-          <p:style>
-            <a:lnRef idx="2">
-              <a:schemeClr val="accent1">
-                <a:shade val="50000"/>
-              </a:schemeClr>
-            </a:lnRef>
-            <a:fillRef idx="1">
-              <a:schemeClr val="accent1"/>
-            </a:fillRef>
-            <a:effectRef idx="0">
-              <a:schemeClr val="accent1"/>
-            </a:effectRef>
-            <a:fontRef idx="minor">
-              <a:schemeClr val="lt1"/>
-            </a:fontRef>
-          </p:style>
-          <p:txBody>
-            <a:bodyPr rtlCol="0" anchor="ctr"/>
-            <a:lstStyle/>
-            <a:p>
-              <a:pPr algn="ctr"/>
-              <a:endParaRPr lang="en-US" sz="1600" dirty="0"/>
-            </a:p>
-          </p:txBody>
-        </p:sp>
-        <p:sp>
-          <p:nvSpPr>
-            <p:cNvPr id="13" name="Rectangle 20"/>
-            <p:cNvSpPr/>
-            <p:nvPr/>
-          </p:nvSpPr>
-          <p:spPr>
-            <a:xfrm>
-              <a:off x="391525" y="2665827"/>
-              <a:ext cx="3082100" cy="2099104"/>
-            </a:xfrm>
-            <a:prstGeom prst="rect">
-              <a:avLst/>
-            </a:prstGeom>
-            <a:noFill/>
-          </p:spPr>
-          <p:style>
-            <a:lnRef idx="2">
-              <a:schemeClr val="accent1">
-                <a:shade val="50000"/>
-              </a:schemeClr>
-            </a:lnRef>
-            <a:fillRef idx="1">
-              <a:schemeClr val="accent1"/>
-            </a:fillRef>
-            <a:effectRef idx="0">
-              <a:schemeClr val="accent1"/>
-            </a:effectRef>
-            <a:fontRef idx="minor">
-              <a:schemeClr val="lt1"/>
-            </a:fontRef>
-          </p:style>
-          <p:txBody>
-            <a:bodyPr rtlCol="0" anchor="ctr"/>
-            <a:lstStyle/>
-            <a:p>
-              <a:pPr algn="ctr"/>
-              <a:endParaRPr lang="en-US"/>
-            </a:p>
-          </p:txBody>
-        </p:sp>
-      </p:grpSp>
-      <p:grpSp>
-        <p:nvGrpSpPr>
-          <p:cNvPr id="16" name="Nhóm 15"/>
-          <p:cNvGrpSpPr/>
-          <p:nvPr/>
-        </p:nvGrpSpPr>
-        <p:grpSpPr>
-          <a:xfrm>
-            <a:off x="328639" y="4305820"/>
-            <a:ext cx="4676049" cy="2281345"/>
-            <a:chOff x="3472737" y="1247987"/>
-            <a:chExt cx="4676049" cy="2304881"/>
-          </a:xfrm>
-        </p:grpSpPr>
-        <p:sp>
-          <p:nvSpPr>
-            <p:cNvPr id="8" name="Rectangle 20"/>
-            <p:cNvSpPr/>
-            <p:nvPr/>
-          </p:nvSpPr>
-          <p:spPr>
-            <a:xfrm>
-              <a:off x="3476985" y="1679095"/>
-              <a:ext cx="4319125" cy="692548"/>
-            </a:xfrm>
-            <a:prstGeom prst="rect">
-              <a:avLst/>
-            </a:prstGeom>
-            <a:noFill/>
-          </p:spPr>
-          <p:style>
-            <a:lnRef idx="2">
-              <a:schemeClr val="accent1">
-                <a:shade val="50000"/>
-              </a:schemeClr>
-            </a:lnRef>
-            <a:fillRef idx="1">
-              <a:schemeClr val="accent1"/>
-            </a:fillRef>
-            <a:effectRef idx="0">
-              <a:schemeClr val="accent1"/>
-            </a:effectRef>
-            <a:fontRef idx="minor">
-              <a:schemeClr val="lt1"/>
-            </a:fontRef>
-          </p:style>
-          <p:txBody>
-            <a:bodyPr rtlCol="0" anchor="ctr"/>
-            <a:lstStyle/>
-            <a:p>
-              <a:pPr algn="ctr"/>
-              <a:endParaRPr lang="en-US"/>
-            </a:p>
-          </p:txBody>
-        </p:sp>
-        <p:sp>
-          <p:nvSpPr>
-            <p:cNvPr id="10" name="Rectangle 4"/>
-            <p:cNvSpPr/>
-            <p:nvPr/>
-          </p:nvSpPr>
-          <p:spPr>
-            <a:xfrm>
-              <a:off x="3558429" y="1741148"/>
-              <a:ext cx="3393171" cy="466428"/>
-            </a:xfrm>
-            <a:prstGeom prst="rect">
-              <a:avLst/>
-            </a:prstGeom>
-            <a:noFill/>
-          </p:spPr>
-          <p:txBody>
-            <a:bodyPr wrap="square" lIns="91440" tIns="45720" rIns="91440" bIns="45720">
-              <a:spAutoFit/>
-            </a:bodyPr>
-            <a:lstStyle/>
-            <a:p>
-              <a:pPr marL="285750" indent="-285750">
-                <a:buFont typeface="Arial" panose="020B0604020202020204" pitchFamily="34" charset="0"/>
-                <a:buChar char="•"/>
-              </a:pPr>
-              <a:r>
-                <a:rPr lang="vi-VN" sz="1200" dirty="0" err="1" smtClean="0">
-                  <a:ln w="0"/>
-                  <a:solidFill>
-                    <a:schemeClr val="accent1">
-                      <a:lumMod val="50000"/>
-                    </a:schemeClr>
-                  </a:solidFill>
-                  <a:effectLst>
-                    <a:outerShdw blurRad="38100" dist="19050" dir="2700000" algn="tl" rotWithShape="0">
-                      <a:schemeClr val="dk1">
-                        <a:alpha val="40000"/>
-                      </a:schemeClr>
-                    </a:outerShdw>
-                  </a:effectLst>
-                  <a:latin typeface="Segoe UI" panose="020B0502040204020203" pitchFamily="34" charset="0"/>
-                  <a:ea typeface="Segoe UI Black" panose="020B0A02040204020203" pitchFamily="34" charset="0"/>
-                  <a:cs typeface="Segoe UI" panose="020B0502040204020203" pitchFamily="34" charset="0"/>
-                </a:rPr>
-                <a:t>int</a:t>
-              </a:r>
-              <a:r>
-                <a:rPr lang="vi-VN" sz="1200" dirty="0" smtClean="0">
-                  <a:ln w="0"/>
-                  <a:solidFill>
-                    <a:schemeClr val="accent1">
-                      <a:lumMod val="50000"/>
-                    </a:schemeClr>
-                  </a:solidFill>
-                  <a:effectLst>
-                    <a:outerShdw blurRad="38100" dist="19050" dir="2700000" algn="tl" rotWithShape="0">
-                      <a:schemeClr val="dk1">
-                        <a:alpha val="40000"/>
-                      </a:schemeClr>
-                    </a:outerShdw>
-                  </a:effectLst>
-                  <a:latin typeface="Segoe UI" panose="020B0502040204020203" pitchFamily="34" charset="0"/>
-                  <a:ea typeface="Segoe UI Black" panose="020B0A02040204020203" pitchFamily="34" charset="0"/>
-                  <a:cs typeface="Segoe UI" panose="020B0502040204020203" pitchFamily="34" charset="0"/>
-                </a:rPr>
-                <a:t> </a:t>
-              </a:r>
-              <a:r>
-                <a:rPr lang="vi-VN" sz="1200" dirty="0" err="1" smtClean="0">
-                  <a:ln w="0"/>
-                  <a:solidFill>
-                    <a:schemeClr val="accent1">
-                      <a:lumMod val="50000"/>
-                    </a:schemeClr>
-                  </a:solidFill>
-                  <a:effectLst>
-                    <a:outerShdw blurRad="38100" dist="19050" dir="2700000" algn="tl" rotWithShape="0">
-                      <a:schemeClr val="dk1">
-                        <a:alpha val="40000"/>
-                      </a:schemeClr>
-                    </a:outerShdw>
-                  </a:effectLst>
-                  <a:latin typeface="Segoe UI" panose="020B0502040204020203" pitchFamily="34" charset="0"/>
-                  <a:ea typeface="Segoe UI Black" panose="020B0A02040204020203" pitchFamily="34" charset="0"/>
-                  <a:cs typeface="Segoe UI" panose="020B0502040204020203" pitchFamily="34" charset="0"/>
-                </a:rPr>
-                <a:t>vertex</a:t>
-              </a:r>
-              <a:endParaRPr lang="en-US" sz="1200" dirty="0" smtClean="0">
-                <a:ln w="0"/>
-                <a:solidFill>
-                  <a:schemeClr val="accent1">
-                    <a:lumMod val="50000"/>
-                  </a:schemeClr>
-                </a:solidFill>
-                <a:effectLst>
-                  <a:outerShdw blurRad="38100" dist="19050" dir="2700000" algn="tl" rotWithShape="0">
-                    <a:schemeClr val="dk1">
-                      <a:alpha val="40000"/>
-                    </a:schemeClr>
-                  </a:outerShdw>
-                </a:effectLst>
-                <a:latin typeface="Segoe UI" panose="020B0502040204020203" pitchFamily="34" charset="0"/>
-                <a:ea typeface="Segoe UI Black" panose="020B0A02040204020203" pitchFamily="34" charset="0"/>
-                <a:cs typeface="Segoe UI" panose="020B0502040204020203" pitchFamily="34" charset="0"/>
-              </a:endParaRPr>
-            </a:p>
-            <a:p>
-              <a:pPr marL="285750" indent="-285750">
-                <a:buFont typeface="Arial" panose="020B0604020202020204" pitchFamily="34" charset="0"/>
-                <a:buChar char="•"/>
-              </a:pPr>
-              <a:r>
-                <a:rPr lang="en-US" sz="1200" dirty="0" smtClean="0">
-                  <a:ln w="0"/>
-                  <a:solidFill>
-                    <a:schemeClr val="accent1">
-                      <a:lumMod val="50000"/>
-                    </a:schemeClr>
-                  </a:solidFill>
-                  <a:effectLst>
-                    <a:outerShdw blurRad="38100" dist="19050" dir="2700000" algn="tl" rotWithShape="0">
-                      <a:schemeClr val="dk1">
-                        <a:alpha val="40000"/>
-                      </a:schemeClr>
-                    </a:outerShdw>
-                  </a:effectLst>
-                  <a:latin typeface="Segoe UI" panose="020B0502040204020203" pitchFamily="34" charset="0"/>
-                  <a:ea typeface="Segoe UI Black" panose="020B0A02040204020203" pitchFamily="34" charset="0"/>
-                  <a:cs typeface="Segoe UI" panose="020B0502040204020203" pitchFamily="34" charset="0"/>
-                </a:rPr>
-                <a:t>Vector&lt;pair&lt;</a:t>
-              </a:r>
-              <a:r>
-                <a:rPr lang="en-US" sz="1200" dirty="0" err="1" smtClean="0">
-                  <a:ln w="0"/>
-                  <a:solidFill>
-                    <a:schemeClr val="accent1">
-                      <a:lumMod val="50000"/>
-                    </a:schemeClr>
-                  </a:solidFill>
-                  <a:effectLst>
-                    <a:outerShdw blurRad="38100" dist="19050" dir="2700000" algn="tl" rotWithShape="0">
-                      <a:schemeClr val="dk1">
-                        <a:alpha val="40000"/>
-                      </a:schemeClr>
-                    </a:outerShdw>
-                  </a:effectLst>
-                  <a:latin typeface="Segoe UI" panose="020B0502040204020203" pitchFamily="34" charset="0"/>
-                  <a:ea typeface="Segoe UI Black" panose="020B0A02040204020203" pitchFamily="34" charset="0"/>
-                  <a:cs typeface="Segoe UI" panose="020B0502040204020203" pitchFamily="34" charset="0"/>
-                </a:rPr>
-                <a:t>int</a:t>
-              </a:r>
-              <a:r>
-                <a:rPr lang="en-US" sz="1200" dirty="0" smtClean="0">
-                  <a:ln w="0"/>
-                  <a:solidFill>
-                    <a:schemeClr val="accent1">
-                      <a:lumMod val="50000"/>
-                    </a:schemeClr>
-                  </a:solidFill>
-                  <a:effectLst>
-                    <a:outerShdw blurRad="38100" dist="19050" dir="2700000" algn="tl" rotWithShape="0">
-                      <a:schemeClr val="dk1">
-                        <a:alpha val="40000"/>
-                      </a:schemeClr>
-                    </a:outerShdw>
-                  </a:effectLst>
-                  <a:latin typeface="Segoe UI" panose="020B0502040204020203" pitchFamily="34" charset="0"/>
-                  <a:ea typeface="Segoe UI Black" panose="020B0A02040204020203" pitchFamily="34" charset="0"/>
-                  <a:cs typeface="Segoe UI" panose="020B0502040204020203" pitchFamily="34" charset="0"/>
-                </a:rPr>
-                <a:t>,</a:t>
-              </a:r>
-              <a:r>
-                <a:rPr lang="vi-VN" sz="1200" dirty="0" smtClean="0">
-                  <a:ln w="0"/>
-                  <a:solidFill>
-                    <a:schemeClr val="accent1">
-                      <a:lumMod val="50000"/>
-                    </a:schemeClr>
-                  </a:solidFill>
-                  <a:effectLst>
-                    <a:outerShdw blurRad="38100" dist="19050" dir="2700000" algn="tl" rotWithShape="0">
-                      <a:schemeClr val="dk1">
-                        <a:alpha val="40000"/>
-                      </a:schemeClr>
-                    </a:outerShdw>
-                  </a:effectLst>
-                  <a:latin typeface="Segoe UI" panose="020B0502040204020203" pitchFamily="34" charset="0"/>
-                  <a:ea typeface="Segoe UI Black" panose="020B0A02040204020203" pitchFamily="34" charset="0"/>
-                  <a:cs typeface="Segoe UI" panose="020B0502040204020203" pitchFamily="34" charset="0"/>
-                </a:rPr>
-                <a:t>float&gt;</a:t>
-              </a:r>
-              <a:r>
-                <a:rPr lang="en-US" sz="1200" dirty="0" smtClean="0">
-                  <a:ln w="0"/>
-                  <a:solidFill>
-                    <a:schemeClr val="accent1">
-                      <a:lumMod val="50000"/>
-                    </a:schemeClr>
-                  </a:solidFill>
-                  <a:effectLst>
-                    <a:outerShdw blurRad="38100" dist="19050" dir="2700000" algn="tl" rotWithShape="0">
-                      <a:schemeClr val="dk1">
-                        <a:alpha val="40000"/>
-                      </a:schemeClr>
-                    </a:outerShdw>
-                  </a:effectLst>
-                  <a:latin typeface="Segoe UI" panose="020B0502040204020203" pitchFamily="34" charset="0"/>
-                  <a:ea typeface="Segoe UI Black" panose="020B0A02040204020203" pitchFamily="34" charset="0"/>
-                  <a:cs typeface="Segoe UI" panose="020B0502040204020203" pitchFamily="34" charset="0"/>
-                </a:rPr>
-                <a:t>&gt;</a:t>
-              </a:r>
-              <a:r>
-                <a:rPr lang="en-US" sz="1200" dirty="0" err="1" smtClean="0">
-                  <a:ln w="0"/>
-                  <a:solidFill>
-                    <a:schemeClr val="accent1">
-                      <a:lumMod val="50000"/>
-                    </a:schemeClr>
-                  </a:solidFill>
-                  <a:effectLst>
-                    <a:outerShdw blurRad="38100" dist="19050" dir="2700000" algn="tl" rotWithShape="0">
-                      <a:schemeClr val="dk1">
-                        <a:alpha val="40000"/>
-                      </a:schemeClr>
-                    </a:outerShdw>
-                  </a:effectLst>
-                  <a:latin typeface="Segoe UI" panose="020B0502040204020203" pitchFamily="34" charset="0"/>
-                  <a:ea typeface="Segoe UI Black" panose="020B0A02040204020203" pitchFamily="34" charset="0"/>
-                  <a:cs typeface="Segoe UI" panose="020B0502040204020203" pitchFamily="34" charset="0"/>
-                </a:rPr>
-                <a:t>connectedNode</a:t>
-              </a:r>
-              <a:endParaRPr lang="vi-VN" sz="1200" dirty="0">
-                <a:ln w="0"/>
-                <a:solidFill>
-                  <a:schemeClr val="accent1">
-                    <a:lumMod val="50000"/>
-                  </a:schemeClr>
-                </a:solidFill>
-                <a:effectLst>
-                  <a:outerShdw blurRad="38100" dist="19050" dir="2700000" algn="tl" rotWithShape="0">
-                    <a:schemeClr val="dk1">
-                      <a:alpha val="40000"/>
-                    </a:schemeClr>
-                  </a:outerShdw>
-                </a:effectLst>
-                <a:latin typeface="Segoe UI" panose="020B0502040204020203" pitchFamily="34" charset="0"/>
-                <a:ea typeface="Segoe UI Black" panose="020B0A02040204020203" pitchFamily="34" charset="0"/>
-                <a:cs typeface="Segoe UI" panose="020B0502040204020203" pitchFamily="34" charset="0"/>
-              </a:endParaRPr>
-            </a:p>
-          </p:txBody>
-        </p:sp>
-        <p:sp>
-          <p:nvSpPr>
-            <p:cNvPr id="9" name="Rectangle 12"/>
-            <p:cNvSpPr/>
-            <p:nvPr/>
-          </p:nvSpPr>
-          <p:spPr>
-            <a:xfrm>
-              <a:off x="3472737" y="1247987"/>
-              <a:ext cx="4323373" cy="448454"/>
-            </a:xfrm>
-            <a:prstGeom prst="rect">
-              <a:avLst/>
-            </a:prstGeom>
-            <a:solidFill>
-              <a:schemeClr val="accent1">
-                <a:lumMod val="75000"/>
-              </a:schemeClr>
-            </a:solidFill>
-          </p:spPr>
-          <p:style>
-            <a:lnRef idx="2">
-              <a:schemeClr val="accent1">
-                <a:shade val="50000"/>
-              </a:schemeClr>
-            </a:lnRef>
-            <a:fillRef idx="1">
-              <a:schemeClr val="accent1"/>
-            </a:fillRef>
-            <a:effectRef idx="0">
-              <a:schemeClr val="accent1"/>
-            </a:effectRef>
-            <a:fontRef idx="minor">
-              <a:schemeClr val="lt1"/>
-            </a:fontRef>
-          </p:style>
-          <p:txBody>
-            <a:bodyPr rtlCol="0" anchor="ctr"/>
-            <a:lstStyle/>
-            <a:p>
-              <a:pPr algn="ctr"/>
-              <a:endParaRPr lang="en-US"/>
-            </a:p>
-          </p:txBody>
-        </p:sp>
-        <p:sp>
-          <p:nvSpPr>
-            <p:cNvPr id="12" name="Rectangle 5"/>
-            <p:cNvSpPr/>
-            <p:nvPr/>
-          </p:nvSpPr>
-          <p:spPr>
-            <a:xfrm>
-              <a:off x="3523460" y="2537205"/>
-              <a:ext cx="4625326" cy="1015663"/>
-            </a:xfrm>
-            <a:prstGeom prst="rect">
-              <a:avLst/>
-            </a:prstGeom>
-            <a:noFill/>
-          </p:spPr>
-          <p:txBody>
-            <a:bodyPr wrap="square" lIns="91440" tIns="45720" rIns="91440" bIns="45720">
-              <a:spAutoFit/>
-            </a:bodyPr>
-            <a:lstStyle/>
-            <a:p>
-              <a:pPr marL="285750" indent="-285750">
-                <a:buFont typeface="Arial" panose="020B0604020202020204" pitchFamily="34" charset="0"/>
-                <a:buChar char="•"/>
-              </a:pPr>
-              <a:r>
-                <a:rPr lang="vi-VN" sz="1200" dirty="0" smtClean="0">
-                  <a:ln w="0"/>
-                  <a:solidFill>
-                    <a:schemeClr val="accent1">
-                      <a:lumMod val="50000"/>
-                    </a:schemeClr>
-                  </a:solidFill>
-                  <a:effectLst>
-                    <a:outerShdw blurRad="38100" dist="19050" dir="2700000" algn="tl" rotWithShape="0">
-                      <a:schemeClr val="dk1">
-                        <a:alpha val="40000"/>
-                      </a:schemeClr>
-                    </a:outerShdw>
-                  </a:effectLst>
-                  <a:latin typeface="Segoe UI" panose="020B0502040204020203" pitchFamily="34" charset="0"/>
-                  <a:ea typeface="Segoe UI Black" panose="020B0A02040204020203" pitchFamily="34" charset="0"/>
-                  <a:cs typeface="Segoe UI" panose="020B0502040204020203" pitchFamily="34" charset="0"/>
-                </a:rPr>
-                <a:t>void setVertex(int v)</a:t>
-              </a:r>
-            </a:p>
-            <a:p>
-              <a:pPr marL="285750" indent="-285750">
-                <a:buFont typeface="Arial" panose="020B0604020202020204" pitchFamily="34" charset="0"/>
-                <a:buChar char="•"/>
-              </a:pPr>
-              <a:r>
-                <a:rPr lang="vi-VN" sz="1200" dirty="0" smtClean="0">
-                  <a:ln w="0"/>
-                  <a:solidFill>
-                    <a:schemeClr val="accent1">
-                      <a:lumMod val="50000"/>
-                    </a:schemeClr>
-                  </a:solidFill>
-                  <a:effectLst>
-                    <a:outerShdw blurRad="38100" dist="19050" dir="2700000" algn="tl" rotWithShape="0">
-                      <a:schemeClr val="dk1">
-                        <a:alpha val="40000"/>
-                      </a:schemeClr>
-                    </a:outerShdw>
-                  </a:effectLst>
-                  <a:latin typeface="Segoe UI" panose="020B0502040204020203" pitchFamily="34" charset="0"/>
-                  <a:ea typeface="Segoe UI Black" panose="020B0A02040204020203" pitchFamily="34" charset="0"/>
-                  <a:cs typeface="Segoe UI" panose="020B0502040204020203" pitchFamily="34" charset="0"/>
-                </a:rPr>
-                <a:t>Int getVertex()</a:t>
-              </a:r>
-              <a:endParaRPr lang="en-US" sz="1200" dirty="0" smtClean="0">
-                <a:ln w="0"/>
-                <a:solidFill>
-                  <a:schemeClr val="accent1">
-                    <a:lumMod val="50000"/>
-                  </a:schemeClr>
-                </a:solidFill>
-                <a:effectLst>
-                  <a:outerShdw blurRad="38100" dist="19050" dir="2700000" algn="tl" rotWithShape="0">
-                    <a:schemeClr val="dk1">
-                      <a:alpha val="40000"/>
-                    </a:schemeClr>
-                  </a:outerShdw>
-                </a:effectLst>
-                <a:latin typeface="Segoe UI" panose="020B0502040204020203" pitchFamily="34" charset="0"/>
-                <a:ea typeface="Segoe UI Black" panose="020B0A02040204020203" pitchFamily="34" charset="0"/>
-                <a:cs typeface="Segoe UI" panose="020B0502040204020203" pitchFamily="34" charset="0"/>
-              </a:endParaRPr>
-            </a:p>
-            <a:p>
-              <a:pPr marL="285750" indent="-285750">
-                <a:buFont typeface="Arial" panose="020B0604020202020204" pitchFamily="34" charset="0"/>
-                <a:buChar char="•"/>
-              </a:pPr>
-              <a:r>
-                <a:rPr lang="en-US" sz="1200" dirty="0" smtClean="0">
-                  <a:ln w="0"/>
-                  <a:solidFill>
-                    <a:schemeClr val="accent1">
-                      <a:lumMod val="50000"/>
-                    </a:schemeClr>
-                  </a:solidFill>
-                  <a:effectLst>
-                    <a:outerShdw blurRad="38100" dist="19050" dir="2700000" algn="tl" rotWithShape="0">
-                      <a:schemeClr val="dk1">
-                        <a:alpha val="40000"/>
-                      </a:schemeClr>
-                    </a:outerShdw>
-                  </a:effectLst>
-                  <a:latin typeface="Segoe UI" panose="020B0502040204020203" pitchFamily="34" charset="0"/>
-                  <a:ea typeface="Segoe UI Black" panose="020B0A02040204020203" pitchFamily="34" charset="0"/>
-                  <a:cs typeface="Segoe UI" panose="020B0502040204020203" pitchFamily="34" charset="0"/>
-                </a:rPr>
-                <a:t>Void </a:t>
-              </a:r>
-              <a:r>
-                <a:rPr lang="en-US" sz="1200" dirty="0" err="1" smtClean="0">
-                  <a:ln w="0"/>
-                  <a:solidFill>
-                    <a:schemeClr val="accent1">
-                      <a:lumMod val="50000"/>
-                    </a:schemeClr>
-                  </a:solidFill>
-                  <a:effectLst>
-                    <a:outerShdw blurRad="38100" dist="19050" dir="2700000" algn="tl" rotWithShape="0">
-                      <a:schemeClr val="dk1">
-                        <a:alpha val="40000"/>
-                      </a:schemeClr>
-                    </a:outerShdw>
-                  </a:effectLst>
-                  <a:latin typeface="Segoe UI" panose="020B0502040204020203" pitchFamily="34" charset="0"/>
-                  <a:ea typeface="Segoe UI Black" panose="020B0A02040204020203" pitchFamily="34" charset="0"/>
-                  <a:cs typeface="Segoe UI" panose="020B0502040204020203" pitchFamily="34" charset="0"/>
-                </a:rPr>
-                <a:t>showConnectedNode</a:t>
-              </a:r>
-              <a:r>
-                <a:rPr lang="en-US" sz="1200" dirty="0" smtClean="0">
-                  <a:ln w="0"/>
-                  <a:solidFill>
-                    <a:schemeClr val="accent1">
-                      <a:lumMod val="50000"/>
-                    </a:schemeClr>
-                  </a:solidFill>
-                  <a:effectLst>
-                    <a:outerShdw blurRad="38100" dist="19050" dir="2700000" algn="tl" rotWithShape="0">
-                      <a:schemeClr val="dk1">
-                        <a:alpha val="40000"/>
-                      </a:schemeClr>
-                    </a:outerShdw>
-                  </a:effectLst>
-                  <a:latin typeface="Segoe UI" panose="020B0502040204020203" pitchFamily="34" charset="0"/>
-                  <a:ea typeface="Segoe UI Black" panose="020B0A02040204020203" pitchFamily="34" charset="0"/>
-                  <a:cs typeface="Segoe UI" panose="020B0502040204020203" pitchFamily="34" charset="0"/>
-                </a:rPr>
-                <a:t>()</a:t>
-              </a:r>
-            </a:p>
-            <a:p>
-              <a:pPr marL="285750" indent="-285750">
-                <a:buFont typeface="Arial" panose="020B0604020202020204" pitchFamily="34" charset="0"/>
-                <a:buChar char="•"/>
-              </a:pPr>
-              <a:r>
-                <a:rPr lang="en-US" sz="1200" dirty="0" smtClean="0">
-                  <a:ln w="0"/>
-                  <a:solidFill>
-                    <a:schemeClr val="accent1">
-                      <a:lumMod val="50000"/>
-                    </a:schemeClr>
-                  </a:solidFill>
-                  <a:effectLst>
-                    <a:outerShdw blurRad="38100" dist="19050" dir="2700000" algn="tl" rotWithShape="0">
-                      <a:schemeClr val="dk1">
-                        <a:alpha val="40000"/>
-                      </a:schemeClr>
-                    </a:outerShdw>
-                  </a:effectLst>
-                  <a:latin typeface="Segoe UI" panose="020B0502040204020203" pitchFamily="34" charset="0"/>
-                  <a:ea typeface="Segoe UI Black" panose="020B0A02040204020203" pitchFamily="34" charset="0"/>
-                  <a:cs typeface="Segoe UI" panose="020B0502040204020203" pitchFamily="34" charset="0"/>
-                </a:rPr>
-                <a:t>Void </a:t>
-              </a:r>
-              <a:r>
-                <a:rPr lang="en-US" sz="1200" dirty="0" err="1" smtClean="0">
-                  <a:ln w="0"/>
-                  <a:solidFill>
-                    <a:schemeClr val="accent1">
-                      <a:lumMod val="50000"/>
-                    </a:schemeClr>
-                  </a:solidFill>
-                  <a:effectLst>
-                    <a:outerShdw blurRad="38100" dist="19050" dir="2700000" algn="tl" rotWithShape="0">
-                      <a:schemeClr val="dk1">
-                        <a:alpha val="40000"/>
-                      </a:schemeClr>
-                    </a:outerShdw>
-                  </a:effectLst>
-                  <a:latin typeface="Segoe UI" panose="020B0502040204020203" pitchFamily="34" charset="0"/>
-                  <a:ea typeface="Segoe UI Black" panose="020B0A02040204020203" pitchFamily="34" charset="0"/>
-                  <a:cs typeface="Segoe UI" panose="020B0502040204020203" pitchFamily="34" charset="0"/>
-                </a:rPr>
-                <a:t>push_edge</a:t>
-              </a:r>
-              <a:r>
-                <a:rPr lang="en-US" sz="1200" dirty="0" smtClean="0">
-                  <a:ln w="0"/>
-                  <a:solidFill>
-                    <a:schemeClr val="accent1">
-                      <a:lumMod val="50000"/>
-                    </a:schemeClr>
-                  </a:solidFill>
-                  <a:effectLst>
-                    <a:outerShdw blurRad="38100" dist="19050" dir="2700000" algn="tl" rotWithShape="0">
-                      <a:schemeClr val="dk1">
-                        <a:alpha val="40000"/>
-                      </a:schemeClr>
-                    </a:outerShdw>
-                  </a:effectLst>
-                  <a:latin typeface="Segoe UI" panose="020B0502040204020203" pitchFamily="34" charset="0"/>
-                  <a:ea typeface="Segoe UI Black" panose="020B0A02040204020203" pitchFamily="34" charset="0"/>
-                  <a:cs typeface="Segoe UI" panose="020B0502040204020203" pitchFamily="34" charset="0"/>
-                </a:rPr>
-                <a:t>(</a:t>
-              </a:r>
-              <a:r>
-                <a:rPr lang="en-US" sz="1200" dirty="0" err="1" smtClean="0">
-                  <a:ln w="0"/>
-                  <a:solidFill>
-                    <a:schemeClr val="accent1">
-                      <a:lumMod val="50000"/>
-                    </a:schemeClr>
-                  </a:solidFill>
-                  <a:effectLst>
-                    <a:outerShdw blurRad="38100" dist="19050" dir="2700000" algn="tl" rotWithShape="0">
-                      <a:schemeClr val="dk1">
-                        <a:alpha val="40000"/>
-                      </a:schemeClr>
-                    </a:outerShdw>
-                  </a:effectLst>
-                  <a:latin typeface="Segoe UI" panose="020B0502040204020203" pitchFamily="34" charset="0"/>
-                  <a:ea typeface="Segoe UI Black" panose="020B0A02040204020203" pitchFamily="34" charset="0"/>
-                  <a:cs typeface="Segoe UI" panose="020B0502040204020203" pitchFamily="34" charset="0"/>
-                </a:rPr>
-                <a:t>int,float</a:t>
-              </a:r>
-              <a:r>
-                <a:rPr lang="en-US" sz="1200" dirty="0" smtClean="0">
-                  <a:ln w="0"/>
-                  <a:solidFill>
-                    <a:schemeClr val="accent1">
-                      <a:lumMod val="50000"/>
-                    </a:schemeClr>
-                  </a:solidFill>
-                  <a:effectLst>
-                    <a:outerShdw blurRad="38100" dist="19050" dir="2700000" algn="tl" rotWithShape="0">
-                      <a:schemeClr val="dk1">
-                        <a:alpha val="40000"/>
-                      </a:schemeClr>
-                    </a:outerShdw>
-                  </a:effectLst>
-                  <a:latin typeface="Segoe UI" panose="020B0502040204020203" pitchFamily="34" charset="0"/>
-                  <a:ea typeface="Segoe UI Black" panose="020B0A02040204020203" pitchFamily="34" charset="0"/>
-                  <a:cs typeface="Segoe UI" panose="020B0502040204020203" pitchFamily="34" charset="0"/>
-                </a:rPr>
-                <a:t>)</a:t>
-              </a:r>
-            </a:p>
-            <a:p>
-              <a:pPr marL="285750" indent="-285750">
-                <a:buFont typeface="Arial" panose="020B0604020202020204" pitchFamily="34" charset="0"/>
-                <a:buChar char="•"/>
-              </a:pPr>
-              <a:endParaRPr lang="en-US" sz="1200" dirty="0" smtClean="0">
-                <a:ln w="0"/>
-                <a:solidFill>
-                  <a:schemeClr val="accent1">
-                    <a:lumMod val="50000"/>
-                  </a:schemeClr>
-                </a:solidFill>
-                <a:effectLst>
-                  <a:outerShdw blurRad="38100" dist="19050" dir="2700000" algn="tl" rotWithShape="0">
-                    <a:schemeClr val="dk1">
-                      <a:alpha val="40000"/>
-                    </a:schemeClr>
-                  </a:outerShdw>
-                </a:effectLst>
-                <a:latin typeface="Segoe UI" panose="020B0502040204020203" pitchFamily="34" charset="0"/>
-                <a:ea typeface="Segoe UI Black" panose="020B0A02040204020203" pitchFamily="34" charset="0"/>
-                <a:cs typeface="Segoe UI" panose="020B0502040204020203" pitchFamily="34" charset="0"/>
-              </a:endParaRPr>
-            </a:p>
-          </p:txBody>
-        </p:sp>
-        <p:sp>
-          <p:nvSpPr>
-            <p:cNvPr id="11" name="Rectangle 3"/>
-            <p:cNvSpPr/>
-            <p:nvPr/>
-          </p:nvSpPr>
-          <p:spPr>
-            <a:xfrm>
-              <a:off x="5312860" y="1318325"/>
-              <a:ext cx="643125" cy="307777"/>
-            </a:xfrm>
-            <a:prstGeom prst="rect">
-              <a:avLst/>
-            </a:prstGeom>
-            <a:noFill/>
-          </p:spPr>
-          <p:txBody>
-            <a:bodyPr wrap="none" lIns="91440" tIns="45720" rIns="91440" bIns="45720">
-              <a:spAutoFit/>
-            </a:bodyPr>
-            <a:lstStyle/>
-            <a:p>
-              <a:pPr algn="ctr"/>
-              <a:r>
-                <a:rPr lang="vi-VN" sz="1400" b="1" dirty="0">
-                  <a:ln w="0"/>
-                  <a:solidFill>
-                    <a:schemeClr val="bg1">
-                      <a:lumMod val="95000"/>
-                    </a:schemeClr>
-                  </a:solidFill>
-                  <a:effectLst>
-                    <a:outerShdw blurRad="38100" dist="19050" dir="2700000" algn="tl" rotWithShape="0">
-                      <a:schemeClr val="dk1">
-                        <a:alpha val="40000"/>
-                      </a:schemeClr>
-                    </a:outerShdw>
-                  </a:effectLst>
-                  <a:latin typeface="Segoe UI" panose="020B0502040204020203" pitchFamily="34" charset="0"/>
-                  <a:ea typeface="Segoe UI Black" panose="020B0A02040204020203" pitchFamily="34" charset="0"/>
-                  <a:cs typeface="Segoe UI" panose="020B0502040204020203" pitchFamily="34" charset="0"/>
-                </a:rPr>
-                <a:t>Node</a:t>
-              </a:r>
-              <a:endParaRPr lang="en-US" sz="1400" b="1" cap="none" spc="0" dirty="0">
-                <a:ln w="0"/>
-                <a:solidFill>
-                  <a:schemeClr val="bg1">
-                    <a:lumMod val="95000"/>
-                  </a:schemeClr>
-                </a:solidFill>
-                <a:effectLst>
-                  <a:outerShdw blurRad="38100" dist="19050" dir="2700000" algn="tl" rotWithShape="0">
-                    <a:schemeClr val="dk1">
-                      <a:alpha val="40000"/>
-                    </a:schemeClr>
-                  </a:outerShdw>
-                </a:effectLst>
-                <a:latin typeface="Segoe UI" panose="020B0502040204020203" pitchFamily="34" charset="0"/>
-                <a:ea typeface="Segoe UI Black" panose="020B0A02040204020203" pitchFamily="34" charset="0"/>
-                <a:cs typeface="Segoe UI" panose="020B0502040204020203" pitchFamily="34" charset="0"/>
-              </a:endParaRPr>
-            </a:p>
-          </p:txBody>
-        </p:sp>
-        <p:sp>
-          <p:nvSpPr>
-            <p:cNvPr id="14" name="Rectangle 20"/>
-            <p:cNvSpPr/>
-            <p:nvPr/>
-          </p:nvSpPr>
-          <p:spPr>
-            <a:xfrm>
-              <a:off x="3472811" y="2371642"/>
-              <a:ext cx="4323299" cy="1081934"/>
-            </a:xfrm>
-            <a:prstGeom prst="rect">
-              <a:avLst/>
-            </a:prstGeom>
-            <a:noFill/>
-          </p:spPr>
-          <p:style>
-            <a:lnRef idx="2">
-              <a:schemeClr val="accent1">
-                <a:shade val="50000"/>
-              </a:schemeClr>
-            </a:lnRef>
-            <a:fillRef idx="1">
-              <a:schemeClr val="accent1"/>
-            </a:fillRef>
-            <a:effectRef idx="0">
-              <a:schemeClr val="accent1"/>
-            </a:effectRef>
-            <a:fontRef idx="minor">
-              <a:schemeClr val="lt1"/>
-            </a:fontRef>
-          </p:style>
-          <p:txBody>
-            <a:bodyPr rtlCol="0" anchor="ctr"/>
-            <a:lstStyle/>
-            <a:p>
-              <a:pPr algn="ctr"/>
-              <a:endParaRPr lang="en-US"/>
-            </a:p>
-          </p:txBody>
-        </p:sp>
-      </p:grpSp>
-      <p:grpSp>
-        <p:nvGrpSpPr>
-          <p:cNvPr id="25" name="Nhóm 24"/>
-          <p:cNvGrpSpPr/>
-          <p:nvPr/>
-        </p:nvGrpSpPr>
-        <p:grpSpPr>
-          <a:xfrm>
-            <a:off x="5750580" y="1400113"/>
-            <a:ext cx="2842151" cy="4025633"/>
-            <a:chOff x="7007243" y="1550882"/>
-            <a:chExt cx="2842151" cy="4025633"/>
-          </a:xfrm>
-        </p:grpSpPr>
-        <p:sp>
-          <p:nvSpPr>
-            <p:cNvPr id="23" name="Rectangle 20"/>
-            <p:cNvSpPr/>
-            <p:nvPr/>
-          </p:nvSpPr>
-          <p:spPr>
-            <a:xfrm>
-              <a:off x="7007243" y="3493571"/>
-              <a:ext cx="2842151" cy="1957756"/>
-            </a:xfrm>
-            <a:prstGeom prst="rect">
-              <a:avLst/>
-            </a:prstGeom>
-            <a:solidFill>
-              <a:schemeClr val="bg1"/>
-            </a:solidFill>
-          </p:spPr>
-          <p:style>
-            <a:lnRef idx="2">
-              <a:schemeClr val="accent1">
-                <a:shade val="50000"/>
-              </a:schemeClr>
-            </a:lnRef>
-            <a:fillRef idx="1">
-              <a:schemeClr val="accent1"/>
-            </a:fillRef>
-            <a:effectRef idx="0">
-              <a:schemeClr val="accent1"/>
-            </a:effectRef>
-            <a:fontRef idx="minor">
-              <a:schemeClr val="lt1"/>
-            </a:fontRef>
-          </p:style>
-          <p:txBody>
-            <a:bodyPr rtlCol="0" anchor="ctr"/>
-            <a:lstStyle/>
-            <a:p>
-              <a:pPr algn="ctr"/>
-              <a:endParaRPr lang="en-US"/>
-            </a:p>
-          </p:txBody>
-        </p:sp>
-        <p:sp>
-          <p:nvSpPr>
-            <p:cNvPr id="18" name="Rectangle 18"/>
-            <p:cNvSpPr/>
-            <p:nvPr/>
-          </p:nvSpPr>
-          <p:spPr>
-            <a:xfrm>
-              <a:off x="7007244" y="1550882"/>
-              <a:ext cx="2842150" cy="400110"/>
-            </a:xfrm>
-            <a:prstGeom prst="rect">
-              <a:avLst/>
-            </a:prstGeom>
-            <a:solidFill>
-              <a:schemeClr val="accent1">
-                <a:lumMod val="75000"/>
-              </a:schemeClr>
-            </a:solidFill>
-          </p:spPr>
-          <p:style>
-            <a:lnRef idx="2">
-              <a:schemeClr val="accent1">
-                <a:shade val="50000"/>
-              </a:schemeClr>
-            </a:lnRef>
-            <a:fillRef idx="1">
-              <a:schemeClr val="accent1"/>
-            </a:fillRef>
-            <a:effectRef idx="0">
-              <a:schemeClr val="accent1"/>
-            </a:effectRef>
-            <a:fontRef idx="minor">
-              <a:schemeClr val="lt1"/>
-            </a:fontRef>
-          </p:style>
-          <p:txBody>
-            <a:bodyPr rtlCol="0" anchor="ctr"/>
-            <a:lstStyle/>
-            <a:p>
-              <a:pPr algn="ctr"/>
-              <a:endParaRPr lang="en-US"/>
-            </a:p>
-          </p:txBody>
-        </p:sp>
-        <p:sp>
-          <p:nvSpPr>
-            <p:cNvPr id="19" name="Rectangle 6"/>
-            <p:cNvSpPr/>
-            <p:nvPr/>
-          </p:nvSpPr>
-          <p:spPr>
-            <a:xfrm>
-              <a:off x="7975658" y="1575948"/>
-              <a:ext cx="835485" cy="307777"/>
-            </a:xfrm>
-            <a:prstGeom prst="rect">
-              <a:avLst/>
-            </a:prstGeom>
-            <a:noFill/>
-          </p:spPr>
-          <p:txBody>
-            <a:bodyPr wrap="none" lIns="91440" tIns="45720" rIns="91440" bIns="45720">
-              <a:spAutoFit/>
-            </a:bodyPr>
-            <a:lstStyle/>
-            <a:p>
-              <a:pPr algn="ctr"/>
-              <a:r>
-                <a:rPr lang="vi-VN" sz="1400" b="1" cap="none" spc="0" dirty="0" smtClean="0">
-                  <a:ln w="0"/>
-                  <a:solidFill>
-                    <a:schemeClr val="bg1">
-                      <a:lumMod val="95000"/>
-                    </a:schemeClr>
-                  </a:solidFill>
-                  <a:effectLst>
-                    <a:outerShdw blurRad="38100" dist="19050" dir="2700000" algn="tl" rotWithShape="0">
-                      <a:schemeClr val="dk1">
-                        <a:alpha val="40000"/>
-                      </a:schemeClr>
-                    </a:outerShdw>
-                  </a:effectLst>
-                  <a:latin typeface="Segoe UI" panose="020B0502040204020203" pitchFamily="34" charset="0"/>
-                  <a:ea typeface="Segoe UI Black" panose="020B0A02040204020203" pitchFamily="34" charset="0"/>
-                  <a:cs typeface="Segoe UI" panose="020B0502040204020203" pitchFamily="34" charset="0"/>
-                </a:rPr>
-                <a:t>Shipper</a:t>
-              </a:r>
-              <a:endParaRPr lang="en-US" sz="1400" b="1" cap="none" spc="0" dirty="0">
-                <a:ln w="0"/>
-                <a:solidFill>
-                  <a:schemeClr val="bg1">
-                    <a:lumMod val="95000"/>
-                  </a:schemeClr>
-                </a:solidFill>
-                <a:effectLst>
-                  <a:outerShdw blurRad="38100" dist="19050" dir="2700000" algn="tl" rotWithShape="0">
-                    <a:schemeClr val="dk1">
-                      <a:alpha val="40000"/>
-                    </a:schemeClr>
-                  </a:outerShdw>
-                </a:effectLst>
-                <a:latin typeface="Segoe UI" panose="020B0502040204020203" pitchFamily="34" charset="0"/>
-                <a:ea typeface="Segoe UI Black" panose="020B0A02040204020203" pitchFamily="34" charset="0"/>
-                <a:cs typeface="Segoe UI" panose="020B0502040204020203" pitchFamily="34" charset="0"/>
-              </a:endParaRPr>
-            </a:p>
-          </p:txBody>
-        </p:sp>
-        <p:sp>
-          <p:nvSpPr>
-            <p:cNvPr id="20" name="Rectangle 7"/>
-            <p:cNvSpPr/>
-            <p:nvPr/>
-          </p:nvSpPr>
-          <p:spPr>
-            <a:xfrm>
-              <a:off x="7075476" y="3545190"/>
-              <a:ext cx="2635850" cy="2031325"/>
-            </a:xfrm>
-            <a:prstGeom prst="rect">
-              <a:avLst/>
-            </a:prstGeom>
-            <a:noFill/>
-          </p:spPr>
-          <p:txBody>
-            <a:bodyPr wrap="none" lIns="91440" tIns="45720" rIns="91440" bIns="45720">
-              <a:spAutoFit/>
-            </a:bodyPr>
-            <a:lstStyle/>
-            <a:p>
-              <a:pPr marL="285750" indent="-285750">
-                <a:lnSpc>
-                  <a:spcPct val="150000"/>
-                </a:lnSpc>
-                <a:buFont typeface="Arial" panose="020B0604020202020204" pitchFamily="34" charset="0"/>
-                <a:buChar char="•"/>
-              </a:pPr>
-              <a:r>
-                <a:rPr lang="vi-VN" sz="1200" dirty="0" smtClean="0">
-                  <a:ln w="0"/>
-                  <a:solidFill>
-                    <a:schemeClr val="accent1">
-                      <a:lumMod val="50000"/>
-                    </a:schemeClr>
-                  </a:solidFill>
-                  <a:effectLst>
-                    <a:outerShdw blurRad="38100" dist="19050" dir="2700000" algn="tl" rotWithShape="0">
-                      <a:schemeClr val="dk1">
-                        <a:alpha val="40000"/>
-                      </a:schemeClr>
-                    </a:outerShdw>
-                  </a:effectLst>
-                  <a:latin typeface="Segoe UI" panose="020B0502040204020203" pitchFamily="34" charset="0"/>
-                  <a:ea typeface="Segoe UI Black" panose="020B0A02040204020203" pitchFamily="34" charset="0"/>
-                  <a:cs typeface="Segoe UI" panose="020B0502040204020203" pitchFamily="34" charset="0"/>
-                </a:rPr>
-                <a:t>Void setPosition(int)</a:t>
-              </a:r>
-            </a:p>
-            <a:p>
-              <a:pPr marL="285750" indent="-285750">
-                <a:lnSpc>
-                  <a:spcPct val="150000"/>
-                </a:lnSpc>
-                <a:buFont typeface="Arial" panose="020B0604020202020204" pitchFamily="34" charset="0"/>
-                <a:buChar char="•"/>
-              </a:pPr>
-              <a:r>
-                <a:rPr lang="vi-VN" sz="1200" dirty="0" smtClean="0">
-                  <a:ln w="0"/>
-                  <a:solidFill>
-                    <a:schemeClr val="accent1">
-                      <a:lumMod val="50000"/>
-                    </a:schemeClr>
-                  </a:solidFill>
-                  <a:effectLst>
-                    <a:outerShdw blurRad="38100" dist="19050" dir="2700000" algn="tl" rotWithShape="0">
-                      <a:schemeClr val="dk1">
-                        <a:alpha val="40000"/>
-                      </a:schemeClr>
-                    </a:outerShdw>
-                  </a:effectLst>
-                  <a:latin typeface="Segoe UI" panose="020B0502040204020203" pitchFamily="34" charset="0"/>
-                  <a:ea typeface="Segoe UI Black" panose="020B0A02040204020203" pitchFamily="34" charset="0"/>
-                  <a:cs typeface="Segoe UI" panose="020B0502040204020203" pitchFamily="34" charset="0"/>
-                </a:rPr>
-                <a:t>Int </a:t>
-              </a:r>
-              <a:r>
-                <a:rPr lang="vi-VN" sz="1200" dirty="0" err="1" smtClean="0">
-                  <a:ln w="0"/>
-                  <a:solidFill>
-                    <a:schemeClr val="accent1">
-                      <a:lumMod val="50000"/>
-                    </a:schemeClr>
-                  </a:solidFill>
-                  <a:effectLst>
-                    <a:outerShdw blurRad="38100" dist="19050" dir="2700000" algn="tl" rotWithShape="0">
-                      <a:schemeClr val="dk1">
-                        <a:alpha val="40000"/>
-                      </a:schemeClr>
-                    </a:outerShdw>
-                  </a:effectLst>
-                  <a:latin typeface="Segoe UI" panose="020B0502040204020203" pitchFamily="34" charset="0"/>
-                  <a:ea typeface="Segoe UI Black" panose="020B0A02040204020203" pitchFamily="34" charset="0"/>
-                  <a:cs typeface="Segoe UI" panose="020B0502040204020203" pitchFamily="34" charset="0"/>
-                </a:rPr>
-                <a:t>getPosition</a:t>
-              </a:r>
-              <a:r>
-                <a:rPr lang="vi-VN" sz="1200" dirty="0" smtClean="0">
-                  <a:ln w="0"/>
-                  <a:solidFill>
-                    <a:schemeClr val="accent1">
-                      <a:lumMod val="50000"/>
-                    </a:schemeClr>
-                  </a:solidFill>
-                  <a:effectLst>
-                    <a:outerShdw blurRad="38100" dist="19050" dir="2700000" algn="tl" rotWithShape="0">
-                      <a:schemeClr val="dk1">
-                        <a:alpha val="40000"/>
-                      </a:schemeClr>
-                    </a:outerShdw>
-                  </a:effectLst>
-                  <a:latin typeface="Segoe UI" panose="020B0502040204020203" pitchFamily="34" charset="0"/>
-                  <a:ea typeface="Segoe UI Black" panose="020B0A02040204020203" pitchFamily="34" charset="0"/>
-                  <a:cs typeface="Segoe UI" panose="020B0502040204020203" pitchFamily="34" charset="0"/>
-                </a:rPr>
-                <a:t>(</a:t>
-              </a:r>
-              <a:r>
-                <a:rPr lang="en-US" sz="1200" dirty="0" smtClean="0">
-                  <a:ln w="0"/>
-                  <a:solidFill>
-                    <a:schemeClr val="accent1">
-                      <a:lumMod val="50000"/>
-                    </a:schemeClr>
-                  </a:solidFill>
-                  <a:effectLst>
-                    <a:outerShdw blurRad="38100" dist="19050" dir="2700000" algn="tl" rotWithShape="0">
-                      <a:schemeClr val="dk1">
-                        <a:alpha val="40000"/>
-                      </a:schemeClr>
-                    </a:outerShdw>
-                  </a:effectLst>
-                  <a:latin typeface="Segoe UI" panose="020B0502040204020203" pitchFamily="34" charset="0"/>
-                  <a:ea typeface="Segoe UI Black" panose="020B0A02040204020203" pitchFamily="34" charset="0"/>
-                  <a:cs typeface="Segoe UI" panose="020B0502040204020203" pitchFamily="34" charset="0"/>
-                </a:rPr>
-                <a:t>)</a:t>
-              </a:r>
-            </a:p>
-            <a:p>
-              <a:pPr marL="285750" indent="-285750">
-                <a:lnSpc>
-                  <a:spcPct val="150000"/>
-                </a:lnSpc>
-                <a:buFont typeface="Arial" panose="020B0604020202020204" pitchFamily="34" charset="0"/>
-                <a:buChar char="•"/>
-              </a:pPr>
-              <a:r>
-                <a:rPr lang="en-US" sz="1200" dirty="0" smtClean="0">
-                  <a:ln w="0"/>
-                  <a:solidFill>
-                    <a:schemeClr val="accent1">
-                      <a:lumMod val="50000"/>
-                    </a:schemeClr>
-                  </a:solidFill>
-                  <a:effectLst>
-                    <a:outerShdw blurRad="38100" dist="19050" dir="2700000" algn="tl" rotWithShape="0">
-                      <a:schemeClr val="dk1">
-                        <a:alpha val="40000"/>
-                      </a:schemeClr>
-                    </a:outerShdw>
-                  </a:effectLst>
-                  <a:latin typeface="Segoe UI" panose="020B0502040204020203" pitchFamily="34" charset="0"/>
-                  <a:ea typeface="Segoe UI Black" panose="020B0A02040204020203" pitchFamily="34" charset="0"/>
-                  <a:cs typeface="Segoe UI" panose="020B0502040204020203" pitchFamily="34" charset="0"/>
-                </a:rPr>
-                <a:t>Void </a:t>
-              </a:r>
-              <a:r>
-                <a:rPr lang="vi-VN" sz="1200" dirty="0" err="1" smtClean="0">
-                  <a:ln w="0"/>
-                  <a:solidFill>
-                    <a:schemeClr val="accent1">
-                      <a:lumMod val="50000"/>
-                    </a:schemeClr>
-                  </a:solidFill>
-                  <a:effectLst>
-                    <a:outerShdw blurRad="38100" dist="19050" dir="2700000" algn="tl" rotWithShape="0">
-                      <a:schemeClr val="dk1">
-                        <a:alpha val="40000"/>
-                      </a:schemeClr>
-                    </a:outerShdw>
-                  </a:effectLst>
-                  <a:latin typeface="Segoe UI" panose="020B0502040204020203" pitchFamily="34" charset="0"/>
-                  <a:ea typeface="Segoe UI Black" panose="020B0A02040204020203" pitchFamily="34" charset="0"/>
-                  <a:cs typeface="Segoe UI" panose="020B0502040204020203" pitchFamily="34" charset="0"/>
-                </a:rPr>
-                <a:t>showListProduct</a:t>
-              </a:r>
-              <a:r>
-                <a:rPr lang="en-US" sz="1200" dirty="0" smtClean="0">
-                  <a:ln w="0"/>
-                  <a:solidFill>
-                    <a:schemeClr val="accent1">
-                      <a:lumMod val="50000"/>
-                    </a:schemeClr>
-                  </a:solidFill>
-                  <a:effectLst>
-                    <a:outerShdw blurRad="38100" dist="19050" dir="2700000" algn="tl" rotWithShape="0">
-                      <a:schemeClr val="dk1">
-                        <a:alpha val="40000"/>
-                      </a:schemeClr>
-                    </a:outerShdw>
-                  </a:effectLst>
-                  <a:latin typeface="Segoe UI" panose="020B0502040204020203" pitchFamily="34" charset="0"/>
-                  <a:ea typeface="Segoe UI Black" panose="020B0A02040204020203" pitchFamily="34" charset="0"/>
-                  <a:cs typeface="Segoe UI" panose="020B0502040204020203" pitchFamily="34" charset="0"/>
-                </a:rPr>
-                <a:t>();</a:t>
-              </a:r>
-              <a:endParaRPr lang="vi-VN" sz="1200" dirty="0" smtClean="0">
-                <a:ln w="0"/>
-                <a:solidFill>
-                  <a:schemeClr val="accent1">
-                    <a:lumMod val="50000"/>
-                  </a:schemeClr>
-                </a:solidFill>
-                <a:effectLst>
-                  <a:outerShdw blurRad="38100" dist="19050" dir="2700000" algn="tl" rotWithShape="0">
-                    <a:schemeClr val="dk1">
-                      <a:alpha val="40000"/>
-                    </a:schemeClr>
-                  </a:outerShdw>
-                </a:effectLst>
-                <a:latin typeface="Segoe UI" panose="020B0502040204020203" pitchFamily="34" charset="0"/>
-                <a:ea typeface="Segoe UI Black" panose="020B0A02040204020203" pitchFamily="34" charset="0"/>
-                <a:cs typeface="Segoe UI" panose="020B0502040204020203" pitchFamily="34" charset="0"/>
-              </a:endParaRPr>
-            </a:p>
-            <a:p>
-              <a:pPr marL="285750" indent="-285750">
-                <a:lnSpc>
-                  <a:spcPct val="150000"/>
-                </a:lnSpc>
-                <a:buFont typeface="Arial" panose="020B0604020202020204" pitchFamily="34" charset="0"/>
-                <a:buChar char="•"/>
-              </a:pPr>
-              <a:r>
-                <a:rPr lang="vi-VN" sz="1200" dirty="0" err="1" smtClean="0">
-                  <a:ln w="0"/>
-                  <a:solidFill>
-                    <a:schemeClr val="accent1">
-                      <a:lumMod val="50000"/>
-                    </a:schemeClr>
-                  </a:solidFill>
-                  <a:effectLst>
-                    <a:outerShdw blurRad="38100" dist="19050" dir="2700000" algn="tl" rotWithShape="0">
-                      <a:schemeClr val="dk1">
-                        <a:alpha val="40000"/>
-                      </a:schemeClr>
-                    </a:outerShdw>
-                  </a:effectLst>
-                  <a:latin typeface="Segoe UI" panose="020B0502040204020203" pitchFamily="34" charset="0"/>
-                  <a:ea typeface="Segoe UI Black" panose="020B0A02040204020203" pitchFamily="34" charset="0"/>
-                  <a:cs typeface="Segoe UI" panose="020B0502040204020203" pitchFamily="34" charset="0"/>
-                </a:rPr>
-                <a:t>Void</a:t>
-              </a:r>
-              <a:r>
-                <a:rPr lang="vi-VN" sz="1200" dirty="0" smtClean="0">
-                  <a:ln w="0"/>
-                  <a:solidFill>
-                    <a:schemeClr val="accent1">
-                      <a:lumMod val="50000"/>
-                    </a:schemeClr>
-                  </a:solidFill>
-                  <a:effectLst>
-                    <a:outerShdw blurRad="38100" dist="19050" dir="2700000" algn="tl" rotWithShape="0">
-                      <a:schemeClr val="dk1">
-                        <a:alpha val="40000"/>
-                      </a:schemeClr>
-                    </a:outerShdw>
-                  </a:effectLst>
-                  <a:latin typeface="Segoe UI" panose="020B0502040204020203" pitchFamily="34" charset="0"/>
-                  <a:ea typeface="Segoe UI Black" panose="020B0A02040204020203" pitchFamily="34" charset="0"/>
-                  <a:cs typeface="Segoe UI" panose="020B0502040204020203" pitchFamily="34" charset="0"/>
-                </a:rPr>
-                <a:t> </a:t>
-              </a:r>
-              <a:r>
-                <a:rPr lang="vi-VN" sz="1200" dirty="0" err="1" smtClean="0">
-                  <a:ln w="0"/>
-                  <a:solidFill>
-                    <a:schemeClr val="accent1">
-                      <a:lumMod val="50000"/>
-                    </a:schemeClr>
-                  </a:solidFill>
-                  <a:effectLst>
-                    <a:outerShdw blurRad="38100" dist="19050" dir="2700000" algn="tl" rotWithShape="0">
-                      <a:schemeClr val="dk1">
-                        <a:alpha val="40000"/>
-                      </a:schemeClr>
-                    </a:outerShdw>
-                  </a:effectLst>
-                  <a:latin typeface="Segoe UI" panose="020B0502040204020203" pitchFamily="34" charset="0"/>
-                  <a:ea typeface="Segoe UI Black" panose="020B0A02040204020203" pitchFamily="34" charset="0"/>
-                  <a:cs typeface="Segoe UI" panose="020B0502040204020203" pitchFamily="34" charset="0"/>
-                </a:rPr>
-                <a:t>updateListProduct</a:t>
-              </a:r>
-              <a:r>
-                <a:rPr lang="vi-VN" sz="1200" dirty="0" smtClean="0">
-                  <a:ln w="0"/>
-                  <a:solidFill>
-                    <a:schemeClr val="accent1">
-                      <a:lumMod val="50000"/>
-                    </a:schemeClr>
-                  </a:solidFill>
-                  <a:effectLst>
-                    <a:outerShdw blurRad="38100" dist="19050" dir="2700000" algn="tl" rotWithShape="0">
-                      <a:schemeClr val="dk1">
-                        <a:alpha val="40000"/>
-                      </a:schemeClr>
-                    </a:outerShdw>
-                  </a:effectLst>
-                  <a:latin typeface="Segoe UI" panose="020B0502040204020203" pitchFamily="34" charset="0"/>
-                  <a:ea typeface="Segoe UI Black" panose="020B0A02040204020203" pitchFamily="34" charset="0"/>
-                  <a:cs typeface="Segoe UI" panose="020B0502040204020203" pitchFamily="34" charset="0"/>
-                </a:rPr>
-                <a:t>();</a:t>
-              </a:r>
-              <a:endParaRPr lang="en-US" sz="1200" dirty="0" smtClean="0">
-                <a:ln w="0"/>
-                <a:solidFill>
-                  <a:schemeClr val="accent1">
-                    <a:lumMod val="50000"/>
-                  </a:schemeClr>
-                </a:solidFill>
-                <a:effectLst>
-                  <a:outerShdw blurRad="38100" dist="19050" dir="2700000" algn="tl" rotWithShape="0">
-                    <a:schemeClr val="dk1">
-                      <a:alpha val="40000"/>
-                    </a:schemeClr>
-                  </a:outerShdw>
-                </a:effectLst>
-                <a:latin typeface="Segoe UI" panose="020B0502040204020203" pitchFamily="34" charset="0"/>
-                <a:ea typeface="Segoe UI Black" panose="020B0A02040204020203" pitchFamily="34" charset="0"/>
-                <a:cs typeface="Segoe UI" panose="020B0502040204020203" pitchFamily="34" charset="0"/>
-              </a:endParaRPr>
-            </a:p>
-            <a:p>
-              <a:pPr marL="285750" indent="-285750">
-                <a:lnSpc>
-                  <a:spcPct val="150000"/>
-                </a:lnSpc>
-                <a:buFont typeface="Arial" panose="020B0604020202020204" pitchFamily="34" charset="0"/>
-                <a:buChar char="•"/>
-              </a:pPr>
-              <a:r>
-                <a:rPr lang="en-US" sz="1200" dirty="0" smtClean="0">
-                  <a:ln w="0"/>
-                  <a:solidFill>
-                    <a:schemeClr val="accent1">
-                      <a:lumMod val="50000"/>
-                    </a:schemeClr>
-                  </a:solidFill>
-                  <a:effectLst>
-                    <a:outerShdw blurRad="38100" dist="19050" dir="2700000" algn="tl" rotWithShape="0">
-                      <a:schemeClr val="dk1">
-                        <a:alpha val="40000"/>
-                      </a:schemeClr>
-                    </a:outerShdw>
-                  </a:effectLst>
-                  <a:latin typeface="Segoe UI" panose="020B0502040204020203" pitchFamily="34" charset="0"/>
-                  <a:ea typeface="Segoe UI Black" panose="020B0A02040204020203" pitchFamily="34" charset="0"/>
-                  <a:cs typeface="Segoe UI" panose="020B0502040204020203" pitchFamily="34" charset="0"/>
-                </a:rPr>
-                <a:t>Void </a:t>
-              </a:r>
-              <a:r>
-                <a:rPr lang="en-US" sz="1200" dirty="0" err="1" smtClean="0">
-                  <a:ln w="0"/>
-                  <a:solidFill>
-                    <a:schemeClr val="accent1">
-                      <a:lumMod val="50000"/>
-                    </a:schemeClr>
-                  </a:solidFill>
-                  <a:effectLst>
-                    <a:outerShdw blurRad="38100" dist="19050" dir="2700000" algn="tl" rotWithShape="0">
-                      <a:schemeClr val="dk1">
-                        <a:alpha val="40000"/>
-                      </a:schemeClr>
-                    </a:outerShdw>
-                  </a:effectLst>
-                  <a:latin typeface="Segoe UI" panose="020B0502040204020203" pitchFamily="34" charset="0"/>
-                  <a:ea typeface="Segoe UI Black" panose="020B0A02040204020203" pitchFamily="34" charset="0"/>
-                  <a:cs typeface="Segoe UI" panose="020B0502040204020203" pitchFamily="34" charset="0"/>
-                </a:rPr>
-                <a:t>showPath</a:t>
-              </a:r>
-              <a:r>
-                <a:rPr lang="en-US" sz="1200" dirty="0" smtClean="0">
-                  <a:ln w="0"/>
-                  <a:solidFill>
-                    <a:schemeClr val="accent1">
-                      <a:lumMod val="50000"/>
-                    </a:schemeClr>
-                  </a:solidFill>
-                  <a:effectLst>
-                    <a:outerShdw blurRad="38100" dist="19050" dir="2700000" algn="tl" rotWithShape="0">
-                      <a:schemeClr val="dk1">
-                        <a:alpha val="40000"/>
-                      </a:schemeClr>
-                    </a:outerShdw>
-                  </a:effectLst>
-                  <a:latin typeface="Segoe UI" panose="020B0502040204020203" pitchFamily="34" charset="0"/>
-                  <a:ea typeface="Segoe UI Black" panose="020B0A02040204020203" pitchFamily="34" charset="0"/>
-                  <a:cs typeface="Segoe UI" panose="020B0502040204020203" pitchFamily="34" charset="0"/>
-                </a:rPr>
-                <a:t>()</a:t>
-              </a:r>
-            </a:p>
-            <a:p>
-              <a:pPr marL="285750" indent="-285750">
-                <a:lnSpc>
-                  <a:spcPct val="150000"/>
-                </a:lnSpc>
-                <a:buFont typeface="Arial" panose="020B0604020202020204" pitchFamily="34" charset="0"/>
-                <a:buChar char="•"/>
-              </a:pPr>
-              <a:r>
-                <a:rPr lang="en-US" sz="1200" dirty="0" smtClean="0">
-                  <a:ln w="0"/>
-                  <a:solidFill>
-                    <a:schemeClr val="accent1">
-                      <a:lumMod val="50000"/>
-                    </a:schemeClr>
-                  </a:solidFill>
-                  <a:effectLst>
-                    <a:outerShdw blurRad="38100" dist="19050" dir="2700000" algn="tl" rotWithShape="0">
-                      <a:schemeClr val="dk1">
-                        <a:alpha val="40000"/>
-                      </a:schemeClr>
-                    </a:outerShdw>
-                  </a:effectLst>
-                  <a:latin typeface="Segoe UI" panose="020B0502040204020203" pitchFamily="34" charset="0"/>
-                  <a:ea typeface="Segoe UI Black" panose="020B0A02040204020203" pitchFamily="34" charset="0"/>
-                  <a:cs typeface="Segoe UI" panose="020B0502040204020203" pitchFamily="34" charset="0"/>
-                </a:rPr>
-                <a:t>Void </a:t>
-              </a:r>
-              <a:r>
-                <a:rPr lang="vi-VN" sz="1200" dirty="0" err="1" smtClean="0">
-                  <a:ln w="0"/>
-                  <a:solidFill>
-                    <a:schemeClr val="accent1">
-                      <a:lumMod val="50000"/>
-                    </a:schemeClr>
-                  </a:solidFill>
-                  <a:effectLst>
-                    <a:outerShdw blurRad="38100" dist="19050" dir="2700000" algn="tl" rotWithShape="0">
-                      <a:schemeClr val="dk1">
-                        <a:alpha val="40000"/>
-                      </a:schemeClr>
-                    </a:outerShdw>
-                  </a:effectLst>
-                  <a:latin typeface="Segoe UI" panose="020B0502040204020203" pitchFamily="34" charset="0"/>
-                  <a:ea typeface="Segoe UI Black" panose="020B0A02040204020203" pitchFamily="34" charset="0"/>
-                  <a:cs typeface="Segoe UI" panose="020B0502040204020203" pitchFamily="34" charset="0"/>
-                </a:rPr>
-                <a:t>updatePath</a:t>
-              </a:r>
-              <a:r>
-                <a:rPr lang="vi-VN" sz="1200" dirty="0" smtClean="0">
-                  <a:ln w="0"/>
-                  <a:solidFill>
-                    <a:schemeClr val="accent1">
-                      <a:lumMod val="50000"/>
-                    </a:schemeClr>
-                  </a:solidFill>
-                  <a:effectLst>
-                    <a:outerShdw blurRad="38100" dist="19050" dir="2700000" algn="tl" rotWithShape="0">
-                      <a:schemeClr val="dk1">
-                        <a:alpha val="40000"/>
-                      </a:schemeClr>
-                    </a:outerShdw>
-                  </a:effectLst>
-                  <a:latin typeface="Segoe UI" panose="020B0502040204020203" pitchFamily="34" charset="0"/>
-                  <a:ea typeface="Segoe UI Black" panose="020B0A02040204020203" pitchFamily="34" charset="0"/>
-                  <a:cs typeface="Segoe UI" panose="020B0502040204020203" pitchFamily="34" charset="0"/>
-                </a:rPr>
-                <a:t>(</a:t>
-              </a:r>
-              <a:r>
-                <a:rPr lang="vi-VN" sz="1200" dirty="0" err="1" smtClean="0">
-                  <a:ln w="0"/>
-                  <a:solidFill>
-                    <a:schemeClr val="accent1">
-                      <a:lumMod val="50000"/>
-                    </a:schemeClr>
-                  </a:solidFill>
-                  <a:effectLst>
-                    <a:outerShdw blurRad="38100" dist="19050" dir="2700000" algn="tl" rotWithShape="0">
-                      <a:schemeClr val="dk1">
-                        <a:alpha val="40000"/>
-                      </a:schemeClr>
-                    </a:outerShdw>
-                  </a:effectLst>
-                  <a:latin typeface="Segoe UI" panose="020B0502040204020203" pitchFamily="34" charset="0"/>
-                  <a:ea typeface="Segoe UI Black" panose="020B0A02040204020203" pitchFamily="34" charset="0"/>
-                  <a:cs typeface="Segoe UI" panose="020B0502040204020203" pitchFamily="34" charset="0"/>
-                </a:rPr>
-                <a:t>Node</a:t>
-              </a:r>
-              <a:r>
-                <a:rPr lang="vi-VN" sz="1200" dirty="0" smtClean="0">
-                  <a:ln w="0"/>
-                  <a:solidFill>
-                    <a:schemeClr val="accent1">
-                      <a:lumMod val="50000"/>
-                    </a:schemeClr>
-                  </a:solidFill>
-                  <a:effectLst>
-                    <a:outerShdw blurRad="38100" dist="19050" dir="2700000" algn="tl" rotWithShape="0">
-                      <a:schemeClr val="dk1">
-                        <a:alpha val="40000"/>
-                      </a:schemeClr>
-                    </a:outerShdw>
-                  </a:effectLst>
-                  <a:latin typeface="Segoe UI" panose="020B0502040204020203" pitchFamily="34" charset="0"/>
-                  <a:ea typeface="Segoe UI Black" panose="020B0A02040204020203" pitchFamily="34" charset="0"/>
-                  <a:cs typeface="Segoe UI" panose="020B0502040204020203" pitchFamily="34" charset="0"/>
-                </a:rPr>
-                <a:t> </a:t>
-              </a:r>
-              <a:r>
-                <a:rPr lang="vi-VN" sz="1200" dirty="0" err="1" smtClean="0">
-                  <a:ln w="0"/>
-                  <a:solidFill>
-                    <a:schemeClr val="accent1">
-                      <a:lumMod val="50000"/>
-                    </a:schemeClr>
-                  </a:solidFill>
-                  <a:effectLst>
-                    <a:outerShdw blurRad="38100" dist="19050" dir="2700000" algn="tl" rotWithShape="0">
-                      <a:schemeClr val="dk1">
-                        <a:alpha val="40000"/>
-                      </a:schemeClr>
-                    </a:outerShdw>
-                  </a:effectLst>
-                  <a:latin typeface="Segoe UI" panose="020B0502040204020203" pitchFamily="34" charset="0"/>
-                  <a:ea typeface="Segoe UI Black" panose="020B0A02040204020203" pitchFamily="34" charset="0"/>
-                  <a:cs typeface="Segoe UI" panose="020B0502040204020203" pitchFamily="34" charset="0"/>
-                </a:rPr>
-                <a:t>posAdd</a:t>
-              </a:r>
-              <a:r>
-                <a:rPr lang="en-US" sz="1200" dirty="0" smtClean="0">
-                  <a:ln w="0"/>
-                  <a:solidFill>
-                    <a:schemeClr val="accent1">
-                      <a:lumMod val="50000"/>
-                    </a:schemeClr>
-                  </a:solidFill>
-                  <a:effectLst>
-                    <a:outerShdw blurRad="38100" dist="19050" dir="2700000" algn="tl" rotWithShape="0">
-                      <a:schemeClr val="dk1">
-                        <a:alpha val="40000"/>
-                      </a:schemeClr>
-                    </a:outerShdw>
-                  </a:effectLst>
-                  <a:latin typeface="Segoe UI" panose="020B0502040204020203" pitchFamily="34" charset="0"/>
-                  <a:ea typeface="Segoe UI Black" panose="020B0A02040204020203" pitchFamily="34" charset="0"/>
-                  <a:cs typeface="Segoe UI" panose="020B0502040204020203" pitchFamily="34" charset="0"/>
-                </a:rPr>
-                <a:t>)</a:t>
-              </a:r>
-              <a:endParaRPr lang="vi-VN" sz="1200" dirty="0" smtClean="0">
-                <a:ln w="0"/>
-                <a:solidFill>
-                  <a:schemeClr val="accent1">
-                    <a:lumMod val="50000"/>
-                  </a:schemeClr>
-                </a:solidFill>
-                <a:effectLst>
-                  <a:outerShdw blurRad="38100" dist="19050" dir="2700000" algn="tl" rotWithShape="0">
-                    <a:schemeClr val="dk1">
-                      <a:alpha val="40000"/>
-                    </a:schemeClr>
-                  </a:outerShdw>
-                </a:effectLst>
-                <a:latin typeface="Segoe UI" panose="020B0502040204020203" pitchFamily="34" charset="0"/>
-                <a:ea typeface="Segoe UI Black" panose="020B0A02040204020203" pitchFamily="34" charset="0"/>
-                <a:cs typeface="Segoe UI" panose="020B0502040204020203" pitchFamily="34" charset="0"/>
-              </a:endParaRPr>
-            </a:p>
-            <a:p>
-              <a:pPr marL="285750" indent="-285750">
-                <a:lnSpc>
-                  <a:spcPct val="150000"/>
-                </a:lnSpc>
-                <a:buFont typeface="Arial" panose="020B0604020202020204" pitchFamily="34" charset="0"/>
-                <a:buChar char="•"/>
-              </a:pPr>
-              <a:endParaRPr lang="en-US" sz="1200" dirty="0" smtClean="0">
-                <a:ln w="0"/>
-                <a:solidFill>
-                  <a:schemeClr val="accent1">
-                    <a:lumMod val="50000"/>
-                  </a:schemeClr>
-                </a:solidFill>
-                <a:effectLst>
-                  <a:outerShdw blurRad="38100" dist="19050" dir="2700000" algn="tl" rotWithShape="0">
-                    <a:schemeClr val="dk1">
-                      <a:alpha val="40000"/>
-                    </a:schemeClr>
-                  </a:outerShdw>
-                </a:effectLst>
-                <a:latin typeface="Segoe UI" panose="020B0502040204020203" pitchFamily="34" charset="0"/>
-                <a:ea typeface="Segoe UI Black" panose="020B0A02040204020203" pitchFamily="34" charset="0"/>
-                <a:cs typeface="Segoe UI" panose="020B0502040204020203" pitchFamily="34" charset="0"/>
-              </a:endParaRPr>
-            </a:p>
-          </p:txBody>
-        </p:sp>
-        <p:sp>
-          <p:nvSpPr>
-            <p:cNvPr id="21" name="Rectangle 8"/>
-            <p:cNvSpPr/>
-            <p:nvPr/>
-          </p:nvSpPr>
-          <p:spPr>
-            <a:xfrm>
-              <a:off x="7075476" y="1958950"/>
-              <a:ext cx="2407454" cy="1477328"/>
-            </a:xfrm>
-            <a:prstGeom prst="rect">
-              <a:avLst/>
-            </a:prstGeom>
-            <a:noFill/>
-          </p:spPr>
-          <p:txBody>
-            <a:bodyPr wrap="none" lIns="91440" tIns="45720" rIns="91440" bIns="45720">
-              <a:spAutoFit/>
-            </a:bodyPr>
-            <a:lstStyle/>
-            <a:p>
-              <a:pPr marL="285750" indent="-285750">
-                <a:lnSpc>
-                  <a:spcPct val="150000"/>
-                </a:lnSpc>
-                <a:buFont typeface="Arial" panose="020B0604020202020204" pitchFamily="34" charset="0"/>
-                <a:buChar char="•"/>
-              </a:pPr>
-              <a:r>
-                <a:rPr lang="en-US" sz="1200" dirty="0" err="1" smtClean="0">
-                  <a:ln w="0"/>
-                  <a:solidFill>
-                    <a:schemeClr val="accent1">
-                      <a:lumMod val="50000"/>
-                    </a:schemeClr>
-                  </a:solidFill>
-                  <a:effectLst>
-                    <a:outerShdw blurRad="38100" dist="19050" dir="2700000" algn="tl" rotWithShape="0">
-                      <a:schemeClr val="dk1">
-                        <a:alpha val="40000"/>
-                      </a:schemeClr>
-                    </a:outerShdw>
-                  </a:effectLst>
-                  <a:latin typeface="Segoe UI" panose="020B0502040204020203" pitchFamily="34" charset="0"/>
-                  <a:ea typeface="Segoe UI Black" panose="020B0A02040204020203" pitchFamily="34" charset="0"/>
-                  <a:cs typeface="Segoe UI" panose="020B0502040204020203" pitchFamily="34" charset="0"/>
-                </a:rPr>
-                <a:t>inr</a:t>
-              </a:r>
-              <a:r>
-                <a:rPr lang="vi-VN" sz="1200" dirty="0" smtClean="0">
-                  <a:ln w="0"/>
-                  <a:solidFill>
-                    <a:schemeClr val="accent1">
-                      <a:lumMod val="50000"/>
-                    </a:schemeClr>
-                  </a:solidFill>
-                  <a:effectLst>
-                    <a:outerShdw blurRad="38100" dist="19050" dir="2700000" algn="tl" rotWithShape="0">
-                      <a:schemeClr val="dk1">
-                        <a:alpha val="40000"/>
-                      </a:schemeClr>
-                    </a:outerShdw>
-                  </a:effectLst>
-                  <a:latin typeface="Segoe UI" panose="020B0502040204020203" pitchFamily="34" charset="0"/>
-                  <a:ea typeface="Segoe UI Black" panose="020B0A02040204020203" pitchFamily="34" charset="0"/>
-                  <a:cs typeface="Segoe UI" panose="020B0502040204020203" pitchFamily="34" charset="0"/>
-                </a:rPr>
-                <a:t> </a:t>
-              </a:r>
-              <a:r>
-                <a:rPr lang="vi-VN" sz="1200" dirty="0" smtClean="0">
-                  <a:ln w="0"/>
-                  <a:solidFill>
-                    <a:schemeClr val="accent1">
-                      <a:lumMod val="50000"/>
-                    </a:schemeClr>
-                  </a:solidFill>
-                  <a:effectLst>
-                    <a:outerShdw blurRad="38100" dist="19050" dir="2700000" algn="tl" rotWithShape="0">
-                      <a:schemeClr val="dk1">
-                        <a:alpha val="40000"/>
-                      </a:schemeClr>
-                    </a:outerShdw>
-                  </a:effectLst>
-                  <a:latin typeface="Segoe UI" panose="020B0502040204020203" pitchFamily="34" charset="0"/>
-                  <a:ea typeface="Segoe UI Black" panose="020B0A02040204020203" pitchFamily="34" charset="0"/>
-                  <a:cs typeface="Segoe UI" panose="020B0502040204020203" pitchFamily="34" charset="0"/>
-                </a:rPr>
-                <a:t>currentPos</a:t>
-              </a:r>
-            </a:p>
-            <a:p>
-              <a:pPr marL="285750" indent="-285750">
-                <a:lnSpc>
-                  <a:spcPct val="150000"/>
-                </a:lnSpc>
-                <a:buFont typeface="Arial" panose="020B0604020202020204" pitchFamily="34" charset="0"/>
-                <a:buChar char="•"/>
-              </a:pPr>
-              <a:r>
-                <a:rPr lang="vi-VN" sz="1200" dirty="0" err="1" smtClean="0">
-                  <a:ln w="0"/>
-                  <a:solidFill>
-                    <a:schemeClr val="accent1">
-                      <a:lumMod val="50000"/>
-                    </a:schemeClr>
-                  </a:solidFill>
-                  <a:effectLst>
-                    <a:outerShdw blurRad="38100" dist="19050" dir="2700000" algn="tl" rotWithShape="0">
-                      <a:schemeClr val="dk1">
-                        <a:alpha val="40000"/>
-                      </a:schemeClr>
-                    </a:outerShdw>
-                  </a:effectLst>
-                  <a:latin typeface="Segoe UI" panose="020B0502040204020203" pitchFamily="34" charset="0"/>
-                  <a:ea typeface="Segoe UI Black" panose="020B0A02040204020203" pitchFamily="34" charset="0"/>
-                  <a:cs typeface="Segoe UI" panose="020B0502040204020203" pitchFamily="34" charset="0"/>
-                </a:rPr>
-                <a:t>Vector</a:t>
-              </a:r>
-              <a:r>
-                <a:rPr lang="vi-VN" sz="1200" dirty="0" smtClean="0">
-                  <a:ln w="0"/>
-                  <a:solidFill>
-                    <a:schemeClr val="accent1">
-                      <a:lumMod val="50000"/>
-                    </a:schemeClr>
-                  </a:solidFill>
-                  <a:effectLst>
-                    <a:outerShdw blurRad="38100" dist="19050" dir="2700000" algn="tl" rotWithShape="0">
-                      <a:schemeClr val="dk1">
-                        <a:alpha val="40000"/>
-                      </a:schemeClr>
-                    </a:outerShdw>
-                  </a:effectLst>
-                  <a:latin typeface="Segoe UI" panose="020B0502040204020203" pitchFamily="34" charset="0"/>
-                  <a:ea typeface="Segoe UI Black" panose="020B0A02040204020203" pitchFamily="34" charset="0"/>
-                  <a:cs typeface="Segoe UI" panose="020B0502040204020203" pitchFamily="34" charset="0"/>
-                </a:rPr>
-                <a:t>&lt;</a:t>
-              </a:r>
-              <a:r>
-                <a:rPr lang="vi-VN" sz="1200" dirty="0" err="1" smtClean="0">
-                  <a:ln w="0"/>
-                  <a:solidFill>
-                    <a:schemeClr val="accent1">
-                      <a:lumMod val="50000"/>
-                    </a:schemeClr>
-                  </a:solidFill>
-                  <a:effectLst>
-                    <a:outerShdw blurRad="38100" dist="19050" dir="2700000" algn="tl" rotWithShape="0">
-                      <a:schemeClr val="dk1">
-                        <a:alpha val="40000"/>
-                      </a:schemeClr>
-                    </a:outerShdw>
-                  </a:effectLst>
-                  <a:latin typeface="Segoe UI" panose="020B0502040204020203" pitchFamily="34" charset="0"/>
-                  <a:ea typeface="Segoe UI Black" panose="020B0A02040204020203" pitchFamily="34" charset="0"/>
-                  <a:cs typeface="Segoe UI" panose="020B0502040204020203" pitchFamily="34" charset="0"/>
-                </a:rPr>
-                <a:t>Node</a:t>
-              </a:r>
-              <a:r>
-                <a:rPr lang="vi-VN" sz="1200" dirty="0" smtClean="0">
-                  <a:ln w="0"/>
-                  <a:solidFill>
-                    <a:schemeClr val="accent1">
-                      <a:lumMod val="50000"/>
-                    </a:schemeClr>
-                  </a:solidFill>
-                  <a:effectLst>
-                    <a:outerShdw blurRad="38100" dist="19050" dir="2700000" algn="tl" rotWithShape="0">
-                      <a:schemeClr val="dk1">
-                        <a:alpha val="40000"/>
-                      </a:schemeClr>
-                    </a:outerShdw>
-                  </a:effectLst>
-                  <a:latin typeface="Segoe UI" panose="020B0502040204020203" pitchFamily="34" charset="0"/>
-                  <a:ea typeface="Segoe UI Black" panose="020B0A02040204020203" pitchFamily="34" charset="0"/>
-                  <a:cs typeface="Segoe UI" panose="020B0502040204020203" pitchFamily="34" charset="0"/>
-                </a:rPr>
-                <a:t>&gt; </a:t>
-              </a:r>
-              <a:r>
-                <a:rPr lang="vi-VN" sz="1200" dirty="0" err="1" smtClean="0">
-                  <a:ln w="0"/>
-                  <a:solidFill>
-                    <a:schemeClr val="accent1">
-                      <a:lumMod val="50000"/>
-                    </a:schemeClr>
-                  </a:solidFill>
-                  <a:effectLst>
-                    <a:outerShdw blurRad="38100" dist="19050" dir="2700000" algn="tl" rotWithShape="0">
-                      <a:schemeClr val="dk1">
-                        <a:alpha val="40000"/>
-                      </a:schemeClr>
-                    </a:outerShdw>
-                  </a:effectLst>
-                  <a:latin typeface="Segoe UI" panose="020B0502040204020203" pitchFamily="34" charset="0"/>
-                  <a:ea typeface="Segoe UI Black" panose="020B0A02040204020203" pitchFamily="34" charset="0"/>
-                  <a:cs typeface="Segoe UI" panose="020B0502040204020203" pitchFamily="34" charset="0"/>
-                </a:rPr>
-                <a:t>listPos</a:t>
-              </a:r>
-              <a:endParaRPr lang="vi-VN" sz="1200" dirty="0" smtClean="0">
-                <a:ln w="0"/>
-                <a:solidFill>
-                  <a:schemeClr val="accent1">
-                    <a:lumMod val="50000"/>
-                  </a:schemeClr>
-                </a:solidFill>
-                <a:effectLst>
-                  <a:outerShdw blurRad="38100" dist="19050" dir="2700000" algn="tl" rotWithShape="0">
-                    <a:schemeClr val="dk1">
-                      <a:alpha val="40000"/>
-                    </a:schemeClr>
-                  </a:outerShdw>
-                </a:effectLst>
-                <a:latin typeface="Segoe UI" panose="020B0502040204020203" pitchFamily="34" charset="0"/>
-                <a:ea typeface="Segoe UI Black" panose="020B0A02040204020203" pitchFamily="34" charset="0"/>
-                <a:cs typeface="Segoe UI" panose="020B0502040204020203" pitchFamily="34" charset="0"/>
-              </a:endParaRPr>
-            </a:p>
-            <a:p>
-              <a:pPr marL="285750" indent="-285750">
-                <a:lnSpc>
-                  <a:spcPct val="150000"/>
-                </a:lnSpc>
-                <a:buFont typeface="Arial" panose="020B0604020202020204" pitchFamily="34" charset="0"/>
-                <a:buChar char="•"/>
-              </a:pPr>
-              <a:r>
-                <a:rPr lang="en-US" sz="1200" dirty="0" smtClean="0">
-                  <a:ln w="0"/>
-                  <a:solidFill>
-                    <a:schemeClr val="accent1">
-                      <a:lumMod val="50000"/>
-                    </a:schemeClr>
-                  </a:solidFill>
-                  <a:effectLst>
-                    <a:outerShdw blurRad="38100" dist="19050" dir="2700000" algn="tl" rotWithShape="0">
-                      <a:schemeClr val="dk1">
-                        <a:alpha val="40000"/>
-                      </a:schemeClr>
-                    </a:outerShdw>
-                  </a:effectLst>
-                  <a:latin typeface="Segoe UI" panose="020B0502040204020203" pitchFamily="34" charset="0"/>
-                  <a:ea typeface="Segoe UI Black" panose="020B0A02040204020203" pitchFamily="34" charset="0"/>
-                  <a:cs typeface="Segoe UI" panose="020B0502040204020203" pitchFamily="34" charset="0"/>
-                </a:rPr>
-                <a:t>Vector&lt;Product&gt;</a:t>
-              </a:r>
-              <a:r>
-                <a:rPr lang="vi-VN" sz="1200" dirty="0" smtClean="0">
-                  <a:ln w="0"/>
-                  <a:solidFill>
-                    <a:schemeClr val="accent1">
-                      <a:lumMod val="50000"/>
-                    </a:schemeClr>
-                  </a:solidFill>
-                  <a:effectLst>
-                    <a:outerShdw blurRad="38100" dist="19050" dir="2700000" algn="tl" rotWithShape="0">
-                      <a:schemeClr val="dk1">
-                        <a:alpha val="40000"/>
-                      </a:schemeClr>
-                    </a:outerShdw>
-                  </a:effectLst>
-                  <a:latin typeface="Segoe UI" panose="020B0502040204020203" pitchFamily="34" charset="0"/>
-                  <a:ea typeface="Segoe UI Black" panose="020B0A02040204020203" pitchFamily="34" charset="0"/>
-                  <a:cs typeface="Segoe UI" panose="020B0502040204020203" pitchFamily="34" charset="0"/>
-                </a:rPr>
-                <a:t> </a:t>
-              </a:r>
-              <a:r>
-                <a:rPr lang="en-US" sz="1200" dirty="0" err="1" smtClean="0">
-                  <a:ln w="0"/>
-                  <a:solidFill>
-                    <a:schemeClr val="accent1">
-                      <a:lumMod val="50000"/>
-                    </a:schemeClr>
-                  </a:solidFill>
-                  <a:effectLst>
-                    <a:outerShdw blurRad="38100" dist="19050" dir="2700000" algn="tl" rotWithShape="0">
-                      <a:schemeClr val="dk1">
-                        <a:alpha val="40000"/>
-                      </a:schemeClr>
-                    </a:outerShdw>
-                  </a:effectLst>
-                  <a:latin typeface="Segoe UI" panose="020B0502040204020203" pitchFamily="34" charset="0"/>
-                  <a:ea typeface="Segoe UI Black" panose="020B0A02040204020203" pitchFamily="34" charset="0"/>
-                  <a:cs typeface="Segoe UI" panose="020B0502040204020203" pitchFamily="34" charset="0"/>
-                </a:rPr>
-                <a:t>listProduct</a:t>
-              </a:r>
-              <a:endParaRPr lang="vi-VN" sz="1200" dirty="0" smtClean="0">
-                <a:ln w="0"/>
-                <a:solidFill>
-                  <a:schemeClr val="accent1">
-                    <a:lumMod val="50000"/>
-                  </a:schemeClr>
-                </a:solidFill>
-                <a:effectLst>
-                  <a:outerShdw blurRad="38100" dist="19050" dir="2700000" algn="tl" rotWithShape="0">
-                    <a:schemeClr val="dk1">
-                      <a:alpha val="40000"/>
-                    </a:schemeClr>
-                  </a:outerShdw>
-                </a:effectLst>
-                <a:latin typeface="Segoe UI" panose="020B0502040204020203" pitchFamily="34" charset="0"/>
-                <a:ea typeface="Segoe UI Black" panose="020B0A02040204020203" pitchFamily="34" charset="0"/>
-                <a:cs typeface="Segoe UI" panose="020B0502040204020203" pitchFamily="34" charset="0"/>
-              </a:endParaRPr>
-            </a:p>
-            <a:p>
-              <a:pPr marL="285750" indent="-285750">
-                <a:lnSpc>
-                  <a:spcPct val="150000"/>
-                </a:lnSpc>
-                <a:buFont typeface="Arial" panose="020B0604020202020204" pitchFamily="34" charset="0"/>
-                <a:buChar char="•"/>
-              </a:pPr>
-              <a:r>
-                <a:rPr lang="vi-VN" sz="1200" dirty="0" smtClean="0">
-                  <a:ln w="0"/>
-                  <a:solidFill>
-                    <a:schemeClr val="accent1">
-                      <a:lumMod val="50000"/>
-                    </a:schemeClr>
-                  </a:solidFill>
-                  <a:effectLst>
-                    <a:outerShdw blurRad="38100" dist="19050" dir="2700000" algn="tl" rotWithShape="0">
-                      <a:schemeClr val="dk1">
-                        <a:alpha val="40000"/>
-                      </a:schemeClr>
-                    </a:outerShdw>
-                  </a:effectLst>
-                  <a:latin typeface="Segoe UI" panose="020B0502040204020203" pitchFamily="34" charset="0"/>
-                  <a:ea typeface="Segoe UI Black" panose="020B0A02040204020203" pitchFamily="34" charset="0"/>
-                  <a:cs typeface="Segoe UI" panose="020B0502040204020203" pitchFamily="34" charset="0"/>
-                </a:rPr>
-                <a:t>Time </a:t>
-              </a:r>
-              <a:r>
-                <a:rPr lang="vi-VN" sz="1200" dirty="0" err="1" smtClean="0">
-                  <a:ln w="0"/>
-                  <a:solidFill>
-                    <a:schemeClr val="accent1">
-                      <a:lumMod val="50000"/>
-                    </a:schemeClr>
-                  </a:solidFill>
-                  <a:effectLst>
-                    <a:outerShdw blurRad="38100" dist="19050" dir="2700000" algn="tl" rotWithShape="0">
-                      <a:schemeClr val="dk1">
-                        <a:alpha val="40000"/>
-                      </a:schemeClr>
-                    </a:outerShdw>
-                  </a:effectLst>
-                  <a:latin typeface="Segoe UI" panose="020B0502040204020203" pitchFamily="34" charset="0"/>
-                  <a:ea typeface="Segoe UI Black" panose="020B0A02040204020203" pitchFamily="34" charset="0"/>
-                  <a:cs typeface="Segoe UI" panose="020B0502040204020203" pitchFamily="34" charset="0"/>
-                </a:rPr>
-                <a:t>startTime</a:t>
-              </a:r>
-              <a:endParaRPr lang="vi-VN" sz="1200" dirty="0" smtClean="0">
-                <a:ln w="0"/>
-                <a:solidFill>
-                  <a:schemeClr val="accent1">
-                    <a:lumMod val="50000"/>
-                  </a:schemeClr>
-                </a:solidFill>
-                <a:effectLst>
-                  <a:outerShdw blurRad="38100" dist="19050" dir="2700000" algn="tl" rotWithShape="0">
-                    <a:schemeClr val="dk1">
-                      <a:alpha val="40000"/>
-                    </a:schemeClr>
-                  </a:outerShdw>
-                </a:effectLst>
-                <a:latin typeface="Segoe UI" panose="020B0502040204020203" pitchFamily="34" charset="0"/>
-                <a:ea typeface="Segoe UI Black" panose="020B0A02040204020203" pitchFamily="34" charset="0"/>
-                <a:cs typeface="Segoe UI" panose="020B0502040204020203" pitchFamily="34" charset="0"/>
-              </a:endParaRPr>
-            </a:p>
-            <a:p>
-              <a:pPr marL="285750" indent="-285750">
-                <a:lnSpc>
-                  <a:spcPct val="150000"/>
-                </a:lnSpc>
-                <a:buFont typeface="Arial" panose="020B0604020202020204" pitchFamily="34" charset="0"/>
-                <a:buChar char="•"/>
-              </a:pPr>
-              <a:r>
-                <a:rPr lang="vi-VN" sz="1200" dirty="0" smtClean="0">
-                  <a:ln w="0"/>
-                  <a:solidFill>
-                    <a:schemeClr val="accent1">
-                      <a:lumMod val="50000"/>
-                    </a:schemeClr>
-                  </a:solidFill>
-                  <a:effectLst>
-                    <a:outerShdw blurRad="38100" dist="19050" dir="2700000" algn="tl" rotWithShape="0">
-                      <a:schemeClr val="dk1">
-                        <a:alpha val="40000"/>
-                      </a:schemeClr>
-                    </a:outerShdw>
-                  </a:effectLst>
-                  <a:latin typeface="Segoe UI" panose="020B0502040204020203" pitchFamily="34" charset="0"/>
-                  <a:ea typeface="Segoe UI Black" panose="020B0A02040204020203" pitchFamily="34" charset="0"/>
-                  <a:cs typeface="Segoe UI" panose="020B0502040204020203" pitchFamily="34" charset="0"/>
-                </a:rPr>
-                <a:t>Time </a:t>
-              </a:r>
-              <a:r>
-                <a:rPr lang="vi-VN" sz="1200" dirty="0" err="1" smtClean="0">
-                  <a:ln w="0"/>
-                  <a:solidFill>
-                    <a:schemeClr val="accent1">
-                      <a:lumMod val="50000"/>
-                    </a:schemeClr>
-                  </a:solidFill>
-                  <a:effectLst>
-                    <a:outerShdw blurRad="38100" dist="19050" dir="2700000" algn="tl" rotWithShape="0">
-                      <a:schemeClr val="dk1">
-                        <a:alpha val="40000"/>
-                      </a:schemeClr>
-                    </a:outerShdw>
-                  </a:effectLst>
-                  <a:latin typeface="Segoe UI" panose="020B0502040204020203" pitchFamily="34" charset="0"/>
-                  <a:ea typeface="Segoe UI Black" panose="020B0A02040204020203" pitchFamily="34" charset="0"/>
-                  <a:cs typeface="Segoe UI" panose="020B0502040204020203" pitchFamily="34" charset="0"/>
-                </a:rPr>
-                <a:t>endTime</a:t>
-              </a:r>
-              <a:endParaRPr lang="vi-VN" sz="1200" dirty="0" smtClean="0">
-                <a:ln w="0"/>
-                <a:solidFill>
-                  <a:schemeClr val="accent1">
-                    <a:lumMod val="50000"/>
-                  </a:schemeClr>
-                </a:solidFill>
-                <a:effectLst>
-                  <a:outerShdw blurRad="38100" dist="19050" dir="2700000" algn="tl" rotWithShape="0">
-                    <a:schemeClr val="dk1">
-                      <a:alpha val="40000"/>
-                    </a:schemeClr>
-                  </a:outerShdw>
-                </a:effectLst>
-                <a:latin typeface="Segoe UI" panose="020B0502040204020203" pitchFamily="34" charset="0"/>
-                <a:ea typeface="Segoe UI Black" panose="020B0A02040204020203" pitchFamily="34" charset="0"/>
-                <a:cs typeface="Segoe UI" panose="020B0502040204020203" pitchFamily="34" charset="0"/>
-              </a:endParaRPr>
-            </a:p>
-          </p:txBody>
-        </p:sp>
-        <p:sp>
-          <p:nvSpPr>
-            <p:cNvPr id="22" name="Rectangle 19"/>
-            <p:cNvSpPr/>
-            <p:nvPr/>
-          </p:nvSpPr>
-          <p:spPr>
-            <a:xfrm>
-              <a:off x="7007243" y="1936464"/>
-              <a:ext cx="2842151" cy="1557107"/>
-            </a:xfrm>
-            <a:prstGeom prst="rect">
-              <a:avLst/>
-            </a:prstGeom>
-            <a:noFill/>
-          </p:spPr>
-          <p:style>
-            <a:lnRef idx="2">
-              <a:schemeClr val="accent1">
-                <a:shade val="50000"/>
-              </a:schemeClr>
-            </a:lnRef>
-            <a:fillRef idx="1">
-              <a:schemeClr val="accent1"/>
-            </a:fillRef>
-            <a:effectRef idx="0">
-              <a:schemeClr val="accent1"/>
-            </a:effectRef>
-            <a:fontRef idx="minor">
-              <a:schemeClr val="lt1"/>
-            </a:fontRef>
-          </p:style>
-          <p:txBody>
-            <a:bodyPr rtlCol="0" anchor="ctr"/>
-            <a:lstStyle/>
-            <a:p>
-              <a:pPr algn="ctr"/>
-              <a:endParaRPr lang="en-US" sz="1600" dirty="0"/>
-            </a:p>
-          </p:txBody>
-        </p:sp>
-      </p:grpSp>
-      <p:grpSp>
-        <p:nvGrpSpPr>
-          <p:cNvPr id="33" name="Nhóm 32"/>
-          <p:cNvGrpSpPr/>
-          <p:nvPr/>
-        </p:nvGrpSpPr>
-        <p:grpSpPr>
-          <a:xfrm>
-            <a:off x="9164407" y="508601"/>
-            <a:ext cx="2435591" cy="3505809"/>
-            <a:chOff x="8537209" y="544186"/>
-            <a:chExt cx="2435591" cy="3275193"/>
-          </a:xfrm>
-        </p:grpSpPr>
-        <p:sp>
-          <p:nvSpPr>
-            <p:cNvPr id="27" name="Rectangle 15"/>
-            <p:cNvSpPr/>
-            <p:nvPr/>
-          </p:nvSpPr>
-          <p:spPr>
-            <a:xfrm>
-              <a:off x="8537209" y="544186"/>
-              <a:ext cx="2435591" cy="400110"/>
-            </a:xfrm>
-            <a:prstGeom prst="rect">
-              <a:avLst/>
-            </a:prstGeom>
-            <a:solidFill>
-              <a:schemeClr val="accent1">
-                <a:lumMod val="75000"/>
-              </a:schemeClr>
-            </a:solidFill>
-          </p:spPr>
-          <p:style>
-            <a:lnRef idx="2">
-              <a:schemeClr val="accent1">
-                <a:shade val="50000"/>
-              </a:schemeClr>
-            </a:lnRef>
-            <a:fillRef idx="1">
-              <a:schemeClr val="accent1"/>
-            </a:fillRef>
-            <a:effectRef idx="0">
-              <a:schemeClr val="accent1"/>
-            </a:effectRef>
-            <a:fontRef idx="minor">
-              <a:schemeClr val="lt1"/>
-            </a:fontRef>
-          </p:style>
-          <p:txBody>
-            <a:bodyPr rtlCol="0" anchor="ctr"/>
-            <a:lstStyle/>
-            <a:p>
-              <a:pPr algn="ctr"/>
-              <a:endParaRPr lang="en-US"/>
-            </a:p>
-          </p:txBody>
-        </p:sp>
-        <p:sp>
-          <p:nvSpPr>
-            <p:cNvPr id="28" name="Rectangle 16"/>
-            <p:cNvSpPr/>
-            <p:nvPr/>
-          </p:nvSpPr>
-          <p:spPr>
-            <a:xfrm>
-              <a:off x="8537209" y="935350"/>
-              <a:ext cx="2435591" cy="1021752"/>
-            </a:xfrm>
-            <a:prstGeom prst="rect">
-              <a:avLst/>
-            </a:prstGeom>
-            <a:noFill/>
-          </p:spPr>
-          <p:style>
-            <a:lnRef idx="2">
-              <a:schemeClr val="accent1">
-                <a:shade val="50000"/>
-              </a:schemeClr>
-            </a:lnRef>
-            <a:fillRef idx="1">
-              <a:schemeClr val="accent1"/>
-            </a:fillRef>
-            <a:effectRef idx="0">
-              <a:schemeClr val="accent1"/>
-            </a:effectRef>
-            <a:fontRef idx="minor">
-              <a:schemeClr val="lt1"/>
-            </a:fontRef>
-          </p:style>
-          <p:txBody>
-            <a:bodyPr rtlCol="0" anchor="ctr"/>
-            <a:lstStyle/>
-            <a:p>
-              <a:pPr algn="ctr"/>
-              <a:endParaRPr lang="en-US"/>
-            </a:p>
-          </p:txBody>
-        </p:sp>
-        <p:sp>
-          <p:nvSpPr>
-            <p:cNvPr id="29" name="Rectangle 17"/>
-            <p:cNvSpPr/>
-            <p:nvPr/>
-          </p:nvSpPr>
-          <p:spPr>
-            <a:xfrm>
-              <a:off x="8537209" y="1957102"/>
-              <a:ext cx="2435591" cy="1778875"/>
-            </a:xfrm>
-            <a:prstGeom prst="rect">
-              <a:avLst/>
-            </a:prstGeom>
-            <a:noFill/>
-          </p:spPr>
-          <p:style>
-            <a:lnRef idx="2">
-              <a:schemeClr val="accent1">
-                <a:shade val="50000"/>
-              </a:schemeClr>
-            </a:lnRef>
-            <a:fillRef idx="1">
-              <a:schemeClr val="accent1"/>
-            </a:fillRef>
-            <a:effectRef idx="0">
-              <a:schemeClr val="accent1"/>
-            </a:effectRef>
-            <a:fontRef idx="minor">
-              <a:schemeClr val="lt1"/>
-            </a:fontRef>
-          </p:style>
-          <p:txBody>
-            <a:bodyPr rtlCol="0" anchor="ctr"/>
-            <a:lstStyle/>
-            <a:p>
-              <a:pPr algn="ctr"/>
-              <a:endParaRPr lang="en-US"/>
-            </a:p>
-          </p:txBody>
-        </p:sp>
-        <p:sp>
-          <p:nvSpPr>
-            <p:cNvPr id="30" name="Rectangle 9"/>
-            <p:cNvSpPr/>
-            <p:nvPr/>
-          </p:nvSpPr>
-          <p:spPr>
-            <a:xfrm>
-              <a:off x="8630514" y="974280"/>
-              <a:ext cx="2237664" cy="888898"/>
-            </a:xfrm>
-            <a:prstGeom prst="rect">
-              <a:avLst/>
-            </a:prstGeom>
-            <a:noFill/>
-          </p:spPr>
-          <p:txBody>
-            <a:bodyPr wrap="none" lIns="91440" tIns="45720" rIns="91440" bIns="45720">
-              <a:spAutoFit/>
-            </a:bodyPr>
-            <a:lstStyle/>
-            <a:p>
-              <a:pPr marL="285750" indent="-285750">
-                <a:lnSpc>
-                  <a:spcPct val="150000"/>
-                </a:lnSpc>
-                <a:buFont typeface="Arial" panose="020B0604020202020204" pitchFamily="34" charset="0"/>
-                <a:buChar char="•"/>
-              </a:pPr>
-              <a:r>
-                <a:rPr lang="en-US" sz="1200" dirty="0" err="1" smtClean="0">
-                  <a:ln w="0"/>
-                  <a:solidFill>
-                    <a:schemeClr val="accent1">
-                      <a:lumMod val="50000"/>
-                    </a:schemeClr>
-                  </a:solidFill>
-                  <a:effectLst>
-                    <a:outerShdw blurRad="38100" dist="19050" dir="2700000" algn="tl" rotWithShape="0">
-                      <a:schemeClr val="dk1">
-                        <a:alpha val="40000"/>
-                      </a:schemeClr>
-                    </a:outerShdw>
-                  </a:effectLst>
-                  <a:latin typeface="Segoe UI" panose="020B0502040204020203" pitchFamily="34" charset="0"/>
-                  <a:ea typeface="Segoe UI Black" panose="020B0A02040204020203" pitchFamily="34" charset="0"/>
-                  <a:cs typeface="Segoe UI" panose="020B0502040204020203" pitchFamily="34" charset="0"/>
-                </a:rPr>
-                <a:t>Int</a:t>
-              </a:r>
-              <a:r>
-                <a:rPr lang="en-US" sz="1200" dirty="0" smtClean="0">
-                  <a:ln w="0"/>
-                  <a:solidFill>
-                    <a:schemeClr val="accent1">
-                      <a:lumMod val="50000"/>
-                    </a:schemeClr>
-                  </a:solidFill>
-                  <a:effectLst>
-                    <a:outerShdw blurRad="38100" dist="19050" dir="2700000" algn="tl" rotWithShape="0">
-                      <a:schemeClr val="dk1">
-                        <a:alpha val="40000"/>
-                      </a:schemeClr>
-                    </a:outerShdw>
-                  </a:effectLst>
-                  <a:latin typeface="Segoe UI" panose="020B0502040204020203" pitchFamily="34" charset="0"/>
-                  <a:ea typeface="Segoe UI Black" panose="020B0A02040204020203" pitchFamily="34" charset="0"/>
-                  <a:cs typeface="Segoe UI" panose="020B0502040204020203" pitchFamily="34" charset="0"/>
-                </a:rPr>
-                <a:t> </a:t>
-              </a:r>
-              <a:r>
-                <a:rPr lang="en-US" sz="1200" dirty="0" err="1" smtClean="0">
-                  <a:ln w="0"/>
-                  <a:solidFill>
-                    <a:schemeClr val="accent1">
-                      <a:lumMod val="50000"/>
-                    </a:schemeClr>
-                  </a:solidFill>
-                  <a:effectLst>
-                    <a:outerShdw blurRad="38100" dist="19050" dir="2700000" algn="tl" rotWithShape="0">
-                      <a:schemeClr val="dk1">
-                        <a:alpha val="40000"/>
-                      </a:schemeClr>
-                    </a:outerShdw>
-                  </a:effectLst>
-                  <a:latin typeface="Segoe UI" panose="020B0502040204020203" pitchFamily="34" charset="0"/>
-                  <a:ea typeface="Segoe UI Black" panose="020B0A02040204020203" pitchFamily="34" charset="0"/>
-                  <a:cs typeface="Segoe UI" panose="020B0502040204020203" pitchFamily="34" charset="0"/>
-                </a:rPr>
-                <a:t>numofVertex</a:t>
-              </a:r>
-              <a:endParaRPr lang="en-US" sz="1200" dirty="0" smtClean="0">
-                <a:ln w="0"/>
-                <a:solidFill>
-                  <a:schemeClr val="accent1">
-                    <a:lumMod val="50000"/>
-                  </a:schemeClr>
-                </a:solidFill>
-                <a:effectLst>
-                  <a:outerShdw blurRad="38100" dist="19050" dir="2700000" algn="tl" rotWithShape="0">
-                    <a:schemeClr val="dk1">
-                      <a:alpha val="40000"/>
-                    </a:schemeClr>
-                  </a:outerShdw>
-                </a:effectLst>
-                <a:latin typeface="Segoe UI" panose="020B0502040204020203" pitchFamily="34" charset="0"/>
-                <a:ea typeface="Segoe UI Black" panose="020B0A02040204020203" pitchFamily="34" charset="0"/>
-                <a:cs typeface="Segoe UI" panose="020B0502040204020203" pitchFamily="34" charset="0"/>
-              </a:endParaRPr>
-            </a:p>
-            <a:p>
-              <a:pPr marL="285750" indent="-285750">
-                <a:lnSpc>
-                  <a:spcPct val="150000"/>
-                </a:lnSpc>
-                <a:buFont typeface="Arial" panose="020B0604020202020204" pitchFamily="34" charset="0"/>
-                <a:buChar char="•"/>
-              </a:pPr>
-              <a:r>
-                <a:rPr lang="en-US" sz="1200" dirty="0" err="1" smtClean="0">
-                  <a:ln w="0"/>
-                  <a:solidFill>
-                    <a:schemeClr val="accent1">
-                      <a:lumMod val="50000"/>
-                    </a:schemeClr>
-                  </a:solidFill>
-                  <a:effectLst>
-                    <a:outerShdw blurRad="38100" dist="19050" dir="2700000" algn="tl" rotWithShape="0">
-                      <a:schemeClr val="dk1">
-                        <a:alpha val="40000"/>
-                      </a:schemeClr>
-                    </a:outerShdw>
-                  </a:effectLst>
-                  <a:latin typeface="Segoe UI" panose="020B0502040204020203" pitchFamily="34" charset="0"/>
-                  <a:ea typeface="Segoe UI Black" panose="020B0A02040204020203" pitchFamily="34" charset="0"/>
-                  <a:cs typeface="Segoe UI" panose="020B0502040204020203" pitchFamily="34" charset="0"/>
-                </a:rPr>
-                <a:t>Int</a:t>
-              </a:r>
-              <a:r>
-                <a:rPr lang="en-US" sz="1200" dirty="0" smtClean="0">
-                  <a:ln w="0"/>
-                  <a:solidFill>
-                    <a:schemeClr val="accent1">
-                      <a:lumMod val="50000"/>
-                    </a:schemeClr>
-                  </a:solidFill>
-                  <a:effectLst>
-                    <a:outerShdw blurRad="38100" dist="19050" dir="2700000" algn="tl" rotWithShape="0">
-                      <a:schemeClr val="dk1">
-                        <a:alpha val="40000"/>
-                      </a:schemeClr>
-                    </a:outerShdw>
-                  </a:effectLst>
-                  <a:latin typeface="Segoe UI" panose="020B0502040204020203" pitchFamily="34" charset="0"/>
-                  <a:ea typeface="Segoe UI Black" panose="020B0A02040204020203" pitchFamily="34" charset="0"/>
-                  <a:cs typeface="Segoe UI" panose="020B0502040204020203" pitchFamily="34" charset="0"/>
-                </a:rPr>
-                <a:t> </a:t>
-              </a:r>
-              <a:r>
-                <a:rPr lang="en-US" sz="1200" dirty="0" err="1" smtClean="0">
-                  <a:ln w="0"/>
-                  <a:solidFill>
-                    <a:schemeClr val="accent1">
-                      <a:lumMod val="50000"/>
-                    </a:schemeClr>
-                  </a:solidFill>
-                  <a:effectLst>
-                    <a:outerShdw blurRad="38100" dist="19050" dir="2700000" algn="tl" rotWithShape="0">
-                      <a:schemeClr val="dk1">
-                        <a:alpha val="40000"/>
-                      </a:schemeClr>
-                    </a:outerShdw>
-                  </a:effectLst>
-                  <a:latin typeface="Segoe UI" panose="020B0502040204020203" pitchFamily="34" charset="0"/>
-                  <a:ea typeface="Segoe UI Black" panose="020B0A02040204020203" pitchFamily="34" charset="0"/>
-                  <a:cs typeface="Segoe UI" panose="020B0502040204020203" pitchFamily="34" charset="0"/>
-                </a:rPr>
-                <a:t>numofEdge</a:t>
-              </a:r>
-              <a:endParaRPr lang="en-US" sz="1200" dirty="0" smtClean="0">
-                <a:ln w="0"/>
-                <a:solidFill>
-                  <a:schemeClr val="accent1">
-                    <a:lumMod val="50000"/>
-                  </a:schemeClr>
-                </a:solidFill>
-                <a:effectLst>
-                  <a:outerShdw blurRad="38100" dist="19050" dir="2700000" algn="tl" rotWithShape="0">
-                    <a:schemeClr val="dk1">
-                      <a:alpha val="40000"/>
-                    </a:schemeClr>
-                  </a:outerShdw>
-                </a:effectLst>
-                <a:latin typeface="Segoe UI" panose="020B0502040204020203" pitchFamily="34" charset="0"/>
-                <a:ea typeface="Segoe UI Black" panose="020B0A02040204020203" pitchFamily="34" charset="0"/>
-                <a:cs typeface="Segoe UI" panose="020B0502040204020203" pitchFamily="34" charset="0"/>
-              </a:endParaRPr>
-            </a:p>
-            <a:p>
-              <a:pPr marL="285750" indent="-285750">
-                <a:lnSpc>
-                  <a:spcPct val="150000"/>
-                </a:lnSpc>
-                <a:buFont typeface="Arial" panose="020B0604020202020204" pitchFamily="34" charset="0"/>
-                <a:buChar char="•"/>
-              </a:pPr>
-              <a:r>
-                <a:rPr lang="vi-VN" sz="1200" dirty="0" err="1" smtClean="0">
-                  <a:ln w="0"/>
-                  <a:solidFill>
-                    <a:schemeClr val="accent1">
-                      <a:lumMod val="50000"/>
-                    </a:schemeClr>
-                  </a:solidFill>
-                  <a:effectLst>
-                    <a:outerShdw blurRad="38100" dist="19050" dir="2700000" algn="tl" rotWithShape="0">
-                      <a:schemeClr val="dk1">
-                        <a:alpha val="40000"/>
-                      </a:schemeClr>
-                    </a:outerShdw>
-                  </a:effectLst>
-                  <a:latin typeface="Segoe UI" panose="020B0502040204020203" pitchFamily="34" charset="0"/>
-                  <a:ea typeface="Segoe UI Black" panose="020B0A02040204020203" pitchFamily="34" charset="0"/>
-                  <a:cs typeface="Segoe UI" panose="020B0502040204020203" pitchFamily="34" charset="0"/>
-                </a:rPr>
-                <a:t>Vector</a:t>
-              </a:r>
-              <a:r>
-                <a:rPr lang="vi-VN" sz="1200" dirty="0" smtClean="0">
-                  <a:ln w="0"/>
-                  <a:solidFill>
-                    <a:schemeClr val="accent1">
-                      <a:lumMod val="50000"/>
-                    </a:schemeClr>
-                  </a:solidFill>
-                  <a:effectLst>
-                    <a:outerShdw blurRad="38100" dist="19050" dir="2700000" algn="tl" rotWithShape="0">
-                      <a:schemeClr val="dk1">
-                        <a:alpha val="40000"/>
-                      </a:schemeClr>
-                    </a:outerShdw>
-                  </a:effectLst>
-                  <a:latin typeface="Segoe UI" panose="020B0502040204020203" pitchFamily="34" charset="0"/>
-                  <a:ea typeface="Segoe UI Black" panose="020B0A02040204020203" pitchFamily="34" charset="0"/>
-                  <a:cs typeface="Segoe UI" panose="020B0502040204020203" pitchFamily="34" charset="0"/>
-                </a:rPr>
-                <a:t>&lt;</a:t>
-              </a:r>
-              <a:r>
-                <a:rPr lang="en-US" sz="1200" dirty="0">
-                  <a:ln w="0"/>
-                  <a:solidFill>
-                    <a:schemeClr val="accent1">
-                      <a:lumMod val="50000"/>
-                    </a:schemeClr>
-                  </a:solidFill>
-                  <a:effectLst>
-                    <a:outerShdw blurRad="38100" dist="19050" dir="2700000" algn="tl" rotWithShape="0">
-                      <a:schemeClr val="dk1">
-                        <a:alpha val="40000"/>
-                      </a:schemeClr>
-                    </a:outerShdw>
-                  </a:effectLst>
-                  <a:latin typeface="Segoe UI" panose="020B0502040204020203" pitchFamily="34" charset="0"/>
-                  <a:ea typeface="Segoe UI Black" panose="020B0A02040204020203" pitchFamily="34" charset="0"/>
-                  <a:cs typeface="Segoe UI" panose="020B0502040204020203" pitchFamily="34" charset="0"/>
-                </a:rPr>
-                <a:t>N</a:t>
-              </a:r>
-              <a:r>
-                <a:rPr lang="en-US" sz="1200" dirty="0" smtClean="0">
-                  <a:ln w="0"/>
-                  <a:solidFill>
-                    <a:schemeClr val="accent1">
-                      <a:lumMod val="50000"/>
-                    </a:schemeClr>
-                  </a:solidFill>
-                  <a:effectLst>
-                    <a:outerShdw blurRad="38100" dist="19050" dir="2700000" algn="tl" rotWithShape="0">
-                      <a:schemeClr val="dk1">
-                        <a:alpha val="40000"/>
-                      </a:schemeClr>
-                    </a:outerShdw>
-                  </a:effectLst>
-                  <a:latin typeface="Segoe UI" panose="020B0502040204020203" pitchFamily="34" charset="0"/>
-                  <a:ea typeface="Segoe UI Black" panose="020B0A02040204020203" pitchFamily="34" charset="0"/>
-                  <a:cs typeface="Segoe UI" panose="020B0502040204020203" pitchFamily="34" charset="0"/>
-                </a:rPr>
-                <a:t>ode</a:t>
-              </a:r>
-              <a:r>
-                <a:rPr lang="vi-VN" sz="1200" dirty="0" smtClean="0">
-                  <a:ln w="0"/>
-                  <a:solidFill>
-                    <a:schemeClr val="accent1">
-                      <a:lumMod val="50000"/>
-                    </a:schemeClr>
-                  </a:solidFill>
-                  <a:effectLst>
-                    <a:outerShdw blurRad="38100" dist="19050" dir="2700000" algn="tl" rotWithShape="0">
-                      <a:schemeClr val="dk1">
-                        <a:alpha val="40000"/>
-                      </a:schemeClr>
-                    </a:outerShdw>
-                  </a:effectLst>
-                  <a:latin typeface="Segoe UI" panose="020B0502040204020203" pitchFamily="34" charset="0"/>
-                  <a:ea typeface="Segoe UI Black" panose="020B0A02040204020203" pitchFamily="34" charset="0"/>
-                  <a:cs typeface="Segoe UI" panose="020B0502040204020203" pitchFamily="34" charset="0"/>
-                </a:rPr>
-                <a:t>&gt; </a:t>
-              </a:r>
-              <a:r>
-                <a:rPr lang="en-US" sz="1200" dirty="0" err="1" smtClean="0">
-                  <a:ln w="0"/>
-                  <a:solidFill>
-                    <a:schemeClr val="accent1">
-                      <a:lumMod val="50000"/>
-                    </a:schemeClr>
-                  </a:solidFill>
-                  <a:effectLst>
-                    <a:outerShdw blurRad="38100" dist="19050" dir="2700000" algn="tl" rotWithShape="0">
-                      <a:schemeClr val="dk1">
-                        <a:alpha val="40000"/>
-                      </a:schemeClr>
-                    </a:outerShdw>
-                  </a:effectLst>
-                  <a:latin typeface="Segoe UI" panose="020B0502040204020203" pitchFamily="34" charset="0"/>
-                  <a:ea typeface="Segoe UI Black" panose="020B0A02040204020203" pitchFamily="34" charset="0"/>
-                  <a:cs typeface="Segoe UI" panose="020B0502040204020203" pitchFamily="34" charset="0"/>
-                </a:rPr>
-                <a:t>listofNode</a:t>
-              </a:r>
-              <a:endParaRPr lang="vi-VN" sz="1200" dirty="0" smtClean="0">
-                <a:ln w="0"/>
-                <a:solidFill>
-                  <a:schemeClr val="accent1">
-                    <a:lumMod val="50000"/>
-                  </a:schemeClr>
-                </a:solidFill>
-                <a:effectLst>
-                  <a:outerShdw blurRad="38100" dist="19050" dir="2700000" algn="tl" rotWithShape="0">
-                    <a:schemeClr val="dk1">
-                      <a:alpha val="40000"/>
-                    </a:schemeClr>
-                  </a:outerShdw>
-                </a:effectLst>
-                <a:latin typeface="Segoe UI" panose="020B0502040204020203" pitchFamily="34" charset="0"/>
-                <a:ea typeface="Segoe UI Black" panose="020B0A02040204020203" pitchFamily="34" charset="0"/>
-                <a:cs typeface="Segoe UI" panose="020B0502040204020203" pitchFamily="34" charset="0"/>
-              </a:endParaRPr>
-            </a:p>
-          </p:txBody>
-        </p:sp>
-        <p:sp>
-          <p:nvSpPr>
-            <p:cNvPr id="31" name="Rectangle 10"/>
-            <p:cNvSpPr/>
-            <p:nvPr/>
-          </p:nvSpPr>
-          <p:spPr>
-            <a:xfrm>
-              <a:off x="9449808" y="590352"/>
-              <a:ext cx="562975" cy="307777"/>
-            </a:xfrm>
-            <a:prstGeom prst="rect">
-              <a:avLst/>
-            </a:prstGeom>
-            <a:noFill/>
-          </p:spPr>
-          <p:txBody>
-            <a:bodyPr wrap="none" lIns="91440" tIns="45720" rIns="91440" bIns="45720">
-              <a:spAutoFit/>
-            </a:bodyPr>
-            <a:lstStyle/>
-            <a:p>
-              <a:pPr algn="ctr"/>
-              <a:r>
-                <a:rPr lang="en-US" sz="1400" b="1" cap="none" spc="0" dirty="0" smtClean="0">
-                  <a:ln w="0"/>
-                  <a:solidFill>
-                    <a:schemeClr val="bg1">
-                      <a:lumMod val="95000"/>
-                    </a:schemeClr>
-                  </a:solidFill>
-                  <a:effectLst>
-                    <a:outerShdw blurRad="38100" dist="19050" dir="2700000" algn="tl" rotWithShape="0">
-                      <a:schemeClr val="dk1">
-                        <a:alpha val="40000"/>
-                      </a:schemeClr>
-                    </a:outerShdw>
-                  </a:effectLst>
-                  <a:latin typeface="Segoe UI" panose="020B0502040204020203" pitchFamily="34" charset="0"/>
-                  <a:ea typeface="Segoe UI Black" panose="020B0A02040204020203" pitchFamily="34" charset="0"/>
-                  <a:cs typeface="Segoe UI" panose="020B0502040204020203" pitchFamily="34" charset="0"/>
-                </a:rPr>
-                <a:t>Map</a:t>
-              </a:r>
-              <a:endParaRPr lang="en-US" sz="1400" b="1" cap="none" spc="0" dirty="0">
-                <a:ln w="0"/>
-                <a:solidFill>
-                  <a:schemeClr val="bg1">
-                    <a:lumMod val="95000"/>
-                  </a:schemeClr>
-                </a:solidFill>
-                <a:effectLst>
-                  <a:outerShdw blurRad="38100" dist="19050" dir="2700000" algn="tl" rotWithShape="0">
-                    <a:schemeClr val="dk1">
-                      <a:alpha val="40000"/>
-                    </a:schemeClr>
-                  </a:outerShdw>
-                </a:effectLst>
-                <a:latin typeface="Segoe UI" panose="020B0502040204020203" pitchFamily="34" charset="0"/>
-                <a:ea typeface="Segoe UI Black" panose="020B0A02040204020203" pitchFamily="34" charset="0"/>
-                <a:cs typeface="Segoe UI" panose="020B0502040204020203" pitchFamily="34" charset="0"/>
-              </a:endParaRPr>
-            </a:p>
-          </p:txBody>
-        </p:sp>
-        <p:sp>
-          <p:nvSpPr>
-            <p:cNvPr id="32" name="Rectangle 11"/>
-            <p:cNvSpPr/>
-            <p:nvPr/>
-          </p:nvSpPr>
-          <p:spPr>
-            <a:xfrm>
-              <a:off x="8630514" y="2065053"/>
-              <a:ext cx="2086149" cy="1754326"/>
-            </a:xfrm>
-            <a:prstGeom prst="rect">
-              <a:avLst/>
-            </a:prstGeom>
-            <a:noFill/>
-          </p:spPr>
-          <p:txBody>
-            <a:bodyPr wrap="none" lIns="91440" tIns="45720" rIns="91440" bIns="45720">
-              <a:spAutoFit/>
-            </a:bodyPr>
-            <a:lstStyle/>
-            <a:p>
-              <a:pPr marL="285750" indent="-285750">
-                <a:lnSpc>
-                  <a:spcPct val="150000"/>
-                </a:lnSpc>
-                <a:buFont typeface="Arial" panose="020B0604020202020204" pitchFamily="34" charset="0"/>
-                <a:buChar char="•"/>
-              </a:pPr>
-              <a:r>
-                <a:rPr lang="vi-VN" sz="1200" dirty="0" smtClean="0">
-                  <a:ln w="0"/>
-                  <a:solidFill>
-                    <a:schemeClr val="accent1">
-                      <a:lumMod val="50000"/>
-                    </a:schemeClr>
-                  </a:solidFill>
-                  <a:effectLst>
-                    <a:outerShdw blurRad="38100" dist="19050" dir="2700000" algn="tl" rotWithShape="0">
-                      <a:schemeClr val="dk1">
-                        <a:alpha val="40000"/>
-                      </a:schemeClr>
-                    </a:outerShdw>
-                  </a:effectLst>
-                  <a:latin typeface="Segoe UI" panose="020B0502040204020203" pitchFamily="34" charset="0"/>
-                  <a:ea typeface="Segoe UI Black" panose="020B0A02040204020203" pitchFamily="34" charset="0"/>
-                  <a:cs typeface="Segoe UI" panose="020B0502040204020203" pitchFamily="34" charset="0"/>
-                </a:rPr>
-                <a:t>Void addNode(</a:t>
-              </a:r>
-              <a:r>
-                <a:rPr lang="en-US" sz="1200" dirty="0" smtClean="0">
-                  <a:ln w="0"/>
-                  <a:solidFill>
-                    <a:schemeClr val="accent1">
-                      <a:lumMod val="50000"/>
-                    </a:schemeClr>
-                  </a:solidFill>
-                  <a:effectLst>
-                    <a:outerShdw blurRad="38100" dist="19050" dir="2700000" algn="tl" rotWithShape="0">
-                      <a:schemeClr val="dk1">
-                        <a:alpha val="40000"/>
-                      </a:schemeClr>
-                    </a:outerShdw>
-                  </a:effectLst>
-                  <a:latin typeface="Segoe UI" panose="020B0502040204020203" pitchFamily="34" charset="0"/>
-                  <a:ea typeface="Segoe UI Black" panose="020B0A02040204020203" pitchFamily="34" charset="0"/>
-                  <a:cs typeface="Segoe UI" panose="020B0502040204020203" pitchFamily="34" charset="0"/>
-                </a:rPr>
-                <a:t>Node</a:t>
-              </a:r>
-              <a:r>
-                <a:rPr lang="vi-VN" sz="1200" dirty="0" smtClean="0">
-                  <a:ln w="0"/>
-                  <a:solidFill>
-                    <a:schemeClr val="accent1">
-                      <a:lumMod val="50000"/>
-                    </a:schemeClr>
-                  </a:solidFill>
-                  <a:effectLst>
-                    <a:outerShdw blurRad="38100" dist="19050" dir="2700000" algn="tl" rotWithShape="0">
-                      <a:schemeClr val="dk1">
-                        <a:alpha val="40000"/>
-                      </a:schemeClr>
-                    </a:outerShdw>
-                  </a:effectLst>
-                  <a:latin typeface="Segoe UI" panose="020B0502040204020203" pitchFamily="34" charset="0"/>
-                  <a:ea typeface="Segoe UI Black" panose="020B0A02040204020203" pitchFamily="34" charset="0"/>
-                  <a:cs typeface="Segoe UI" panose="020B0502040204020203" pitchFamily="34" charset="0"/>
-                </a:rPr>
-                <a:t>)</a:t>
-              </a:r>
-              <a:endParaRPr lang="en-US" sz="1200" dirty="0" smtClean="0">
-                <a:ln w="0"/>
-                <a:solidFill>
-                  <a:schemeClr val="accent1">
-                    <a:lumMod val="50000"/>
-                  </a:schemeClr>
-                </a:solidFill>
-                <a:effectLst>
-                  <a:outerShdw blurRad="38100" dist="19050" dir="2700000" algn="tl" rotWithShape="0">
-                    <a:schemeClr val="dk1">
-                      <a:alpha val="40000"/>
-                    </a:schemeClr>
-                  </a:outerShdw>
-                </a:effectLst>
-                <a:latin typeface="Segoe UI" panose="020B0502040204020203" pitchFamily="34" charset="0"/>
-                <a:ea typeface="Segoe UI Black" panose="020B0A02040204020203" pitchFamily="34" charset="0"/>
-                <a:cs typeface="Segoe UI" panose="020B0502040204020203" pitchFamily="34" charset="0"/>
-              </a:endParaRPr>
-            </a:p>
-            <a:p>
-              <a:pPr marL="285750" indent="-285750">
-                <a:lnSpc>
-                  <a:spcPct val="150000"/>
-                </a:lnSpc>
-                <a:buFont typeface="Arial" panose="020B0604020202020204" pitchFamily="34" charset="0"/>
-                <a:buChar char="•"/>
-              </a:pPr>
-              <a:r>
-                <a:rPr lang="vi-VN" sz="1200" dirty="0" smtClean="0">
-                  <a:ln w="0"/>
-                  <a:solidFill>
-                    <a:schemeClr val="accent1">
-                      <a:lumMod val="50000"/>
-                    </a:schemeClr>
-                  </a:solidFill>
-                  <a:effectLst>
-                    <a:outerShdw blurRad="38100" dist="19050" dir="2700000" algn="tl" rotWithShape="0">
-                      <a:schemeClr val="dk1">
-                        <a:alpha val="40000"/>
-                      </a:schemeClr>
-                    </a:outerShdw>
-                  </a:effectLst>
-                  <a:latin typeface="Segoe UI" panose="020B0502040204020203" pitchFamily="34" charset="0"/>
-                  <a:ea typeface="Segoe UI Black" panose="020B0A02040204020203" pitchFamily="34" charset="0"/>
-                  <a:cs typeface="Segoe UI" panose="020B0502040204020203" pitchFamily="34" charset="0"/>
-                </a:rPr>
-                <a:t>Void deleteNode(</a:t>
-              </a:r>
-              <a:r>
-                <a:rPr lang="en-US" sz="1200" dirty="0" smtClean="0">
-                  <a:ln w="0"/>
-                  <a:solidFill>
-                    <a:schemeClr val="accent1">
-                      <a:lumMod val="50000"/>
-                    </a:schemeClr>
-                  </a:solidFill>
-                  <a:effectLst>
-                    <a:outerShdw blurRad="38100" dist="19050" dir="2700000" algn="tl" rotWithShape="0">
-                      <a:schemeClr val="dk1">
-                        <a:alpha val="40000"/>
-                      </a:schemeClr>
-                    </a:outerShdw>
-                  </a:effectLst>
-                  <a:latin typeface="Segoe UI" panose="020B0502040204020203" pitchFamily="34" charset="0"/>
-                  <a:ea typeface="Segoe UI Black" panose="020B0A02040204020203" pitchFamily="34" charset="0"/>
-                  <a:cs typeface="Segoe UI" panose="020B0502040204020203" pitchFamily="34" charset="0"/>
-                </a:rPr>
-                <a:t>Node</a:t>
-              </a:r>
-              <a:r>
-                <a:rPr lang="vi-VN" sz="1200" dirty="0" smtClean="0">
-                  <a:ln w="0"/>
-                  <a:solidFill>
-                    <a:schemeClr val="accent1">
-                      <a:lumMod val="50000"/>
-                    </a:schemeClr>
-                  </a:solidFill>
-                  <a:effectLst>
-                    <a:outerShdw blurRad="38100" dist="19050" dir="2700000" algn="tl" rotWithShape="0">
-                      <a:schemeClr val="dk1">
-                        <a:alpha val="40000"/>
-                      </a:schemeClr>
-                    </a:outerShdw>
-                  </a:effectLst>
-                  <a:latin typeface="Segoe UI" panose="020B0502040204020203" pitchFamily="34" charset="0"/>
-                  <a:ea typeface="Segoe UI Black" panose="020B0A02040204020203" pitchFamily="34" charset="0"/>
-                  <a:cs typeface="Segoe UI" panose="020B0502040204020203" pitchFamily="34" charset="0"/>
-                </a:rPr>
-                <a:t>)</a:t>
-              </a:r>
-            </a:p>
-            <a:p>
-              <a:pPr marL="285750" indent="-285750">
-                <a:lnSpc>
-                  <a:spcPct val="150000"/>
-                </a:lnSpc>
-                <a:buFont typeface="Arial" panose="020B0604020202020204" pitchFamily="34" charset="0"/>
-                <a:buChar char="•"/>
-              </a:pPr>
-              <a:r>
-                <a:rPr lang="vi-VN" sz="1200" dirty="0" smtClean="0">
-                  <a:ln w="0"/>
-                  <a:solidFill>
-                    <a:schemeClr val="accent1">
-                      <a:lumMod val="50000"/>
-                    </a:schemeClr>
-                  </a:solidFill>
-                  <a:effectLst>
-                    <a:outerShdw blurRad="38100" dist="19050" dir="2700000" algn="tl" rotWithShape="0">
-                      <a:schemeClr val="dk1">
-                        <a:alpha val="40000"/>
-                      </a:schemeClr>
-                    </a:outerShdw>
-                  </a:effectLst>
-                  <a:latin typeface="Segoe UI" panose="020B0502040204020203" pitchFamily="34" charset="0"/>
-                  <a:ea typeface="Segoe UI Black" panose="020B0A02040204020203" pitchFamily="34" charset="0"/>
-                  <a:cs typeface="Segoe UI" panose="020B0502040204020203" pitchFamily="34" charset="0"/>
-                </a:rPr>
-                <a:t>Void editNode(</a:t>
-              </a:r>
-              <a:r>
-                <a:rPr lang="en-US" sz="1200" dirty="0" smtClean="0">
-                  <a:ln w="0"/>
-                  <a:solidFill>
-                    <a:schemeClr val="accent1">
-                      <a:lumMod val="50000"/>
-                    </a:schemeClr>
-                  </a:solidFill>
-                  <a:effectLst>
-                    <a:outerShdw blurRad="38100" dist="19050" dir="2700000" algn="tl" rotWithShape="0">
-                      <a:schemeClr val="dk1">
-                        <a:alpha val="40000"/>
-                      </a:schemeClr>
-                    </a:outerShdw>
-                  </a:effectLst>
-                  <a:latin typeface="Segoe UI" panose="020B0502040204020203" pitchFamily="34" charset="0"/>
-                  <a:ea typeface="Segoe UI Black" panose="020B0A02040204020203" pitchFamily="34" charset="0"/>
-                  <a:cs typeface="Segoe UI" panose="020B0502040204020203" pitchFamily="34" charset="0"/>
-                </a:rPr>
-                <a:t>Node</a:t>
-              </a:r>
-              <a:r>
-                <a:rPr lang="vi-VN" sz="1200" dirty="0" smtClean="0">
-                  <a:ln w="0"/>
-                  <a:solidFill>
-                    <a:schemeClr val="accent1">
-                      <a:lumMod val="50000"/>
-                    </a:schemeClr>
-                  </a:solidFill>
-                  <a:effectLst>
-                    <a:outerShdw blurRad="38100" dist="19050" dir="2700000" algn="tl" rotWithShape="0">
-                      <a:schemeClr val="dk1">
-                        <a:alpha val="40000"/>
-                      </a:schemeClr>
-                    </a:outerShdw>
-                  </a:effectLst>
-                  <a:latin typeface="Segoe UI" panose="020B0502040204020203" pitchFamily="34" charset="0"/>
-                  <a:ea typeface="Segoe UI Black" panose="020B0A02040204020203" pitchFamily="34" charset="0"/>
-                  <a:cs typeface="Segoe UI" panose="020B0502040204020203" pitchFamily="34" charset="0"/>
-                </a:rPr>
-                <a:t>)</a:t>
-              </a:r>
-              <a:endParaRPr lang="en-US" sz="1200" dirty="0" smtClean="0">
-                <a:ln w="0"/>
-                <a:solidFill>
-                  <a:schemeClr val="accent1">
-                    <a:lumMod val="50000"/>
-                  </a:schemeClr>
-                </a:solidFill>
-                <a:effectLst>
-                  <a:outerShdw blurRad="38100" dist="19050" dir="2700000" algn="tl" rotWithShape="0">
-                    <a:schemeClr val="dk1">
-                      <a:alpha val="40000"/>
-                    </a:schemeClr>
-                  </a:outerShdw>
-                </a:effectLst>
-                <a:latin typeface="Segoe UI" panose="020B0502040204020203" pitchFamily="34" charset="0"/>
-                <a:ea typeface="Segoe UI Black" panose="020B0A02040204020203" pitchFamily="34" charset="0"/>
-                <a:cs typeface="Segoe UI" panose="020B0502040204020203" pitchFamily="34" charset="0"/>
-              </a:endParaRPr>
-            </a:p>
-            <a:p>
-              <a:pPr marL="285750" indent="-285750">
-                <a:lnSpc>
-                  <a:spcPct val="150000"/>
-                </a:lnSpc>
-                <a:buFont typeface="Arial" panose="020B0604020202020204" pitchFamily="34" charset="0"/>
-                <a:buChar char="•"/>
-              </a:pPr>
-              <a:r>
-                <a:rPr lang="en-US" sz="1200" dirty="0" smtClean="0">
-                  <a:ln w="0"/>
-                  <a:solidFill>
-                    <a:schemeClr val="accent1">
-                      <a:lumMod val="50000"/>
-                    </a:schemeClr>
-                  </a:solidFill>
-                  <a:effectLst>
-                    <a:outerShdw blurRad="38100" dist="19050" dir="2700000" algn="tl" rotWithShape="0">
-                      <a:schemeClr val="dk1">
-                        <a:alpha val="40000"/>
-                      </a:schemeClr>
-                    </a:outerShdw>
-                  </a:effectLst>
-                  <a:latin typeface="Segoe UI" panose="020B0502040204020203" pitchFamily="34" charset="0"/>
-                  <a:ea typeface="Segoe UI Black" panose="020B0A02040204020203" pitchFamily="34" charset="0"/>
-                  <a:cs typeface="Segoe UI" panose="020B0502040204020203" pitchFamily="34" charset="0"/>
-                </a:rPr>
-                <a:t>Void </a:t>
-              </a:r>
-              <a:r>
-                <a:rPr lang="en-US" sz="1200" dirty="0" err="1">
-                  <a:ln w="0"/>
-                  <a:solidFill>
-                    <a:schemeClr val="accent1">
-                      <a:lumMod val="50000"/>
-                    </a:schemeClr>
-                  </a:solidFill>
-                  <a:effectLst>
-                    <a:outerShdw blurRad="38100" dist="19050" dir="2700000" algn="tl" rotWithShape="0">
-                      <a:schemeClr val="dk1">
-                        <a:alpha val="40000"/>
-                      </a:schemeClr>
-                    </a:outerShdw>
-                  </a:effectLst>
-                  <a:latin typeface="Segoe UI" panose="020B0502040204020203" pitchFamily="34" charset="0"/>
-                  <a:ea typeface="Segoe UI Black" panose="020B0A02040204020203" pitchFamily="34" charset="0"/>
-                  <a:cs typeface="Segoe UI" panose="020B0502040204020203" pitchFamily="34" charset="0"/>
-                </a:rPr>
-                <a:t>i</a:t>
-              </a:r>
-              <a:r>
-                <a:rPr lang="vi-VN" sz="1200" dirty="0" err="1" smtClean="0">
-                  <a:ln w="0"/>
-                  <a:solidFill>
-                    <a:schemeClr val="accent1">
-                      <a:lumMod val="50000"/>
-                    </a:schemeClr>
-                  </a:solidFill>
-                  <a:effectLst>
-                    <a:outerShdw blurRad="38100" dist="19050" dir="2700000" algn="tl" rotWithShape="0">
-                      <a:schemeClr val="dk1">
-                        <a:alpha val="40000"/>
-                      </a:schemeClr>
-                    </a:outerShdw>
-                  </a:effectLst>
-                  <a:latin typeface="Segoe UI" panose="020B0502040204020203" pitchFamily="34" charset="0"/>
-                  <a:ea typeface="Segoe UI Black" panose="020B0A02040204020203" pitchFamily="34" charset="0"/>
-                  <a:cs typeface="Segoe UI" panose="020B0502040204020203" pitchFamily="34" charset="0"/>
-                </a:rPr>
-                <a:t>nit</a:t>
-              </a:r>
-              <a:r>
-                <a:rPr lang="en-US" sz="1200" dirty="0" smtClean="0">
-                  <a:ln w="0"/>
-                  <a:solidFill>
-                    <a:schemeClr val="accent1">
-                      <a:lumMod val="50000"/>
-                    </a:schemeClr>
-                  </a:solidFill>
-                  <a:effectLst>
-                    <a:outerShdw blurRad="38100" dist="19050" dir="2700000" algn="tl" rotWithShape="0">
-                      <a:schemeClr val="dk1">
-                        <a:alpha val="40000"/>
-                      </a:schemeClr>
-                    </a:outerShdw>
-                  </a:effectLst>
-                  <a:latin typeface="Segoe UI" panose="020B0502040204020203" pitchFamily="34" charset="0"/>
-                  <a:ea typeface="Segoe UI Black" panose="020B0A02040204020203" pitchFamily="34" charset="0"/>
-                  <a:cs typeface="Segoe UI" panose="020B0502040204020203" pitchFamily="34" charset="0"/>
-                </a:rPr>
-                <a:t>Map</a:t>
-              </a:r>
-              <a:r>
-                <a:rPr lang="vi-VN" sz="1200" dirty="0" smtClean="0">
-                  <a:ln w="0"/>
-                  <a:solidFill>
-                    <a:schemeClr val="accent1">
-                      <a:lumMod val="50000"/>
-                    </a:schemeClr>
-                  </a:solidFill>
-                  <a:effectLst>
-                    <a:outerShdw blurRad="38100" dist="19050" dir="2700000" algn="tl" rotWithShape="0">
-                      <a:schemeClr val="dk1">
-                        <a:alpha val="40000"/>
-                      </a:schemeClr>
-                    </a:outerShdw>
-                  </a:effectLst>
-                  <a:latin typeface="Segoe UI" panose="020B0502040204020203" pitchFamily="34" charset="0"/>
-                  <a:ea typeface="Segoe UI Black" panose="020B0A02040204020203" pitchFamily="34" charset="0"/>
-                  <a:cs typeface="Segoe UI" panose="020B0502040204020203" pitchFamily="34" charset="0"/>
-                </a:rPr>
-                <a:t>()</a:t>
-              </a:r>
-              <a:endParaRPr lang="en-US" sz="1200" dirty="0">
-                <a:ln w="0"/>
-                <a:solidFill>
-                  <a:schemeClr val="accent1">
-                    <a:lumMod val="50000"/>
-                  </a:schemeClr>
-                </a:solidFill>
-                <a:effectLst>
-                  <a:outerShdw blurRad="38100" dist="19050" dir="2700000" algn="tl" rotWithShape="0">
-                    <a:schemeClr val="dk1">
-                      <a:alpha val="40000"/>
-                    </a:schemeClr>
-                  </a:outerShdw>
-                </a:effectLst>
-                <a:latin typeface="Segoe UI" panose="020B0502040204020203" pitchFamily="34" charset="0"/>
-                <a:ea typeface="Segoe UI Black" panose="020B0A02040204020203" pitchFamily="34" charset="0"/>
-                <a:cs typeface="Segoe UI" panose="020B0502040204020203" pitchFamily="34" charset="0"/>
-              </a:endParaRPr>
-            </a:p>
-            <a:p>
-              <a:pPr marL="285750" indent="-285750">
-                <a:lnSpc>
-                  <a:spcPct val="150000"/>
-                </a:lnSpc>
-                <a:buFont typeface="Arial" panose="020B0604020202020204" pitchFamily="34" charset="0"/>
-                <a:buChar char="•"/>
-              </a:pPr>
-              <a:r>
-                <a:rPr lang="en-US" sz="1200" dirty="0" smtClean="0">
-                  <a:ln w="0"/>
-                  <a:solidFill>
-                    <a:schemeClr val="accent1">
-                      <a:lumMod val="50000"/>
-                    </a:schemeClr>
-                  </a:solidFill>
-                  <a:effectLst>
-                    <a:outerShdw blurRad="38100" dist="19050" dir="2700000" algn="tl" rotWithShape="0">
-                      <a:schemeClr val="dk1">
-                        <a:alpha val="40000"/>
-                      </a:schemeClr>
-                    </a:outerShdw>
-                  </a:effectLst>
-                  <a:latin typeface="Segoe UI" panose="020B0502040204020203" pitchFamily="34" charset="0"/>
-                  <a:ea typeface="Segoe UI Black" panose="020B0A02040204020203" pitchFamily="34" charset="0"/>
-                  <a:cs typeface="Segoe UI" panose="020B0502040204020203" pitchFamily="34" charset="0"/>
-                </a:rPr>
-                <a:t>Void </a:t>
-              </a:r>
-              <a:r>
-                <a:rPr lang="en-US" sz="1200" dirty="0" err="1" smtClean="0">
-                  <a:ln w="0"/>
-                  <a:solidFill>
-                    <a:schemeClr val="accent1">
-                      <a:lumMod val="50000"/>
-                    </a:schemeClr>
-                  </a:solidFill>
-                  <a:effectLst>
-                    <a:outerShdw blurRad="38100" dist="19050" dir="2700000" algn="tl" rotWithShape="0">
-                      <a:schemeClr val="dk1">
-                        <a:alpha val="40000"/>
-                      </a:schemeClr>
-                    </a:outerShdw>
-                  </a:effectLst>
-                  <a:latin typeface="Segoe UI" panose="020B0502040204020203" pitchFamily="34" charset="0"/>
-                  <a:ea typeface="Segoe UI Black" panose="020B0A02040204020203" pitchFamily="34" charset="0"/>
-                  <a:cs typeface="Segoe UI" panose="020B0502040204020203" pitchFamily="34" charset="0"/>
-                </a:rPr>
-                <a:t>resetMap</a:t>
-              </a:r>
-              <a:r>
-                <a:rPr lang="en-US" sz="1200" dirty="0" smtClean="0">
-                  <a:ln w="0"/>
-                  <a:solidFill>
-                    <a:schemeClr val="accent1">
-                      <a:lumMod val="50000"/>
-                    </a:schemeClr>
-                  </a:solidFill>
-                  <a:effectLst>
-                    <a:outerShdw blurRad="38100" dist="19050" dir="2700000" algn="tl" rotWithShape="0">
-                      <a:schemeClr val="dk1">
-                        <a:alpha val="40000"/>
-                      </a:schemeClr>
-                    </a:outerShdw>
-                  </a:effectLst>
-                  <a:latin typeface="Segoe UI" panose="020B0502040204020203" pitchFamily="34" charset="0"/>
-                  <a:ea typeface="Segoe UI Black" panose="020B0A02040204020203" pitchFamily="34" charset="0"/>
-                  <a:cs typeface="Segoe UI" panose="020B0502040204020203" pitchFamily="34" charset="0"/>
-                </a:rPr>
-                <a:t>()</a:t>
-              </a:r>
-            </a:p>
-            <a:p>
-              <a:pPr marL="285750" indent="-285750">
-                <a:lnSpc>
-                  <a:spcPct val="150000"/>
-                </a:lnSpc>
-                <a:buFont typeface="Arial" panose="020B0604020202020204" pitchFamily="34" charset="0"/>
-                <a:buChar char="•"/>
-              </a:pPr>
-              <a:r>
-                <a:rPr lang="en-US" sz="1200" dirty="0" smtClean="0">
-                  <a:ln w="0"/>
-                  <a:solidFill>
-                    <a:schemeClr val="accent1">
-                      <a:lumMod val="50000"/>
-                    </a:schemeClr>
-                  </a:solidFill>
-                  <a:effectLst>
-                    <a:outerShdw blurRad="38100" dist="19050" dir="2700000" algn="tl" rotWithShape="0">
-                      <a:schemeClr val="dk1">
-                        <a:alpha val="40000"/>
-                      </a:schemeClr>
-                    </a:outerShdw>
-                  </a:effectLst>
-                  <a:latin typeface="Segoe UI" panose="020B0502040204020203" pitchFamily="34" charset="0"/>
-                  <a:ea typeface="Segoe UI Black" panose="020B0A02040204020203" pitchFamily="34" charset="0"/>
-                  <a:cs typeface="Segoe UI" panose="020B0502040204020203" pitchFamily="34" charset="0"/>
-                </a:rPr>
-                <a:t>Void </a:t>
-              </a:r>
-              <a:r>
-                <a:rPr lang="en-US" sz="1200" dirty="0" err="1" smtClean="0">
-                  <a:ln w="0"/>
-                  <a:solidFill>
-                    <a:schemeClr val="accent1">
-                      <a:lumMod val="50000"/>
-                    </a:schemeClr>
-                  </a:solidFill>
-                  <a:effectLst>
-                    <a:outerShdw blurRad="38100" dist="19050" dir="2700000" algn="tl" rotWithShape="0">
-                      <a:schemeClr val="dk1">
-                        <a:alpha val="40000"/>
-                      </a:schemeClr>
-                    </a:outerShdw>
-                  </a:effectLst>
-                  <a:latin typeface="Segoe UI" panose="020B0502040204020203" pitchFamily="34" charset="0"/>
-                  <a:ea typeface="Segoe UI Black" panose="020B0A02040204020203" pitchFamily="34" charset="0"/>
-                  <a:cs typeface="Segoe UI" panose="020B0502040204020203" pitchFamily="34" charset="0"/>
-                </a:rPr>
-                <a:t>showMap</a:t>
-              </a:r>
-              <a:r>
-                <a:rPr lang="en-US" sz="1200" dirty="0" smtClean="0">
-                  <a:ln w="0"/>
-                  <a:solidFill>
-                    <a:schemeClr val="accent1">
-                      <a:lumMod val="50000"/>
-                    </a:schemeClr>
-                  </a:solidFill>
-                  <a:effectLst>
-                    <a:outerShdw blurRad="38100" dist="19050" dir="2700000" algn="tl" rotWithShape="0">
-                      <a:schemeClr val="dk1">
-                        <a:alpha val="40000"/>
-                      </a:schemeClr>
-                    </a:outerShdw>
-                  </a:effectLst>
-                  <a:latin typeface="Segoe UI" panose="020B0502040204020203" pitchFamily="34" charset="0"/>
-                  <a:ea typeface="Segoe UI Black" panose="020B0A02040204020203" pitchFamily="34" charset="0"/>
-                  <a:cs typeface="Segoe UI" panose="020B0502040204020203" pitchFamily="34" charset="0"/>
-                </a:rPr>
-                <a:t>()</a:t>
-              </a:r>
-              <a:endParaRPr lang="en-US" sz="1200" dirty="0">
-                <a:ln w="0"/>
-                <a:solidFill>
-                  <a:schemeClr val="accent1">
-                    <a:lumMod val="50000"/>
-                  </a:schemeClr>
-                </a:solidFill>
-                <a:effectLst>
-                  <a:outerShdw blurRad="38100" dist="19050" dir="2700000" algn="tl" rotWithShape="0">
-                    <a:schemeClr val="dk1">
-                      <a:alpha val="40000"/>
-                    </a:schemeClr>
-                  </a:outerShdw>
-                </a:effectLst>
-                <a:latin typeface="Segoe UI" panose="020B0502040204020203" pitchFamily="34" charset="0"/>
-                <a:ea typeface="Segoe UI Black" panose="020B0A02040204020203" pitchFamily="34" charset="0"/>
-                <a:cs typeface="Segoe UI" panose="020B0502040204020203" pitchFamily="34" charset="0"/>
-              </a:endParaRPr>
-            </a:p>
-          </p:txBody>
-        </p:sp>
-      </p:grpSp>
-      <p:grpSp>
-        <p:nvGrpSpPr>
-          <p:cNvPr id="41" name="Nhóm 40"/>
-          <p:cNvGrpSpPr/>
-          <p:nvPr/>
-        </p:nvGrpSpPr>
-        <p:grpSpPr>
-          <a:xfrm>
-            <a:off x="9164407" y="3973766"/>
-            <a:ext cx="2435591" cy="2613399"/>
-            <a:chOff x="8323089" y="3297509"/>
-            <a:chExt cx="2237181" cy="2613399"/>
-          </a:xfrm>
-        </p:grpSpPr>
-        <p:sp>
-          <p:nvSpPr>
-            <p:cNvPr id="35" name="Rectangle 18"/>
-            <p:cNvSpPr/>
-            <p:nvPr/>
-          </p:nvSpPr>
-          <p:spPr>
-            <a:xfrm>
-              <a:off x="8323090" y="3297509"/>
-              <a:ext cx="2237180" cy="400110"/>
-            </a:xfrm>
-            <a:prstGeom prst="rect">
-              <a:avLst/>
-            </a:prstGeom>
-            <a:solidFill>
-              <a:schemeClr val="accent1">
-                <a:lumMod val="75000"/>
-              </a:schemeClr>
-            </a:solidFill>
-          </p:spPr>
-          <p:style>
-            <a:lnRef idx="2">
-              <a:schemeClr val="accent1">
-                <a:shade val="50000"/>
-              </a:schemeClr>
-            </a:lnRef>
-            <a:fillRef idx="1">
-              <a:schemeClr val="accent1"/>
-            </a:fillRef>
-            <a:effectRef idx="0">
-              <a:schemeClr val="accent1"/>
-            </a:effectRef>
-            <a:fontRef idx="minor">
-              <a:schemeClr val="lt1"/>
-            </a:fontRef>
-          </p:style>
-          <p:txBody>
-            <a:bodyPr rtlCol="0" anchor="ctr"/>
-            <a:lstStyle/>
-            <a:p>
-              <a:pPr algn="ctr"/>
-              <a:endParaRPr lang="en-US"/>
-            </a:p>
-          </p:txBody>
-        </p:sp>
-        <p:sp>
-          <p:nvSpPr>
-            <p:cNvPr id="36" name="Rectangle 6"/>
-            <p:cNvSpPr/>
-            <p:nvPr/>
-          </p:nvSpPr>
-          <p:spPr>
-            <a:xfrm>
-              <a:off x="9139352" y="3338153"/>
-              <a:ext cx="604653" cy="307777"/>
-            </a:xfrm>
-            <a:prstGeom prst="rect">
-              <a:avLst/>
-            </a:prstGeom>
-            <a:noFill/>
-          </p:spPr>
-          <p:txBody>
-            <a:bodyPr wrap="none" lIns="91440" tIns="45720" rIns="91440" bIns="45720">
-              <a:spAutoFit/>
-            </a:bodyPr>
-            <a:lstStyle/>
-            <a:p>
-              <a:pPr algn="ctr"/>
-              <a:r>
-                <a:rPr lang="en-US" sz="1400" b="1" dirty="0" smtClean="0">
-                  <a:ln w="0"/>
-                  <a:solidFill>
-                    <a:schemeClr val="bg1">
-                      <a:lumMod val="95000"/>
-                    </a:schemeClr>
-                  </a:solidFill>
-                  <a:effectLst>
-                    <a:outerShdw blurRad="38100" dist="19050" dir="2700000" algn="tl" rotWithShape="0">
-                      <a:schemeClr val="dk1">
-                        <a:alpha val="40000"/>
-                      </a:schemeClr>
-                    </a:outerShdw>
-                  </a:effectLst>
-                  <a:latin typeface="Segoe UI" panose="020B0502040204020203" pitchFamily="34" charset="0"/>
-                  <a:ea typeface="Segoe UI Black" panose="020B0A02040204020203" pitchFamily="34" charset="0"/>
-                  <a:cs typeface="Segoe UI" panose="020B0502040204020203" pitchFamily="34" charset="0"/>
-                </a:rPr>
-                <a:t>Time</a:t>
-              </a:r>
-              <a:endParaRPr lang="en-US" sz="1400" b="1" cap="none" spc="0" dirty="0">
-                <a:ln w="0"/>
-                <a:solidFill>
-                  <a:schemeClr val="bg1">
-                    <a:lumMod val="95000"/>
-                  </a:schemeClr>
-                </a:solidFill>
-                <a:effectLst>
-                  <a:outerShdw blurRad="38100" dist="19050" dir="2700000" algn="tl" rotWithShape="0">
-                    <a:schemeClr val="dk1">
-                      <a:alpha val="40000"/>
-                    </a:schemeClr>
-                  </a:outerShdw>
-                </a:effectLst>
-                <a:latin typeface="Segoe UI" panose="020B0502040204020203" pitchFamily="34" charset="0"/>
-                <a:ea typeface="Segoe UI Black" panose="020B0A02040204020203" pitchFamily="34" charset="0"/>
-                <a:cs typeface="Segoe UI" panose="020B0502040204020203" pitchFamily="34" charset="0"/>
-              </a:endParaRPr>
-            </a:p>
-          </p:txBody>
-        </p:sp>
-        <p:sp>
-          <p:nvSpPr>
-            <p:cNvPr id="37" name="Rectangle 7"/>
-            <p:cNvSpPr/>
-            <p:nvPr/>
-          </p:nvSpPr>
-          <p:spPr>
-            <a:xfrm>
-              <a:off x="8424877" y="4612301"/>
-              <a:ext cx="1839227" cy="1200329"/>
-            </a:xfrm>
-            <a:prstGeom prst="rect">
-              <a:avLst/>
-            </a:prstGeom>
-            <a:noFill/>
-          </p:spPr>
-          <p:txBody>
-            <a:bodyPr wrap="none" lIns="91440" tIns="45720" rIns="91440" bIns="45720">
-              <a:spAutoFit/>
-            </a:bodyPr>
-            <a:lstStyle/>
-            <a:p>
-              <a:pPr marL="285750" indent="-285750">
-                <a:lnSpc>
-                  <a:spcPct val="150000"/>
-                </a:lnSpc>
-                <a:buFont typeface="Arial" panose="020B0604020202020204" pitchFamily="34" charset="0"/>
-                <a:buChar char="•"/>
-              </a:pPr>
-              <a:r>
-                <a:rPr lang="vi-VN" sz="1200" dirty="0" err="1" smtClean="0">
-                  <a:ln w="0"/>
-                  <a:solidFill>
-                    <a:schemeClr val="accent1">
-                      <a:lumMod val="50000"/>
-                    </a:schemeClr>
-                  </a:solidFill>
-                  <a:effectLst>
-                    <a:outerShdw blurRad="38100" dist="19050" dir="2700000" algn="tl" rotWithShape="0">
-                      <a:schemeClr val="dk1">
-                        <a:alpha val="40000"/>
-                      </a:schemeClr>
-                    </a:outerShdw>
-                  </a:effectLst>
-                  <a:latin typeface="Segoe UI" panose="020B0502040204020203" pitchFamily="34" charset="0"/>
-                  <a:ea typeface="Segoe UI Black" panose="020B0A02040204020203" pitchFamily="34" charset="0"/>
-                  <a:cs typeface="Segoe UI" panose="020B0502040204020203" pitchFamily="34" charset="0"/>
-                </a:rPr>
-                <a:t>Void</a:t>
-              </a:r>
-              <a:r>
-                <a:rPr lang="vi-VN" sz="1200" dirty="0" smtClean="0">
-                  <a:ln w="0"/>
-                  <a:solidFill>
-                    <a:schemeClr val="accent1">
-                      <a:lumMod val="50000"/>
-                    </a:schemeClr>
-                  </a:solidFill>
-                  <a:effectLst>
-                    <a:outerShdw blurRad="38100" dist="19050" dir="2700000" algn="tl" rotWithShape="0">
-                      <a:schemeClr val="dk1">
-                        <a:alpha val="40000"/>
-                      </a:schemeClr>
-                    </a:outerShdw>
-                  </a:effectLst>
-                  <a:latin typeface="Segoe UI" panose="020B0502040204020203" pitchFamily="34" charset="0"/>
-                  <a:ea typeface="Segoe UI Black" panose="020B0A02040204020203" pitchFamily="34" charset="0"/>
-                  <a:cs typeface="Segoe UI" panose="020B0502040204020203" pitchFamily="34" charset="0"/>
-                </a:rPr>
-                <a:t> </a:t>
-              </a:r>
-              <a:r>
-                <a:rPr lang="vi-VN" sz="1200" dirty="0" err="1" smtClean="0">
-                  <a:ln w="0"/>
-                  <a:solidFill>
-                    <a:schemeClr val="accent1">
-                      <a:lumMod val="50000"/>
-                    </a:schemeClr>
-                  </a:solidFill>
-                  <a:effectLst>
-                    <a:outerShdw blurRad="38100" dist="19050" dir="2700000" algn="tl" rotWithShape="0">
-                      <a:schemeClr val="dk1">
-                        <a:alpha val="40000"/>
-                      </a:schemeClr>
-                    </a:outerShdw>
-                  </a:effectLst>
-                  <a:latin typeface="Segoe UI" panose="020B0502040204020203" pitchFamily="34" charset="0"/>
-                  <a:ea typeface="Segoe UI Black" panose="020B0A02040204020203" pitchFamily="34" charset="0"/>
-                  <a:cs typeface="Segoe UI" panose="020B0502040204020203" pitchFamily="34" charset="0"/>
-                </a:rPr>
-                <a:t>set</a:t>
-              </a:r>
-              <a:r>
-                <a:rPr lang="en-US" sz="1200" dirty="0" smtClean="0">
-                  <a:ln w="0"/>
-                  <a:solidFill>
-                    <a:schemeClr val="accent1">
-                      <a:lumMod val="50000"/>
-                    </a:schemeClr>
-                  </a:solidFill>
-                  <a:effectLst>
-                    <a:outerShdw blurRad="38100" dist="19050" dir="2700000" algn="tl" rotWithShape="0">
-                      <a:schemeClr val="dk1">
-                        <a:alpha val="40000"/>
-                      </a:schemeClr>
-                    </a:outerShdw>
-                  </a:effectLst>
-                  <a:latin typeface="Segoe UI" panose="020B0502040204020203" pitchFamily="34" charset="0"/>
-                  <a:ea typeface="Segoe UI Black" panose="020B0A02040204020203" pitchFamily="34" charset="0"/>
-                  <a:cs typeface="Segoe UI" panose="020B0502040204020203" pitchFamily="34" charset="0"/>
-                </a:rPr>
-                <a:t>Hours</a:t>
-              </a:r>
-              <a:r>
-                <a:rPr lang="vi-VN" sz="1200" dirty="0" smtClean="0">
-                  <a:ln w="0"/>
-                  <a:solidFill>
-                    <a:schemeClr val="accent1">
-                      <a:lumMod val="50000"/>
-                    </a:schemeClr>
-                  </a:solidFill>
-                  <a:effectLst>
-                    <a:outerShdw blurRad="38100" dist="19050" dir="2700000" algn="tl" rotWithShape="0">
-                      <a:schemeClr val="dk1">
-                        <a:alpha val="40000"/>
-                      </a:schemeClr>
-                    </a:outerShdw>
-                  </a:effectLst>
-                  <a:latin typeface="Segoe UI" panose="020B0502040204020203" pitchFamily="34" charset="0"/>
-                  <a:ea typeface="Segoe UI Black" panose="020B0A02040204020203" pitchFamily="34" charset="0"/>
-                  <a:cs typeface="Segoe UI" panose="020B0502040204020203" pitchFamily="34" charset="0"/>
-                </a:rPr>
-                <a:t>(</a:t>
-              </a:r>
-              <a:r>
-                <a:rPr lang="en-US" sz="1200" dirty="0" smtClean="0">
-                  <a:ln w="0"/>
-                  <a:solidFill>
-                    <a:schemeClr val="accent1">
-                      <a:lumMod val="50000"/>
-                    </a:schemeClr>
-                  </a:solidFill>
-                  <a:effectLst>
-                    <a:outerShdw blurRad="38100" dist="19050" dir="2700000" algn="tl" rotWithShape="0">
-                      <a:schemeClr val="dk1">
-                        <a:alpha val="40000"/>
-                      </a:schemeClr>
-                    </a:outerShdw>
-                  </a:effectLst>
-                  <a:latin typeface="Segoe UI" panose="020B0502040204020203" pitchFamily="34" charset="0"/>
-                  <a:ea typeface="Segoe UI Black" panose="020B0A02040204020203" pitchFamily="34" charset="0"/>
-                  <a:cs typeface="Segoe UI" panose="020B0502040204020203" pitchFamily="34" charset="0"/>
-                </a:rPr>
-                <a:t>float</a:t>
-              </a:r>
-              <a:r>
-                <a:rPr lang="vi-VN" sz="1200" dirty="0" smtClean="0">
-                  <a:ln w="0"/>
-                  <a:solidFill>
-                    <a:schemeClr val="accent1">
-                      <a:lumMod val="50000"/>
-                    </a:schemeClr>
-                  </a:solidFill>
-                  <a:effectLst>
-                    <a:outerShdw blurRad="38100" dist="19050" dir="2700000" algn="tl" rotWithShape="0">
-                      <a:schemeClr val="dk1">
-                        <a:alpha val="40000"/>
-                      </a:schemeClr>
-                    </a:outerShdw>
-                  </a:effectLst>
-                  <a:latin typeface="Segoe UI" panose="020B0502040204020203" pitchFamily="34" charset="0"/>
-                  <a:ea typeface="Segoe UI Black" panose="020B0A02040204020203" pitchFamily="34" charset="0"/>
-                  <a:cs typeface="Segoe UI" panose="020B0502040204020203" pitchFamily="34" charset="0"/>
-                </a:rPr>
-                <a:t>)</a:t>
-              </a:r>
-            </a:p>
-            <a:p>
-              <a:pPr marL="285750" indent="-285750">
-                <a:lnSpc>
-                  <a:spcPct val="150000"/>
-                </a:lnSpc>
-                <a:buFont typeface="Arial" panose="020B0604020202020204" pitchFamily="34" charset="0"/>
-                <a:buChar char="•"/>
-              </a:pPr>
-              <a:r>
-                <a:rPr lang="en-US" sz="1200" dirty="0" smtClean="0">
-                  <a:ln w="0"/>
-                  <a:solidFill>
-                    <a:schemeClr val="accent1">
-                      <a:lumMod val="50000"/>
-                    </a:schemeClr>
-                  </a:solidFill>
-                  <a:effectLst>
-                    <a:outerShdw blurRad="38100" dist="19050" dir="2700000" algn="tl" rotWithShape="0">
-                      <a:schemeClr val="dk1">
-                        <a:alpha val="40000"/>
-                      </a:schemeClr>
-                    </a:outerShdw>
-                  </a:effectLst>
-                  <a:latin typeface="Segoe UI" panose="020B0502040204020203" pitchFamily="34" charset="0"/>
-                  <a:ea typeface="Segoe UI Black" panose="020B0A02040204020203" pitchFamily="34" charset="0"/>
-                  <a:cs typeface="Segoe UI" panose="020B0502040204020203" pitchFamily="34" charset="0"/>
-                </a:rPr>
-                <a:t>Float</a:t>
-              </a:r>
-              <a:r>
-                <a:rPr lang="vi-VN" sz="1200" dirty="0" smtClean="0">
-                  <a:ln w="0"/>
-                  <a:solidFill>
-                    <a:schemeClr val="accent1">
-                      <a:lumMod val="50000"/>
-                    </a:schemeClr>
-                  </a:solidFill>
-                  <a:effectLst>
-                    <a:outerShdw blurRad="38100" dist="19050" dir="2700000" algn="tl" rotWithShape="0">
-                      <a:schemeClr val="dk1">
-                        <a:alpha val="40000"/>
-                      </a:schemeClr>
-                    </a:outerShdw>
-                  </a:effectLst>
-                  <a:latin typeface="Segoe UI" panose="020B0502040204020203" pitchFamily="34" charset="0"/>
-                  <a:ea typeface="Segoe UI Black" panose="020B0A02040204020203" pitchFamily="34" charset="0"/>
-                  <a:cs typeface="Segoe UI" panose="020B0502040204020203" pitchFamily="34" charset="0"/>
-                </a:rPr>
-                <a:t> </a:t>
-              </a:r>
-              <a:r>
-                <a:rPr lang="vi-VN" sz="1200" dirty="0" err="1" smtClean="0">
-                  <a:ln w="0"/>
-                  <a:solidFill>
-                    <a:schemeClr val="accent1">
-                      <a:lumMod val="50000"/>
-                    </a:schemeClr>
-                  </a:solidFill>
-                  <a:effectLst>
-                    <a:outerShdw blurRad="38100" dist="19050" dir="2700000" algn="tl" rotWithShape="0">
-                      <a:schemeClr val="dk1">
-                        <a:alpha val="40000"/>
-                      </a:schemeClr>
-                    </a:outerShdw>
-                  </a:effectLst>
-                  <a:latin typeface="Segoe UI" panose="020B0502040204020203" pitchFamily="34" charset="0"/>
-                  <a:ea typeface="Segoe UI Black" panose="020B0A02040204020203" pitchFamily="34" charset="0"/>
-                  <a:cs typeface="Segoe UI" panose="020B0502040204020203" pitchFamily="34" charset="0"/>
-                </a:rPr>
-                <a:t>get</a:t>
-              </a:r>
-              <a:r>
-                <a:rPr lang="en-US" sz="1200" dirty="0" smtClean="0">
-                  <a:ln w="0"/>
-                  <a:solidFill>
-                    <a:schemeClr val="accent1">
-                      <a:lumMod val="50000"/>
-                    </a:schemeClr>
-                  </a:solidFill>
-                  <a:effectLst>
-                    <a:outerShdw blurRad="38100" dist="19050" dir="2700000" algn="tl" rotWithShape="0">
-                      <a:schemeClr val="dk1">
-                        <a:alpha val="40000"/>
-                      </a:schemeClr>
-                    </a:outerShdw>
-                  </a:effectLst>
-                  <a:latin typeface="Segoe UI" panose="020B0502040204020203" pitchFamily="34" charset="0"/>
-                  <a:ea typeface="Segoe UI Black" panose="020B0A02040204020203" pitchFamily="34" charset="0"/>
-                  <a:cs typeface="Segoe UI" panose="020B0502040204020203" pitchFamily="34" charset="0"/>
-                </a:rPr>
-                <a:t>Hours</a:t>
-              </a:r>
-              <a:r>
-                <a:rPr lang="vi-VN" sz="1200" dirty="0" smtClean="0">
-                  <a:ln w="0"/>
-                  <a:solidFill>
-                    <a:schemeClr val="accent1">
-                      <a:lumMod val="50000"/>
-                    </a:schemeClr>
-                  </a:solidFill>
-                  <a:effectLst>
-                    <a:outerShdw blurRad="38100" dist="19050" dir="2700000" algn="tl" rotWithShape="0">
-                      <a:schemeClr val="dk1">
-                        <a:alpha val="40000"/>
-                      </a:schemeClr>
-                    </a:outerShdw>
-                  </a:effectLst>
-                  <a:latin typeface="Segoe UI" panose="020B0502040204020203" pitchFamily="34" charset="0"/>
-                  <a:ea typeface="Segoe UI Black" panose="020B0A02040204020203" pitchFamily="34" charset="0"/>
-                  <a:cs typeface="Segoe UI" panose="020B0502040204020203" pitchFamily="34" charset="0"/>
-                </a:rPr>
-                <a:t>(</a:t>
-              </a:r>
-              <a:r>
-                <a:rPr lang="en-US" sz="1200" dirty="0" smtClean="0">
-                  <a:ln w="0"/>
-                  <a:solidFill>
-                    <a:schemeClr val="accent1">
-                      <a:lumMod val="50000"/>
-                    </a:schemeClr>
-                  </a:solidFill>
-                  <a:effectLst>
-                    <a:outerShdw blurRad="38100" dist="19050" dir="2700000" algn="tl" rotWithShape="0">
-                      <a:schemeClr val="dk1">
-                        <a:alpha val="40000"/>
-                      </a:schemeClr>
-                    </a:outerShdw>
-                  </a:effectLst>
-                  <a:latin typeface="Segoe UI" panose="020B0502040204020203" pitchFamily="34" charset="0"/>
-                  <a:ea typeface="Segoe UI Black" panose="020B0A02040204020203" pitchFamily="34" charset="0"/>
-                  <a:cs typeface="Segoe UI" panose="020B0502040204020203" pitchFamily="34" charset="0"/>
-                </a:rPr>
-                <a:t>)</a:t>
-              </a:r>
-            </a:p>
-            <a:p>
-              <a:pPr marL="285750" indent="-285750">
-                <a:lnSpc>
-                  <a:spcPct val="150000"/>
-                </a:lnSpc>
-                <a:buFont typeface="Arial" panose="020B0604020202020204" pitchFamily="34" charset="0"/>
-                <a:buChar char="•"/>
-              </a:pPr>
-              <a:r>
-                <a:rPr lang="en-US" sz="1200" dirty="0" smtClean="0">
-                  <a:ln w="0"/>
-                  <a:solidFill>
-                    <a:schemeClr val="accent1">
-                      <a:lumMod val="50000"/>
-                    </a:schemeClr>
-                  </a:solidFill>
-                  <a:effectLst>
-                    <a:outerShdw blurRad="38100" dist="19050" dir="2700000" algn="tl" rotWithShape="0">
-                      <a:schemeClr val="dk1">
-                        <a:alpha val="40000"/>
-                      </a:schemeClr>
-                    </a:outerShdw>
-                  </a:effectLst>
-                  <a:latin typeface="Segoe UI" panose="020B0502040204020203" pitchFamily="34" charset="0"/>
-                  <a:ea typeface="Segoe UI Black" panose="020B0A02040204020203" pitchFamily="34" charset="0"/>
-                  <a:cs typeface="Segoe UI" panose="020B0502040204020203" pitchFamily="34" charset="0"/>
-                </a:rPr>
-                <a:t>Void </a:t>
-              </a:r>
-              <a:r>
-                <a:rPr lang="en-US" sz="1200" dirty="0" err="1" smtClean="0">
-                  <a:ln w="0"/>
-                  <a:solidFill>
-                    <a:schemeClr val="accent1">
-                      <a:lumMod val="50000"/>
-                    </a:schemeClr>
-                  </a:solidFill>
-                  <a:effectLst>
-                    <a:outerShdw blurRad="38100" dist="19050" dir="2700000" algn="tl" rotWithShape="0">
-                      <a:schemeClr val="dk1">
-                        <a:alpha val="40000"/>
-                      </a:schemeClr>
-                    </a:outerShdw>
-                  </a:effectLst>
-                  <a:latin typeface="Segoe UI" panose="020B0502040204020203" pitchFamily="34" charset="0"/>
-                  <a:ea typeface="Segoe UI Black" panose="020B0A02040204020203" pitchFamily="34" charset="0"/>
-                  <a:cs typeface="Segoe UI" panose="020B0502040204020203" pitchFamily="34" charset="0"/>
-                </a:rPr>
-                <a:t>setMinutes</a:t>
-              </a:r>
-              <a:r>
-                <a:rPr lang="en-US" sz="1200" dirty="0" smtClean="0">
-                  <a:ln w="0"/>
-                  <a:solidFill>
-                    <a:schemeClr val="accent1">
-                      <a:lumMod val="50000"/>
-                    </a:schemeClr>
-                  </a:solidFill>
-                  <a:effectLst>
-                    <a:outerShdw blurRad="38100" dist="19050" dir="2700000" algn="tl" rotWithShape="0">
-                      <a:schemeClr val="dk1">
-                        <a:alpha val="40000"/>
-                      </a:schemeClr>
-                    </a:outerShdw>
-                  </a:effectLst>
-                  <a:latin typeface="Segoe UI" panose="020B0502040204020203" pitchFamily="34" charset="0"/>
-                  <a:ea typeface="Segoe UI Black" panose="020B0A02040204020203" pitchFamily="34" charset="0"/>
-                  <a:cs typeface="Segoe UI" panose="020B0502040204020203" pitchFamily="34" charset="0"/>
-                </a:rPr>
-                <a:t>(float)</a:t>
-              </a:r>
-            </a:p>
-            <a:p>
-              <a:pPr marL="285750" indent="-285750">
-                <a:lnSpc>
-                  <a:spcPct val="150000"/>
-                </a:lnSpc>
-                <a:buFont typeface="Arial" panose="020B0604020202020204" pitchFamily="34" charset="0"/>
-                <a:buChar char="•"/>
-              </a:pPr>
-              <a:r>
-                <a:rPr lang="en-US" sz="1200" dirty="0" smtClean="0">
-                  <a:ln w="0"/>
-                  <a:solidFill>
-                    <a:schemeClr val="accent1">
-                      <a:lumMod val="50000"/>
-                    </a:schemeClr>
-                  </a:solidFill>
-                  <a:effectLst>
-                    <a:outerShdw blurRad="38100" dist="19050" dir="2700000" algn="tl" rotWithShape="0">
-                      <a:schemeClr val="dk1">
-                        <a:alpha val="40000"/>
-                      </a:schemeClr>
-                    </a:outerShdw>
-                  </a:effectLst>
-                  <a:latin typeface="Segoe UI" panose="020B0502040204020203" pitchFamily="34" charset="0"/>
-                  <a:ea typeface="Segoe UI Black" panose="020B0A02040204020203" pitchFamily="34" charset="0"/>
-                  <a:cs typeface="Segoe UI" panose="020B0502040204020203" pitchFamily="34" charset="0"/>
-                </a:rPr>
-                <a:t>Float </a:t>
-              </a:r>
-              <a:r>
-                <a:rPr lang="en-US" sz="1200" dirty="0" err="1" smtClean="0">
-                  <a:ln w="0"/>
-                  <a:solidFill>
-                    <a:schemeClr val="accent1">
-                      <a:lumMod val="50000"/>
-                    </a:schemeClr>
-                  </a:solidFill>
-                  <a:effectLst>
-                    <a:outerShdw blurRad="38100" dist="19050" dir="2700000" algn="tl" rotWithShape="0">
-                      <a:schemeClr val="dk1">
-                        <a:alpha val="40000"/>
-                      </a:schemeClr>
-                    </a:outerShdw>
-                  </a:effectLst>
-                  <a:latin typeface="Segoe UI" panose="020B0502040204020203" pitchFamily="34" charset="0"/>
-                  <a:ea typeface="Segoe UI Black" panose="020B0A02040204020203" pitchFamily="34" charset="0"/>
-                  <a:cs typeface="Segoe UI" panose="020B0502040204020203" pitchFamily="34" charset="0"/>
-                </a:rPr>
-                <a:t>getMinutes</a:t>
-              </a:r>
-              <a:r>
-                <a:rPr lang="en-US" sz="1200" dirty="0" smtClean="0">
-                  <a:ln w="0"/>
-                  <a:solidFill>
-                    <a:schemeClr val="accent1">
-                      <a:lumMod val="50000"/>
-                    </a:schemeClr>
-                  </a:solidFill>
-                  <a:effectLst>
-                    <a:outerShdw blurRad="38100" dist="19050" dir="2700000" algn="tl" rotWithShape="0">
-                      <a:schemeClr val="dk1">
-                        <a:alpha val="40000"/>
-                      </a:schemeClr>
-                    </a:outerShdw>
-                  </a:effectLst>
-                  <a:latin typeface="Segoe UI" panose="020B0502040204020203" pitchFamily="34" charset="0"/>
-                  <a:ea typeface="Segoe UI Black" panose="020B0A02040204020203" pitchFamily="34" charset="0"/>
-                  <a:cs typeface="Segoe UI" panose="020B0502040204020203" pitchFamily="34" charset="0"/>
-                </a:rPr>
-                <a:t>()</a:t>
-              </a:r>
-            </a:p>
-          </p:txBody>
-        </p:sp>
-        <p:sp>
-          <p:nvSpPr>
-            <p:cNvPr id="38" name="Rectangle 8"/>
-            <p:cNvSpPr/>
-            <p:nvPr/>
-          </p:nvSpPr>
-          <p:spPr>
-            <a:xfrm>
-              <a:off x="8469654" y="3783705"/>
-              <a:ext cx="1391663" cy="611899"/>
-            </a:xfrm>
-            <a:prstGeom prst="rect">
-              <a:avLst/>
-            </a:prstGeom>
-            <a:noFill/>
-          </p:spPr>
-          <p:txBody>
-            <a:bodyPr wrap="none" lIns="91440" tIns="45720" rIns="91440" bIns="45720">
-              <a:spAutoFit/>
-            </a:bodyPr>
-            <a:lstStyle/>
-            <a:p>
-              <a:pPr marL="285750" indent="-285750">
-                <a:lnSpc>
-                  <a:spcPct val="150000"/>
-                </a:lnSpc>
-                <a:buFont typeface="Arial" panose="020B0604020202020204" pitchFamily="34" charset="0"/>
-                <a:buChar char="•"/>
-              </a:pPr>
-              <a:r>
-                <a:rPr lang="en-US" sz="1200" dirty="0" smtClean="0">
-                  <a:ln w="0"/>
-                  <a:solidFill>
-                    <a:schemeClr val="accent1">
-                      <a:lumMod val="50000"/>
-                    </a:schemeClr>
-                  </a:solidFill>
-                  <a:effectLst>
-                    <a:outerShdw blurRad="38100" dist="19050" dir="2700000" algn="tl" rotWithShape="0">
-                      <a:schemeClr val="dk1">
-                        <a:alpha val="40000"/>
-                      </a:schemeClr>
-                    </a:outerShdw>
-                  </a:effectLst>
-                  <a:latin typeface="Segoe UI" panose="020B0502040204020203" pitchFamily="34" charset="0"/>
-                  <a:ea typeface="Segoe UI Black" panose="020B0A02040204020203" pitchFamily="34" charset="0"/>
-                  <a:cs typeface="Segoe UI" panose="020B0502040204020203" pitchFamily="34" charset="0"/>
-                </a:rPr>
-                <a:t>Float Hours</a:t>
-              </a:r>
-            </a:p>
-            <a:p>
-              <a:pPr marL="285750" indent="-285750">
-                <a:lnSpc>
-                  <a:spcPct val="150000"/>
-                </a:lnSpc>
-                <a:buFont typeface="Arial" panose="020B0604020202020204" pitchFamily="34" charset="0"/>
-                <a:buChar char="•"/>
-              </a:pPr>
-              <a:r>
-                <a:rPr lang="en-US" sz="1200" dirty="0" smtClean="0">
-                  <a:ln w="0"/>
-                  <a:solidFill>
-                    <a:schemeClr val="accent1">
-                      <a:lumMod val="50000"/>
-                    </a:schemeClr>
-                  </a:solidFill>
-                  <a:effectLst>
-                    <a:outerShdw blurRad="38100" dist="19050" dir="2700000" algn="tl" rotWithShape="0">
-                      <a:schemeClr val="dk1">
-                        <a:alpha val="40000"/>
-                      </a:schemeClr>
-                    </a:outerShdw>
-                  </a:effectLst>
-                  <a:latin typeface="Segoe UI" panose="020B0502040204020203" pitchFamily="34" charset="0"/>
-                  <a:ea typeface="Segoe UI Black" panose="020B0A02040204020203" pitchFamily="34" charset="0"/>
-                  <a:cs typeface="Segoe UI" panose="020B0502040204020203" pitchFamily="34" charset="0"/>
-                </a:rPr>
-                <a:t>Float Minutes</a:t>
-              </a:r>
-            </a:p>
-          </p:txBody>
-        </p:sp>
-        <p:sp>
-          <p:nvSpPr>
-            <p:cNvPr id="39" name="Rectangle 19"/>
-            <p:cNvSpPr/>
-            <p:nvPr/>
-          </p:nvSpPr>
-          <p:spPr>
-            <a:xfrm>
-              <a:off x="8323089" y="3683092"/>
-              <a:ext cx="2237181" cy="810178"/>
-            </a:xfrm>
-            <a:prstGeom prst="rect">
-              <a:avLst/>
-            </a:prstGeom>
-            <a:noFill/>
-          </p:spPr>
-          <p:style>
-            <a:lnRef idx="2">
-              <a:schemeClr val="accent1">
-                <a:shade val="50000"/>
-              </a:schemeClr>
-            </a:lnRef>
-            <a:fillRef idx="1">
-              <a:schemeClr val="accent1"/>
-            </a:fillRef>
-            <a:effectRef idx="0">
-              <a:schemeClr val="accent1"/>
-            </a:effectRef>
-            <a:fontRef idx="minor">
-              <a:schemeClr val="lt1"/>
-            </a:fontRef>
-          </p:style>
-          <p:txBody>
-            <a:bodyPr rtlCol="0" anchor="ctr"/>
-            <a:lstStyle/>
-            <a:p>
-              <a:pPr algn="ctr"/>
-              <a:endParaRPr lang="en-US" sz="1600" dirty="0"/>
-            </a:p>
-          </p:txBody>
-        </p:sp>
-        <p:sp>
-          <p:nvSpPr>
-            <p:cNvPr id="40" name="Rectangle 20"/>
-            <p:cNvSpPr/>
-            <p:nvPr/>
-          </p:nvSpPr>
-          <p:spPr>
-            <a:xfrm>
-              <a:off x="8323089" y="4493270"/>
-              <a:ext cx="2237181" cy="1417638"/>
-            </a:xfrm>
-            <a:prstGeom prst="rect">
-              <a:avLst/>
-            </a:prstGeom>
-            <a:noFill/>
-          </p:spPr>
-          <p:style>
-            <a:lnRef idx="2">
-              <a:schemeClr val="accent1">
-                <a:shade val="50000"/>
-              </a:schemeClr>
-            </a:lnRef>
-            <a:fillRef idx="1">
-              <a:schemeClr val="accent1"/>
-            </a:fillRef>
-            <a:effectRef idx="0">
-              <a:schemeClr val="accent1"/>
-            </a:effectRef>
-            <a:fontRef idx="minor">
-              <a:schemeClr val="lt1"/>
-            </a:fontRef>
-          </p:style>
-          <p:txBody>
-            <a:bodyPr rtlCol="0" anchor="ctr"/>
-            <a:lstStyle/>
-            <a:p>
-              <a:pPr algn="ctr"/>
-              <a:endParaRPr lang="en-US"/>
-            </a:p>
-          </p:txBody>
-        </p:sp>
-      </p:grpSp>
-      <p:cxnSp>
-        <p:nvCxnSpPr>
-          <p:cNvPr id="43" name="Đường kết nối Mũi tên Thẳng 42"/>
-          <p:cNvCxnSpPr>
-            <a:stCxn id="3" idx="3"/>
-            <a:endCxn id="18" idx="1"/>
-          </p:cNvCxnSpPr>
-          <p:nvPr/>
-        </p:nvCxnSpPr>
-        <p:spPr>
-          <a:xfrm>
-            <a:off x="3594712" y="778994"/>
-            <a:ext cx="2155869" cy="821174"/>
-          </a:xfrm>
-          <a:prstGeom prst="straightConnector1">
+          <a:prstGeom prst="rect">
             <a:avLst/>
           </a:prstGeom>
-          <a:ln w="28575">
-            <a:tailEnd type="triangle"/>
-          </a:ln>
+          <a:noFill/>
+          <a:extLst>
+            <a:ext uri="{909E8E84-426E-40DD-AFC4-6F175D3DCCD1}">
+              <a14:hiddenFill xmlns:a14="http://schemas.microsoft.com/office/drawing/2010/main">
+                <a:solidFill>
+                  <a:srgbClr val="FFFFFF"/>
+                </a:solidFill>
+              </a14:hiddenFill>
+            </a:ext>
+          </a:extLst>
         </p:spPr>
-        <p:style>
-          <a:lnRef idx="1">
-            <a:schemeClr val="accent1"/>
-          </a:lnRef>
-          <a:fillRef idx="0">
-            <a:schemeClr val="accent1"/>
-          </a:fillRef>
-          <a:effectRef idx="0">
-            <a:schemeClr val="accent1"/>
-          </a:effectRef>
-          <a:fontRef idx="minor">
-            <a:schemeClr val="tx1"/>
-          </a:fontRef>
-        </p:style>
-      </p:cxnSp>
-      <p:cxnSp>
-        <p:nvCxnSpPr>
-          <p:cNvPr id="44" name="Đường kết nối Mũi tên Thẳng 43"/>
-          <p:cNvCxnSpPr>
-            <a:endCxn id="18" idx="3"/>
-          </p:cNvCxnSpPr>
-          <p:nvPr/>
-        </p:nvCxnSpPr>
-        <p:spPr>
-          <a:xfrm flipH="1">
-            <a:off x="8592731" y="836063"/>
-            <a:ext cx="581431" cy="764105"/>
-          </a:xfrm>
-          <a:prstGeom prst="straightConnector1">
-            <a:avLst/>
-          </a:prstGeom>
-          <a:ln w="28575">
-            <a:tailEnd type="triangle"/>
-          </a:ln>
-        </p:spPr>
-        <p:style>
-          <a:lnRef idx="1">
-            <a:schemeClr val="accent1"/>
-          </a:lnRef>
-          <a:fillRef idx="0">
-            <a:schemeClr val="accent1"/>
-          </a:fillRef>
-          <a:effectRef idx="0">
-            <a:schemeClr val="accent1"/>
-          </a:effectRef>
-          <a:fontRef idx="minor">
-            <a:schemeClr val="tx1"/>
-          </a:fontRef>
-        </p:style>
-      </p:cxnSp>
-      <p:cxnSp>
-        <p:nvCxnSpPr>
-          <p:cNvPr id="52" name="Đường Kết nối Gấp khúc 51"/>
-          <p:cNvCxnSpPr/>
-          <p:nvPr/>
-        </p:nvCxnSpPr>
-        <p:spPr>
-          <a:xfrm flipV="1">
-            <a:off x="502852" y="836063"/>
-            <a:ext cx="8661552" cy="3785626"/>
-          </a:xfrm>
-          <a:prstGeom prst="bentConnector3">
-            <a:avLst>
-              <a:gd name="adj1" fmla="val 50000"/>
-            </a:avLst>
-          </a:prstGeom>
-          <a:ln w="28575">
-            <a:tailEnd type="triangle"/>
-          </a:ln>
-        </p:spPr>
-        <p:style>
-          <a:lnRef idx="1">
-            <a:schemeClr val="accent1"/>
-          </a:lnRef>
-          <a:fillRef idx="0">
-            <a:schemeClr val="accent1"/>
-          </a:fillRef>
-          <a:effectRef idx="0">
-            <a:schemeClr val="accent1"/>
-          </a:effectRef>
-          <a:fontRef idx="minor">
-            <a:schemeClr val="tx1"/>
-          </a:fontRef>
-        </p:style>
-      </p:cxnSp>
-      <p:cxnSp>
-        <p:nvCxnSpPr>
-          <p:cNvPr id="61" name="Đường kết nối Mũi tên Thẳng 60"/>
-          <p:cNvCxnSpPr>
-            <a:endCxn id="13" idx="2"/>
-          </p:cNvCxnSpPr>
-          <p:nvPr/>
-        </p:nvCxnSpPr>
-        <p:spPr>
-          <a:xfrm flipV="1">
-            <a:off x="2053660" y="4111272"/>
-            <a:ext cx="1" cy="510417"/>
-          </a:xfrm>
-          <a:prstGeom prst="straightConnector1">
-            <a:avLst/>
-          </a:prstGeom>
-          <a:ln w="28575">
-            <a:tailEnd type="triangle"/>
-          </a:ln>
-        </p:spPr>
-        <p:style>
-          <a:lnRef idx="1">
-            <a:schemeClr val="accent1"/>
-          </a:lnRef>
-          <a:fillRef idx="0">
-            <a:schemeClr val="accent1"/>
-          </a:fillRef>
-          <a:effectRef idx="0">
-            <a:schemeClr val="accent1"/>
-          </a:effectRef>
-          <a:fontRef idx="minor">
-            <a:schemeClr val="tx1"/>
-          </a:fontRef>
-        </p:style>
-      </p:cxnSp>
+      </p:pic>
     </p:spTree>
     <p:extLst>
       <p:ext uri="{BB962C8B-B14F-4D97-AF65-F5344CB8AC3E}">
@@ -28670,7 +23555,7 @@
   <a:extraClrSchemeLst/>
   <a:extLst>
     <a:ext uri="{05A4C25C-085E-4340-85A3-A5531E510DB2}">
-      <thm15:themeFamily xmlns="" xmlns:thm15="http://schemas.microsoft.com/office/thememl/2012/main" name="Office Theme" id="{62F939B6-93AF-4DB8-9C6B-D6C7DFDC589F}" vid="{4A3C46E8-61CC-4603-A589-7422A47A8E4A}"/>
+      <thm15:themeFamily xmlns:thm15="http://schemas.microsoft.com/office/thememl/2012/main" xmlns="" name="Office Theme" id="{62F939B6-93AF-4DB8-9C6B-D6C7DFDC589F}" vid="{4A3C46E8-61CC-4603-A589-7422A47A8E4A}"/>
     </a:ext>
   </a:extLst>
 </a:theme>
